--- a/Reports/발표/졸과 최종 발표_HS.pptx
+++ b/Reports/발표/졸과 최종 발표_HS.pptx
@@ -2184,7 +2184,7 @@
           <a:p>
             <a:fld id="{5C85567D-AB5D-4AC7-81EF-B47DBFAE57A2}" type="datetimeFigureOut">
               <a:rPr lang="ko-KR" altLang="en-US" smtClean="0"/>
-              <a:t>2020-09-16</a:t>
+              <a:t>2020-09-17</a:t>
             </a:fld>
             <a:endParaRPr lang="ko-KR" altLang="en-US"/>
           </a:p>
@@ -2472,7 +2472,7 @@
           <a:p>
             <a:fld id="{5C85567D-AB5D-4AC7-81EF-B47DBFAE57A2}" type="datetimeFigureOut">
               <a:rPr lang="ko-KR" altLang="en-US" smtClean="0"/>
-              <a:t>2020-09-16</a:t>
+              <a:t>2020-09-17</a:t>
             </a:fld>
             <a:endParaRPr lang="ko-KR" altLang="en-US"/>
           </a:p>
@@ -2670,7 +2670,7 @@
           <a:p>
             <a:fld id="{5C85567D-AB5D-4AC7-81EF-B47DBFAE57A2}" type="datetimeFigureOut">
               <a:rPr lang="ko-KR" altLang="en-US" smtClean="0"/>
-              <a:t>2020-09-16</a:t>
+              <a:t>2020-09-17</a:t>
             </a:fld>
             <a:endParaRPr lang="ko-KR" altLang="en-US"/>
           </a:p>
@@ -2878,7 +2878,7 @@
           <a:p>
             <a:fld id="{5C85567D-AB5D-4AC7-81EF-B47DBFAE57A2}" type="datetimeFigureOut">
               <a:rPr lang="ko-KR" altLang="en-US" smtClean="0"/>
-              <a:t>2020-09-16</a:t>
+              <a:t>2020-09-17</a:t>
             </a:fld>
             <a:endParaRPr lang="ko-KR" altLang="en-US"/>
           </a:p>
@@ -3076,7 +3076,7 @@
           <a:p>
             <a:fld id="{5C85567D-AB5D-4AC7-81EF-B47DBFAE57A2}" type="datetimeFigureOut">
               <a:rPr lang="ko-KR" altLang="en-US" smtClean="0"/>
-              <a:t>2020-09-16</a:t>
+              <a:t>2020-09-17</a:t>
             </a:fld>
             <a:endParaRPr lang="ko-KR" altLang="en-US"/>
           </a:p>
@@ -3351,7 +3351,7 @@
           <a:p>
             <a:fld id="{5C85567D-AB5D-4AC7-81EF-B47DBFAE57A2}" type="datetimeFigureOut">
               <a:rPr lang="ko-KR" altLang="en-US" smtClean="0"/>
-              <a:t>2020-09-16</a:t>
+              <a:t>2020-09-17</a:t>
             </a:fld>
             <a:endParaRPr lang="ko-KR" altLang="en-US"/>
           </a:p>
@@ -3616,7 +3616,7 @@
           <a:p>
             <a:fld id="{5C85567D-AB5D-4AC7-81EF-B47DBFAE57A2}" type="datetimeFigureOut">
               <a:rPr lang="ko-KR" altLang="en-US" smtClean="0"/>
-              <a:t>2020-09-16</a:t>
+              <a:t>2020-09-17</a:t>
             </a:fld>
             <a:endParaRPr lang="ko-KR" altLang="en-US"/>
           </a:p>
@@ -4028,7 +4028,7 @@
           <a:p>
             <a:fld id="{5C85567D-AB5D-4AC7-81EF-B47DBFAE57A2}" type="datetimeFigureOut">
               <a:rPr lang="ko-KR" altLang="en-US" smtClean="0"/>
-              <a:t>2020-09-16</a:t>
+              <a:t>2020-09-17</a:t>
             </a:fld>
             <a:endParaRPr lang="ko-KR" altLang="en-US"/>
           </a:p>
@@ -4169,7 +4169,7 @@
           <a:p>
             <a:fld id="{5C85567D-AB5D-4AC7-81EF-B47DBFAE57A2}" type="datetimeFigureOut">
               <a:rPr lang="ko-KR" altLang="en-US" smtClean="0"/>
-              <a:t>2020-09-16</a:t>
+              <a:t>2020-09-17</a:t>
             </a:fld>
             <a:endParaRPr lang="ko-KR" altLang="en-US"/>
           </a:p>
@@ -4371,7 +4371,7 @@
           <a:p>
             <a:fld id="{5C85567D-AB5D-4AC7-81EF-B47DBFAE57A2}" type="datetimeFigureOut">
               <a:rPr lang="ko-KR" altLang="en-US" smtClean="0"/>
-              <a:t>2020-09-16</a:t>
+              <a:t>2020-09-17</a:t>
             </a:fld>
             <a:endParaRPr lang="ko-KR" altLang="en-US"/>
           </a:p>
@@ -4612,7 +4612,7 @@
           <a:p>
             <a:fld id="{5C85567D-AB5D-4AC7-81EF-B47DBFAE57A2}" type="datetimeFigureOut">
               <a:rPr lang="ko-KR" altLang="en-US" smtClean="0"/>
-              <a:t>2020-09-16</a:t>
+              <a:t>2020-09-17</a:t>
             </a:fld>
             <a:endParaRPr lang="ko-KR" altLang="en-US"/>
           </a:p>
@@ -4923,7 +4923,7 @@
           <a:p>
             <a:fld id="{5C85567D-AB5D-4AC7-81EF-B47DBFAE57A2}" type="datetimeFigureOut">
               <a:rPr lang="ko-KR" altLang="en-US" smtClean="0"/>
-              <a:t>2020-09-16</a:t>
+              <a:t>2020-09-17</a:t>
             </a:fld>
             <a:endParaRPr lang="ko-KR" altLang="en-US"/>
           </a:p>
@@ -5164,7 +5164,7 @@
           <a:p>
             <a:fld id="{5C85567D-AB5D-4AC7-81EF-B47DBFAE57A2}" type="datetimeFigureOut">
               <a:rPr lang="ko-KR" altLang="en-US" smtClean="0"/>
-              <a:t>2020-09-16</a:t>
+              <a:t>2020-09-17</a:t>
             </a:fld>
             <a:endParaRPr lang="ko-KR" altLang="en-US"/>
           </a:p>
@@ -28480,10 +28480,10 @@
       </p:grpSpPr>
       <p:pic>
         <p:nvPicPr>
-          <p:cNvPr id="4" name="그림 3">
-            <a:extLst>
-              <a:ext uri="{FF2B5EF4-FFF2-40B4-BE49-F238E27FC236}">
-                <a16:creationId xmlns:a16="http://schemas.microsoft.com/office/drawing/2014/main" id="{2F2024DE-C3DD-451D-B9C9-C4B0B54D4386}"/>
+          <p:cNvPr id="18" name="그림 17" descr="실내, 테이블, 노트북, 컴퓨터이(가) 표시된 사진&#10;&#10;자동 생성된 설명">
+            <a:extLst>
+              <a:ext uri="{FF2B5EF4-FFF2-40B4-BE49-F238E27FC236}">
+                <a16:creationId xmlns:a16="http://schemas.microsoft.com/office/drawing/2014/main" id="{AEFB2A2E-871B-48FA-A0C3-CCEE0D9596FB}"/>
               </a:ext>
             </a:extLst>
           </p:cNvPr>
@@ -28505,8 +28505,8 @@
         </p:blipFill>
         <p:spPr>
           <a:xfrm>
-            <a:off x="0" y="0"/>
-            <a:ext cx="12192000" cy="6858000"/>
+            <a:off x="5504329" y="0"/>
+            <a:ext cx="6687671" cy="6858000"/>
           </a:xfrm>
           <a:prstGeom prst="rect">
             <a:avLst/>
@@ -28742,8 +28742,8 @@
         </p:nvSpPr>
         <p:spPr>
           <a:xfrm>
-            <a:off x="867083" y="2067023"/>
-            <a:ext cx="3191570" cy="3785652"/>
+            <a:off x="867082" y="2067023"/>
+            <a:ext cx="4637247" cy="3785652"/>
           </a:xfrm>
           <a:prstGeom prst="rect">
             <a:avLst/>
@@ -37408,7 +37408,7 @@
           <p:nvPr>
             <p:extLst>
               <p:ext uri="{D42A27DB-BD31-4B8C-83A1-F6EECF244321}">
-                <p14:modId xmlns:p14="http://schemas.microsoft.com/office/powerpoint/2010/main" val="2849598449"/>
+                <p14:modId xmlns:p14="http://schemas.microsoft.com/office/powerpoint/2010/main" val="3480634772"/>
               </p:ext>
             </p:extLst>
           </p:nvPr>
@@ -37431,14 +37431,14 @@
                     </a:ext>
                   </a:extLst>
                 </a:gridCol>
-                <a:gridCol w="2409683">
+                <a:gridCol w="2216004">
                   <a:extLst>
                     <a:ext uri="{9D8B030D-6E8A-4147-A177-3AD203B41FA5}">
                       <a16:colId xmlns:a16="http://schemas.microsoft.com/office/drawing/2014/main" val="2363127006"/>
                     </a:ext>
                   </a:extLst>
                 </a:gridCol>
-                <a:gridCol w="8013462">
+                <a:gridCol w="8207141">
                   <a:extLst>
                     <a:ext uri="{9D8B030D-6E8A-4147-A177-3AD203B41FA5}">
                       <a16:colId xmlns:a16="http://schemas.microsoft.com/office/drawing/2014/main" val="947507948"/>
@@ -37461,13 +37461,13 @@
                         </a:spcAft>
                       </a:pPr>
                       <a:r>
-                        <a:rPr lang="ko-KR" sz="1800" kern="100" dirty="0">
+                        <a:rPr lang="ko-KR" sz="1600" kern="100" dirty="0">
                           <a:effectLst/>
                           <a:latin typeface="+mn-lt"/>
                         </a:rPr>
                         <a:t>팀원</a:t>
                       </a:r>
-                      <a:endParaRPr lang="ko-KR" sz="1800" kern="100" dirty="0">
+                      <a:endParaRPr lang="ko-KR" sz="1600" kern="100" dirty="0">
                         <a:effectLst/>
                         <a:latin typeface="+mn-lt"/>
                         <a:ea typeface="맑은 고딕" panose="020B0503020000020004" pitchFamily="50" charset="-127"/>
@@ -37491,13 +37491,13 @@
                         </a:spcAft>
                       </a:pPr>
                       <a:r>
-                        <a:rPr lang="ko-KR" sz="1800" kern="100" dirty="0">
+                        <a:rPr lang="ko-KR" sz="1600" kern="100" dirty="0">
                           <a:effectLst/>
                           <a:latin typeface="+mn-lt"/>
                         </a:rPr>
                         <a:t>역할</a:t>
                       </a:r>
-                      <a:endParaRPr lang="ko-KR" sz="1800" kern="100" dirty="0">
+                      <a:endParaRPr lang="ko-KR" sz="1600" kern="100" dirty="0">
                         <a:effectLst/>
                         <a:latin typeface="+mn-lt"/>
                         <a:ea typeface="맑은 고딕" panose="020B0503020000020004" pitchFamily="50" charset="-127"/>
@@ -37539,13 +37539,13 @@
                         </a:spcAft>
                       </a:pPr>
                       <a:r>
-                        <a:rPr lang="ko-KR" sz="1800" kern="100" dirty="0">
+                        <a:rPr lang="ko-KR" sz="1600" kern="100" dirty="0">
                           <a:effectLst/>
                           <a:latin typeface="+mn-lt"/>
                         </a:rPr>
                         <a:t>공통</a:t>
                       </a:r>
-                      <a:endParaRPr lang="ko-KR" sz="1800" kern="100" dirty="0">
+                      <a:endParaRPr lang="ko-KR" sz="1600" kern="100" dirty="0">
                         <a:effectLst/>
                         <a:latin typeface="+mn-lt"/>
                         <a:ea typeface="맑은 고딕" panose="020B0503020000020004" pitchFamily="50" charset="-127"/>
@@ -37566,13 +37566,13 @@
                         </a:lnSpc>
                       </a:pPr>
                       <a:r>
-                        <a:rPr lang="ko-KR" sz="1800" kern="100" dirty="0">
+                        <a:rPr lang="ko-KR" sz="1600" kern="100" dirty="0">
                           <a:effectLst/>
                           <a:latin typeface="+mn-lt"/>
                         </a:rPr>
                         <a:t>시뮬레이터를 이용하여 센서 데이터를 수집</a:t>
                       </a:r>
-                      <a:endParaRPr lang="ko-KR" sz="1400" kern="100" dirty="0">
+                      <a:endParaRPr lang="ko-KR" sz="1600" kern="100" dirty="0">
                         <a:solidFill>
                           <a:srgbClr val="000000"/>
                         </a:solidFill>
@@ -37617,13 +37617,13 @@
                         </a:spcAft>
                       </a:pPr>
                       <a:r>
-                        <a:rPr lang="ko-KR" sz="1800" kern="100" dirty="0" err="1">
+                        <a:rPr lang="ko-KR" sz="1600" kern="100" dirty="0" err="1">
                           <a:effectLst/>
                           <a:latin typeface="+mn-lt"/>
                         </a:rPr>
                         <a:t>정희석</a:t>
                       </a:r>
-                      <a:endParaRPr lang="ko-KR" sz="1800" kern="100" dirty="0">
+                      <a:endParaRPr lang="ko-KR" sz="1600" kern="100" dirty="0">
                         <a:effectLst/>
                         <a:latin typeface="+mn-lt"/>
                         <a:ea typeface="맑은 고딕" panose="020B0503020000020004" pitchFamily="50" charset="-127"/>
@@ -37647,13 +37647,13 @@
                         </a:spcAft>
                       </a:pPr>
                       <a:r>
-                        <a:rPr lang="ko-KR" sz="1800" kern="100" dirty="0">
+                        <a:rPr lang="ko-KR" sz="1600" kern="100" dirty="0">
                           <a:effectLst/>
                           <a:latin typeface="+mn-lt"/>
                         </a:rPr>
                         <a:t>딥러닝 모델 설계</a:t>
                       </a:r>
-                      <a:endParaRPr lang="ko-KR" sz="1800" kern="100" dirty="0">
+                      <a:endParaRPr lang="ko-KR" sz="1600" kern="100" dirty="0">
                         <a:effectLst/>
                         <a:latin typeface="+mn-lt"/>
                         <a:ea typeface="맑은 고딕" panose="020B0503020000020004" pitchFamily="50" charset="-127"/>
@@ -37677,14 +37677,14 @@
                         </a:spcAft>
                       </a:pPr>
                       <a:r>
-                        <a:rPr lang="en-US" sz="1800" kern="100" dirty="0">
+                        <a:rPr lang="en-US" sz="1600" kern="100" dirty="0">
                           <a:effectLst/>
                           <a:latin typeface="+mn-lt"/>
                         </a:rPr>
                         <a:t>- </a:t>
                       </a:r>
                       <a:r>
-                        <a:rPr lang="ko-KR" sz="1800" kern="100" dirty="0">
+                        <a:rPr lang="ko-KR" sz="1600" kern="100" dirty="0">
                           <a:effectLst/>
                           <a:latin typeface="+mn-lt"/>
                         </a:rPr>
@@ -37701,69 +37701,69 @@
                         </a:spcAft>
                       </a:pPr>
                       <a:r>
-                        <a:rPr lang="en-US" sz="1800" kern="100" dirty="0">
+                        <a:rPr lang="en-US" sz="1600" kern="100" dirty="0">
                           <a:effectLst/>
                           <a:latin typeface="+mn-lt"/>
                         </a:rPr>
                         <a:t>- Google </a:t>
                       </a:r>
                       <a:r>
-                        <a:rPr lang="en-US" sz="1800" kern="100" dirty="0" err="1">
+                        <a:rPr lang="en-US" sz="1600" kern="100" dirty="0" err="1">
                           <a:effectLst/>
                           <a:latin typeface="+mn-lt"/>
                         </a:rPr>
                         <a:t>Colab</a:t>
                       </a:r>
                       <a:r>
-                        <a:rPr lang="ko-KR" sz="1800" kern="100" dirty="0">
+                        <a:rPr lang="ko-KR" sz="1600" kern="100" dirty="0">
                           <a:effectLst/>
                           <a:latin typeface="+mn-lt"/>
                         </a:rPr>
                         <a:t>과 </a:t>
                       </a:r>
                       <a:r>
-                        <a:rPr lang="en-US" sz="1800" kern="100" dirty="0" err="1">
+                        <a:rPr lang="en-US" sz="1600" kern="100" dirty="0" err="1">
                           <a:effectLst/>
                           <a:latin typeface="+mn-lt"/>
                         </a:rPr>
                         <a:t>Tensorflow</a:t>
                       </a:r>
                       <a:r>
-                        <a:rPr lang="ko-KR" sz="1800" kern="100" dirty="0">
+                        <a:rPr lang="ko-KR" sz="1600" kern="100" dirty="0">
                           <a:effectLst/>
                           <a:latin typeface="+mn-lt"/>
                         </a:rPr>
                         <a:t>을 사용해서 딥러닝</a:t>
                       </a:r>
                       <a:r>
-                        <a:rPr lang="en-US" altLang="ko-KR" sz="1800" kern="100" dirty="0">
+                        <a:rPr lang="en-US" altLang="ko-KR" sz="1600" kern="100" dirty="0">
                           <a:effectLst/>
                           <a:latin typeface="+mn-lt"/>
                         </a:rPr>
                         <a:t> </a:t>
                       </a:r>
                       <a:r>
-                        <a:rPr lang="ko-KR" sz="1800" kern="100" dirty="0">
+                        <a:rPr lang="ko-KR" sz="1600" kern="100" dirty="0">
                           <a:effectLst/>
                           <a:latin typeface="+mn-lt"/>
                         </a:rPr>
                         <a:t> 모델 설계 </a:t>
                       </a:r>
                       <a:r>
-                        <a:rPr lang="en-US" sz="1800" kern="100" dirty="0">
+                        <a:rPr lang="en-US" sz="1600" kern="100" dirty="0">
                           <a:effectLst/>
                           <a:latin typeface="+mn-lt"/>
                         </a:rPr>
                         <a:t>&amp; </a:t>
                       </a:r>
                       <a:r>
-                        <a:rPr lang="ko-KR" sz="1800" kern="100" dirty="0">
+                        <a:rPr lang="ko-KR" sz="1600" kern="100" dirty="0">
                           <a:effectLst/>
                           <a:latin typeface="+mn-lt"/>
                         </a:rPr>
                         <a:t>개량</a:t>
                       </a:r>
-                      <a:endParaRPr lang="ko-KR" sz="1800" kern="100" dirty="0">
+                      <a:endParaRPr lang="ko-KR" sz="1600" kern="100" dirty="0">
                         <a:effectLst/>
                         <a:latin typeface="+mn-lt"/>
                         <a:ea typeface="맑은 고딕" panose="020B0503020000020004" pitchFamily="50" charset="-127"/>
@@ -37794,13 +37794,13 @@
                         </a:spcAft>
                       </a:pPr>
                       <a:r>
-                        <a:rPr lang="ko-KR" sz="1800" kern="100">
+                        <a:rPr lang="ko-KR" sz="1600" kern="100">
                           <a:effectLst/>
                           <a:latin typeface="+mn-lt"/>
                         </a:rPr>
                         <a:t>방형진</a:t>
                       </a:r>
-                      <a:endParaRPr lang="ko-KR" sz="1800" kern="100">
+                      <a:endParaRPr lang="ko-KR" sz="1600" kern="100">
                         <a:effectLst/>
                         <a:latin typeface="+mn-lt"/>
                         <a:ea typeface="맑은 고딕" panose="020B0503020000020004" pitchFamily="50" charset="-127"/>
@@ -37821,13 +37821,13 @@
                         </a:lnSpc>
                       </a:pPr>
                       <a:r>
-                        <a:rPr lang="ko-KR" sz="1800" kern="100" dirty="0">
+                        <a:rPr lang="ko-KR" sz="1600" kern="100" dirty="0">
                           <a:effectLst/>
                           <a:latin typeface="+mn-lt"/>
                         </a:rPr>
                         <a:t>학습 데이터 처리</a:t>
                       </a:r>
-                      <a:endParaRPr lang="ko-KR" sz="1400" kern="100" dirty="0">
+                      <a:endParaRPr lang="ko-KR" sz="1600" kern="100" dirty="0">
                         <a:solidFill>
                           <a:srgbClr val="000000"/>
                         </a:solidFill>
@@ -37854,28 +37854,28 @@
                         </a:spcAft>
                       </a:pPr>
                       <a:r>
-                        <a:rPr lang="en-US" sz="1800" kern="100" dirty="0">
+                        <a:rPr lang="en-US" sz="1600" kern="100" dirty="0">
                           <a:effectLst/>
                           <a:latin typeface="+mn-lt"/>
                         </a:rPr>
                         <a:t>- </a:t>
                       </a:r>
                       <a:r>
-                        <a:rPr lang="ko-KR" sz="1800" kern="100" dirty="0">
+                        <a:rPr lang="ko-KR" sz="1600" kern="100" dirty="0">
                           <a:effectLst/>
                           <a:latin typeface="+mn-lt"/>
                         </a:rPr>
                         <a:t>시뮬레이션 프로그램에서 획득한 센서데이터를 </a:t>
                       </a:r>
                       <a:r>
-                        <a:rPr lang="en-US" sz="1800" kern="100" dirty="0">
+                        <a:rPr lang="en-US" sz="1600" kern="100" dirty="0">
                           <a:effectLst/>
                           <a:latin typeface="+mn-lt"/>
                         </a:rPr>
                         <a:t>CSV</a:t>
                       </a:r>
                       <a:r>
-                        <a:rPr lang="ko-KR" sz="1800" kern="100" dirty="0">
+                        <a:rPr lang="ko-KR" sz="1600" kern="100" dirty="0">
                           <a:effectLst/>
                           <a:latin typeface="+mn-lt"/>
                         </a:rPr>
@@ -37892,20 +37892,20 @@
                         </a:spcAft>
                       </a:pPr>
                       <a:r>
-                        <a:rPr lang="en-US" sz="1800" kern="100" dirty="0">
+                        <a:rPr lang="en-US" sz="1600" kern="100" dirty="0">
                           <a:effectLst/>
                           <a:latin typeface="+mn-lt"/>
                         </a:rPr>
                         <a:t>- </a:t>
                       </a:r>
                       <a:r>
-                        <a:rPr lang="ko-KR" sz="1800" kern="100" dirty="0">
+                        <a:rPr lang="ko-KR" sz="1600" kern="100" dirty="0">
                           <a:effectLst/>
                           <a:latin typeface="+mn-lt"/>
                         </a:rPr>
                         <a:t>센서 데이터 특징 분석</a:t>
                       </a:r>
-                      <a:endParaRPr lang="ko-KR" sz="1800" kern="100" dirty="0">
+                      <a:endParaRPr lang="ko-KR" sz="1600" kern="100" dirty="0">
                         <a:effectLst/>
                         <a:latin typeface="+mn-lt"/>
                         <a:ea typeface="맑은 고딕" panose="020B0503020000020004" pitchFamily="50" charset="-127"/>
@@ -37936,13 +37936,13 @@
                         </a:spcAft>
                       </a:pPr>
                       <a:r>
-                        <a:rPr lang="ko-KR" sz="1800" kern="100">
+                        <a:rPr lang="ko-KR" sz="1600" kern="100">
                           <a:effectLst/>
                           <a:latin typeface="+mn-lt"/>
                         </a:rPr>
                         <a:t>이석준</a:t>
                       </a:r>
-                      <a:endParaRPr lang="ko-KR" sz="1800" kern="100">
+                      <a:endParaRPr lang="ko-KR" sz="1600" kern="100">
                         <a:effectLst/>
                         <a:latin typeface="+mn-lt"/>
                         <a:ea typeface="맑은 고딕" panose="020B0503020000020004" pitchFamily="50" charset="-127"/>
@@ -37963,20 +37963,20 @@
                         </a:lnSpc>
                       </a:pPr>
                       <a:r>
-                        <a:rPr lang="en-US" sz="1800" kern="100">
+                        <a:rPr lang="en-US" sz="1600" kern="100">
                           <a:effectLst/>
                           <a:latin typeface="+mn-lt"/>
                         </a:rPr>
                         <a:t>UI </a:t>
                       </a:r>
                       <a:r>
-                        <a:rPr lang="ko-KR" sz="1800" kern="100">
+                        <a:rPr lang="ko-KR" sz="1600" kern="100">
                           <a:effectLst/>
                           <a:latin typeface="+mn-lt"/>
                         </a:rPr>
                         <a:t>개발</a:t>
                       </a:r>
-                      <a:endParaRPr lang="ko-KR" sz="1400" kern="100">
+                      <a:endParaRPr lang="ko-KR" sz="1600" kern="100">
                         <a:solidFill>
                           <a:srgbClr val="000000"/>
                         </a:solidFill>
@@ -38003,42 +38003,42 @@
                         </a:spcAft>
                       </a:pPr>
                       <a:r>
-                        <a:rPr lang="en-US" sz="1800" kern="100" dirty="0">
+                        <a:rPr lang="en-US" sz="1600" kern="100" dirty="0">
                           <a:effectLst/>
                           <a:latin typeface="+mn-lt"/>
                         </a:rPr>
                         <a:t>- Python</a:t>
                       </a:r>
                       <a:r>
-                        <a:rPr lang="ko-KR" sz="1800" kern="100" dirty="0">
+                        <a:rPr lang="ko-KR" sz="1600" kern="100" dirty="0">
                           <a:effectLst/>
                           <a:latin typeface="+mn-lt"/>
                         </a:rPr>
                         <a:t>의 </a:t>
                       </a:r>
                       <a:r>
-                        <a:rPr lang="en-US" sz="1800" kern="100" dirty="0">
+                        <a:rPr lang="en-US" sz="1600" kern="100" dirty="0">
                           <a:effectLst/>
                           <a:latin typeface="+mn-lt"/>
                         </a:rPr>
                         <a:t>PyQt5 </a:t>
                       </a:r>
                       <a:r>
-                        <a:rPr lang="ko-KR" sz="1800" kern="100" dirty="0">
+                        <a:rPr lang="ko-KR" sz="1600" kern="100" dirty="0">
                           <a:effectLst/>
                           <a:latin typeface="+mn-lt"/>
                         </a:rPr>
                         <a:t>모듈을 사용하여 </a:t>
                       </a:r>
                       <a:r>
-                        <a:rPr lang="en-US" sz="1800" kern="100" dirty="0">
+                        <a:rPr lang="en-US" sz="1600" kern="100" dirty="0">
                           <a:effectLst/>
                           <a:latin typeface="+mn-lt"/>
                         </a:rPr>
                         <a:t>GUI </a:t>
                       </a:r>
                       <a:r>
-                        <a:rPr lang="ko-KR" sz="1800" kern="100" dirty="0">
+                        <a:rPr lang="ko-KR" sz="1600" kern="100" dirty="0">
                           <a:effectLst/>
                           <a:latin typeface="+mn-lt"/>
                         </a:rPr>
@@ -38055,20 +38055,20 @@
                         </a:spcAft>
                       </a:pPr>
                       <a:r>
-                        <a:rPr lang="en-US" sz="1800" kern="100" dirty="0">
+                        <a:rPr lang="en-US" sz="1600" kern="100" dirty="0">
                           <a:effectLst/>
                           <a:latin typeface="+mn-lt"/>
                         </a:rPr>
                         <a:t>- </a:t>
                       </a:r>
                       <a:r>
-                        <a:rPr lang="ko-KR" sz="1800" kern="100" dirty="0">
+                        <a:rPr lang="ko-KR" sz="1600" kern="100" dirty="0">
                           <a:effectLst/>
                           <a:latin typeface="+mn-lt"/>
                         </a:rPr>
                         <a:t>시연 프로그램에 프로젝트 예측 모델 이식</a:t>
                       </a:r>
-                      <a:endParaRPr lang="ko-KR" sz="1800" kern="100" dirty="0">
+                      <a:endParaRPr lang="ko-KR" sz="1600" kern="100" dirty="0">
                         <a:effectLst/>
                         <a:latin typeface="+mn-lt"/>
                         <a:ea typeface="맑은 고딕" panose="020B0503020000020004" pitchFamily="50" charset="-127"/>
@@ -38475,14 +38475,14 @@
           <p:nvPr>
             <p:extLst>
               <p:ext uri="{D42A27DB-BD31-4B8C-83A1-F6EECF244321}">
-                <p14:modId xmlns:p14="http://schemas.microsoft.com/office/powerpoint/2010/main" val="1007504353"/>
+                <p14:modId xmlns:p14="http://schemas.microsoft.com/office/powerpoint/2010/main" val="503899445"/>
               </p:ext>
             </p:extLst>
           </p:nvPr>
         </p:nvGraphicFramePr>
         <p:xfrm>
           <a:off x="339536" y="1914037"/>
-          <a:ext cx="11727335" cy="4724400"/>
+          <a:ext cx="11727335" cy="4297680"/>
         </p:xfrm>
         <a:graphic>
           <a:graphicData uri="http://schemas.openxmlformats.org/drawingml/2006/table">
@@ -38630,10 +38630,10 @@
                     <a:p>
                       <a:pPr algn="ctr" latinLnBrk="1"/>
                       <a:r>
-                        <a:rPr lang="en-US" altLang="ko-KR" sz="1600" dirty="0"/>
+                        <a:rPr lang="en-US" altLang="ko-KR" sz="1400" dirty="0"/>
                         <a:t>6</a:t>
                       </a:r>
-                      <a:endParaRPr lang="ko-KR" altLang="en-US" sz="1600" dirty="0"/>
+                      <a:endParaRPr lang="ko-KR" altLang="en-US" sz="1400" dirty="0"/>
                     </a:p>
                   </a:txBody>
                   <a:tcPr/>
@@ -38678,10 +38678,10 @@
                     <a:p>
                       <a:pPr algn="ctr" latinLnBrk="1"/>
                       <a:r>
-                        <a:rPr lang="en-US" altLang="ko-KR" sz="1600" dirty="0"/>
+                        <a:rPr lang="en-US" altLang="ko-KR" sz="1400" dirty="0"/>
                         <a:t>7</a:t>
                       </a:r>
-                      <a:endParaRPr lang="ko-KR" altLang="en-US" sz="1600" dirty="0"/>
+                      <a:endParaRPr lang="ko-KR" altLang="en-US" sz="1400" dirty="0"/>
                     </a:p>
                   </a:txBody>
                   <a:tcPr/>
@@ -38726,10 +38726,10 @@
                     <a:p>
                       <a:pPr algn="ctr" latinLnBrk="1"/>
                       <a:r>
-                        <a:rPr lang="en-US" altLang="ko-KR" sz="1600" dirty="0"/>
+                        <a:rPr lang="en-US" altLang="ko-KR" sz="1400" dirty="0"/>
                         <a:t>8</a:t>
                       </a:r>
-                      <a:endParaRPr lang="ko-KR" altLang="en-US" sz="1600" dirty="0"/>
+                      <a:endParaRPr lang="ko-KR" altLang="en-US" sz="1400" dirty="0"/>
                     </a:p>
                   </a:txBody>
                   <a:tcPr/>
@@ -38774,10 +38774,10 @@
                     <a:p>
                       <a:pPr algn="ctr" latinLnBrk="1"/>
                       <a:r>
-                        <a:rPr lang="en-US" altLang="ko-KR" sz="1600" dirty="0"/>
+                        <a:rPr lang="en-US" altLang="ko-KR" sz="1400" dirty="0"/>
                         <a:t>9</a:t>
                       </a:r>
-                      <a:endParaRPr lang="ko-KR" altLang="en-US" sz="1600" dirty="0"/>
+                      <a:endParaRPr lang="ko-KR" altLang="en-US" sz="1400" dirty="0"/>
                     </a:p>
                   </a:txBody>
                   <a:tcPr/>
@@ -38840,10 +38840,10 @@
                     <a:p>
                       <a:pPr algn="ctr" latinLnBrk="1"/>
                       <a:r>
-                        <a:rPr lang="en-US" altLang="ko-KR" sz="1600" b="1" dirty="0"/>
+                        <a:rPr lang="en-US" altLang="ko-KR" sz="1400" b="1" dirty="0"/>
                         <a:t>1</a:t>
                       </a:r>
-                      <a:endParaRPr lang="ko-KR" altLang="en-US" sz="1600" b="1" dirty="0"/>
+                      <a:endParaRPr lang="ko-KR" altLang="en-US" sz="1400" b="1" dirty="0"/>
                     </a:p>
                   </a:txBody>
                   <a:tcPr/>
@@ -38855,10 +38855,10 @@
                     <a:p>
                       <a:pPr algn="ctr" latinLnBrk="1"/>
                       <a:r>
-                        <a:rPr lang="en-US" altLang="ko-KR" sz="1600" b="1" dirty="0"/>
+                        <a:rPr lang="en-US" altLang="ko-KR" sz="1400" b="1" dirty="0"/>
                         <a:t>2</a:t>
                       </a:r>
-                      <a:endParaRPr lang="ko-KR" altLang="en-US" sz="1600" b="1" dirty="0"/>
+                      <a:endParaRPr lang="ko-KR" altLang="en-US" sz="1400" b="1" dirty="0"/>
                     </a:p>
                   </a:txBody>
                   <a:tcPr/>
@@ -38870,10 +38870,10 @@
                     <a:p>
                       <a:pPr algn="ctr" latinLnBrk="1"/>
                       <a:r>
-                        <a:rPr lang="en-US" altLang="ko-KR" sz="1600" b="1" dirty="0"/>
+                        <a:rPr lang="en-US" altLang="ko-KR" sz="1400" b="1" dirty="0"/>
                         <a:t>3</a:t>
                       </a:r>
-                      <a:endParaRPr lang="ko-KR" altLang="en-US" sz="1600" b="1" dirty="0"/>
+                      <a:endParaRPr lang="ko-KR" altLang="en-US" sz="1400" b="1" dirty="0"/>
                     </a:p>
                   </a:txBody>
                   <a:tcPr/>
@@ -38885,10 +38885,10 @@
                     <a:p>
                       <a:pPr algn="ctr" latinLnBrk="1"/>
                       <a:r>
-                        <a:rPr lang="en-US" altLang="ko-KR" sz="1600" b="1" dirty="0"/>
+                        <a:rPr lang="en-US" altLang="ko-KR" sz="1400" b="1" dirty="0"/>
                         <a:t>4</a:t>
                       </a:r>
-                      <a:endParaRPr lang="ko-KR" altLang="en-US" sz="1600" b="1" dirty="0"/>
+                      <a:endParaRPr lang="ko-KR" altLang="en-US" sz="1400" b="1" dirty="0"/>
                     </a:p>
                   </a:txBody>
                   <a:tcPr/>
@@ -38900,10 +38900,10 @@
                     <a:p>
                       <a:pPr algn="ctr" latinLnBrk="1"/>
                       <a:r>
-                        <a:rPr lang="en-US" altLang="ko-KR" sz="1600" b="1" dirty="0"/>
+                        <a:rPr lang="en-US" altLang="ko-KR" sz="1400" b="1" dirty="0"/>
                         <a:t>1</a:t>
                       </a:r>
-                      <a:endParaRPr lang="ko-KR" altLang="en-US" sz="1600" b="1" dirty="0"/>
+                      <a:endParaRPr lang="ko-KR" altLang="en-US" sz="1400" b="1" dirty="0"/>
                     </a:p>
                   </a:txBody>
                   <a:tcPr/>
@@ -38915,10 +38915,10 @@
                     <a:p>
                       <a:pPr algn="ctr" latinLnBrk="1"/>
                       <a:r>
-                        <a:rPr lang="en-US" altLang="ko-KR" sz="1600" b="1" dirty="0"/>
+                        <a:rPr lang="en-US" altLang="ko-KR" sz="1400" b="1" dirty="0"/>
                         <a:t>2</a:t>
                       </a:r>
-                      <a:endParaRPr lang="ko-KR" altLang="en-US" sz="1600" b="1" dirty="0"/>
+                      <a:endParaRPr lang="ko-KR" altLang="en-US" sz="1400" b="1" dirty="0"/>
                     </a:p>
                   </a:txBody>
                   <a:tcPr/>
@@ -38930,10 +38930,10 @@
                     <a:p>
                       <a:pPr algn="ctr" latinLnBrk="1"/>
                       <a:r>
-                        <a:rPr lang="en-US" altLang="ko-KR" sz="1600" b="1" dirty="0"/>
+                        <a:rPr lang="en-US" altLang="ko-KR" sz="1400" b="1" dirty="0"/>
                         <a:t>3</a:t>
                       </a:r>
-                      <a:endParaRPr lang="ko-KR" altLang="en-US" sz="1600" b="1" dirty="0"/>
+                      <a:endParaRPr lang="ko-KR" altLang="en-US" sz="1400" b="1" dirty="0"/>
                     </a:p>
                   </a:txBody>
                   <a:tcPr/>
@@ -38945,10 +38945,10 @@
                     <a:p>
                       <a:pPr algn="ctr" latinLnBrk="1"/>
                       <a:r>
-                        <a:rPr lang="en-US" altLang="ko-KR" sz="1600" b="1" dirty="0"/>
+                        <a:rPr lang="en-US" altLang="ko-KR" sz="1400" b="1" dirty="0"/>
                         <a:t>4</a:t>
                       </a:r>
-                      <a:endParaRPr lang="ko-KR" altLang="en-US" sz="1600" b="1" dirty="0"/>
+                      <a:endParaRPr lang="ko-KR" altLang="en-US" sz="1400" b="1" dirty="0"/>
                     </a:p>
                   </a:txBody>
                   <a:tcPr/>
@@ -38960,10 +38960,10 @@
                     <a:p>
                       <a:pPr algn="ctr" latinLnBrk="1"/>
                       <a:r>
-                        <a:rPr lang="en-US" altLang="ko-KR" sz="1600" b="1" dirty="0"/>
+                        <a:rPr lang="en-US" altLang="ko-KR" sz="1400" b="1" dirty="0"/>
                         <a:t>1</a:t>
                       </a:r>
-                      <a:endParaRPr lang="ko-KR" altLang="en-US" sz="1600" b="1" dirty="0"/>
+                      <a:endParaRPr lang="ko-KR" altLang="en-US" sz="1400" b="1" dirty="0"/>
                     </a:p>
                   </a:txBody>
                   <a:tcPr/>
@@ -38975,10 +38975,10 @@
                     <a:p>
                       <a:pPr algn="ctr" latinLnBrk="1"/>
                       <a:r>
-                        <a:rPr lang="en-US" altLang="ko-KR" sz="1600" b="1" dirty="0"/>
+                        <a:rPr lang="en-US" altLang="ko-KR" sz="1400" b="1" dirty="0"/>
                         <a:t>2</a:t>
                       </a:r>
-                      <a:endParaRPr lang="ko-KR" altLang="en-US" sz="1600" b="1" dirty="0"/>
+                      <a:endParaRPr lang="ko-KR" altLang="en-US" sz="1400" b="1" dirty="0"/>
                     </a:p>
                   </a:txBody>
                   <a:tcPr/>
@@ -38990,10 +38990,10 @@
                     <a:p>
                       <a:pPr algn="ctr" latinLnBrk="1"/>
                       <a:r>
-                        <a:rPr lang="en-US" altLang="ko-KR" sz="1600" b="1" dirty="0"/>
+                        <a:rPr lang="en-US" altLang="ko-KR" sz="1400" b="1" dirty="0"/>
                         <a:t>3</a:t>
                       </a:r>
-                      <a:endParaRPr lang="ko-KR" altLang="en-US" sz="1600" b="1" dirty="0"/>
+                      <a:endParaRPr lang="ko-KR" altLang="en-US" sz="1400" b="1" dirty="0"/>
                     </a:p>
                   </a:txBody>
                   <a:tcPr/>
@@ -39005,10 +39005,10 @@
                     <a:p>
                       <a:pPr algn="ctr" latinLnBrk="1"/>
                       <a:r>
-                        <a:rPr lang="en-US" altLang="ko-KR" sz="1600" b="1" dirty="0"/>
+                        <a:rPr lang="en-US" altLang="ko-KR" sz="1400" b="1" dirty="0"/>
                         <a:t>4</a:t>
                       </a:r>
-                      <a:endParaRPr lang="ko-KR" altLang="en-US" sz="1600" b="1" dirty="0"/>
+                      <a:endParaRPr lang="ko-KR" altLang="en-US" sz="1400" b="1" dirty="0"/>
                     </a:p>
                   </a:txBody>
                   <a:tcPr/>
@@ -39020,10 +39020,10 @@
                     <a:p>
                       <a:pPr algn="ctr" latinLnBrk="1"/>
                       <a:r>
-                        <a:rPr lang="en-US" altLang="ko-KR" sz="1600" b="1" dirty="0"/>
+                        <a:rPr lang="en-US" altLang="ko-KR" sz="1400" b="1" dirty="0"/>
                         <a:t>1</a:t>
                       </a:r>
-                      <a:endParaRPr lang="ko-KR" altLang="en-US" sz="1600" b="1" dirty="0"/>
+                      <a:endParaRPr lang="ko-KR" altLang="en-US" sz="1400" b="1" dirty="0"/>
                     </a:p>
                   </a:txBody>
                   <a:tcPr/>
@@ -39035,10 +39035,10 @@
                     <a:p>
                       <a:pPr algn="ctr" latinLnBrk="1"/>
                       <a:r>
-                        <a:rPr lang="en-US" altLang="ko-KR" sz="1600" b="1" dirty="0"/>
+                        <a:rPr lang="en-US" altLang="ko-KR" sz="1400" b="1" dirty="0"/>
                         <a:t>2</a:t>
                       </a:r>
-                      <a:endParaRPr lang="ko-KR" altLang="en-US" sz="1600" b="1" dirty="0"/>
+                      <a:endParaRPr lang="ko-KR" altLang="en-US" sz="1400" b="1" dirty="0"/>
                     </a:p>
                   </a:txBody>
                   <a:tcPr/>
@@ -39050,10 +39050,10 @@
                     <a:p>
                       <a:pPr algn="ctr" latinLnBrk="1"/>
                       <a:r>
-                        <a:rPr lang="en-US" altLang="ko-KR" sz="1600" b="1" dirty="0"/>
+                        <a:rPr lang="en-US" altLang="ko-KR" sz="1400" b="1" dirty="0"/>
                         <a:t>3</a:t>
                       </a:r>
-                      <a:endParaRPr lang="ko-KR" altLang="en-US" sz="1600" b="1" dirty="0"/>
+                      <a:endParaRPr lang="ko-KR" altLang="en-US" sz="1400" b="1" dirty="0"/>
                     </a:p>
                   </a:txBody>
                   <a:tcPr/>
@@ -39065,10 +39065,10 @@
                     <a:p>
                       <a:pPr algn="ctr" latinLnBrk="1"/>
                       <a:r>
-                        <a:rPr lang="en-US" altLang="ko-KR" sz="1600" b="1" dirty="0"/>
+                        <a:rPr lang="en-US" altLang="ko-KR" sz="1400" b="1" dirty="0"/>
                         <a:t>4</a:t>
                       </a:r>
-                      <a:endParaRPr lang="ko-KR" altLang="en-US" sz="1600" b="1" dirty="0"/>
+                      <a:endParaRPr lang="ko-KR" altLang="en-US" sz="1400" b="1" dirty="0"/>
                     </a:p>
                   </a:txBody>
                   <a:tcPr/>
@@ -39087,10 +39087,10 @@
                     <a:p>
                       <a:pPr algn="r" latinLnBrk="1"/>
                       <a:r>
-                        <a:rPr lang="ko-KR" altLang="en-US" sz="1600" dirty="0"/>
+                        <a:rPr lang="ko-KR" altLang="en-US" sz="1400" dirty="0"/>
                         <a:t>시뮬레이터 교육</a:t>
                       </a:r>
-                      <a:endParaRPr lang="en-US" altLang="ko-KR" sz="1600" dirty="0"/>
+                      <a:endParaRPr lang="en-US" altLang="ko-KR" sz="1400" dirty="0"/>
                     </a:p>
                   </a:txBody>
                   <a:tcPr/>
@@ -39289,7 +39289,7 @@
                     <a:p>
                       <a:pPr algn="r" latinLnBrk="1"/>
                       <a:r>
-                        <a:rPr lang="ko-KR" altLang="en-US" sz="1600" dirty="0"/>
+                        <a:rPr lang="ko-KR" altLang="en-US" sz="1400" dirty="0"/>
                         <a:t>센서 데이터 수집</a:t>
                       </a:r>
                     </a:p>
@@ -39317,7 +39317,7 @@
                     <a:lstStyle/>
                     <a:p>
                       <a:pPr latinLnBrk="1"/>
-                      <a:endParaRPr lang="ko-KR" altLang="en-US" sz="1600" dirty="0"/>
+                      <a:endParaRPr lang="ko-KR" altLang="en-US" sz="1400" dirty="0"/>
                     </a:p>
                   </a:txBody>
                   <a:tcPr>
@@ -39332,7 +39332,7 @@
                     <a:lstStyle/>
                     <a:p>
                       <a:pPr latinLnBrk="1"/>
-                      <a:endParaRPr lang="ko-KR" altLang="en-US" sz="1600" dirty="0"/>
+                      <a:endParaRPr lang="ko-KR" altLang="en-US" sz="1400" dirty="0"/>
                     </a:p>
                   </a:txBody>
                   <a:tcPr>
@@ -39347,7 +39347,7 @@
                     <a:lstStyle/>
                     <a:p>
                       <a:pPr latinLnBrk="1"/>
-                      <a:endParaRPr lang="ko-KR" altLang="en-US" sz="1600" dirty="0"/>
+                      <a:endParaRPr lang="ko-KR" altLang="en-US" sz="1400" dirty="0"/>
                     </a:p>
                   </a:txBody>
                   <a:tcPr>
@@ -39362,7 +39362,7 @@
                     <a:lstStyle/>
                     <a:p>
                       <a:pPr latinLnBrk="1"/>
-                      <a:endParaRPr lang="ko-KR" altLang="en-US" sz="1600" dirty="0"/>
+                      <a:endParaRPr lang="ko-KR" altLang="en-US" sz="1400" dirty="0"/>
                     </a:p>
                   </a:txBody>
                   <a:tcPr>
@@ -39377,7 +39377,7 @@
                     <a:lstStyle/>
                     <a:p>
                       <a:pPr latinLnBrk="1"/>
-                      <a:endParaRPr lang="ko-KR" altLang="en-US" sz="1600" dirty="0"/>
+                      <a:endParaRPr lang="ko-KR" altLang="en-US" sz="1400" dirty="0"/>
                     </a:p>
                   </a:txBody>
                   <a:tcPr>
@@ -39392,7 +39392,7 @@
                     <a:lstStyle/>
                     <a:p>
                       <a:pPr latinLnBrk="1"/>
-                      <a:endParaRPr lang="ko-KR" altLang="en-US" sz="1600" dirty="0"/>
+                      <a:endParaRPr lang="ko-KR" altLang="en-US" sz="1400" dirty="0"/>
                     </a:p>
                   </a:txBody>
                   <a:tcPr>
@@ -39407,7 +39407,7 @@
                     <a:lstStyle/>
                     <a:p>
                       <a:pPr latinLnBrk="1"/>
-                      <a:endParaRPr lang="ko-KR" altLang="en-US" sz="1600" dirty="0"/>
+                      <a:endParaRPr lang="ko-KR" altLang="en-US" sz="1400" dirty="0"/>
                     </a:p>
                   </a:txBody>
                   <a:tcPr>
@@ -39422,7 +39422,7 @@
                     <a:lstStyle/>
                     <a:p>
                       <a:pPr latinLnBrk="1"/>
-                      <a:endParaRPr lang="ko-KR" altLang="en-US" sz="1600" dirty="0"/>
+                      <a:endParaRPr lang="ko-KR" altLang="en-US" sz="1400" dirty="0"/>
                     </a:p>
                   </a:txBody>
                   <a:tcPr>
@@ -39437,7 +39437,7 @@
                     <a:lstStyle/>
                     <a:p>
                       <a:pPr latinLnBrk="1"/>
-                      <a:endParaRPr lang="ko-KR" altLang="en-US" sz="1600" dirty="0"/>
+                      <a:endParaRPr lang="ko-KR" altLang="en-US" sz="1400" dirty="0"/>
                     </a:p>
                   </a:txBody>
                   <a:tcPr>
@@ -39452,7 +39452,7 @@
                     <a:lstStyle/>
                     <a:p>
                       <a:pPr latinLnBrk="1"/>
-                      <a:endParaRPr lang="ko-KR" altLang="en-US" sz="1600" dirty="0"/>
+                      <a:endParaRPr lang="ko-KR" altLang="en-US" sz="1400" dirty="0"/>
                     </a:p>
                   </a:txBody>
                   <a:tcPr>
@@ -39467,7 +39467,7 @@
                     <a:lstStyle/>
                     <a:p>
                       <a:pPr latinLnBrk="1"/>
-                      <a:endParaRPr lang="ko-KR" altLang="en-US" sz="1600"/>
+                      <a:endParaRPr lang="ko-KR" altLang="en-US" sz="1400"/>
                     </a:p>
                   </a:txBody>
                   <a:tcPr/>
@@ -39478,7 +39478,7 @@
                     <a:lstStyle/>
                     <a:p>
                       <a:pPr latinLnBrk="1"/>
-                      <a:endParaRPr lang="ko-KR" altLang="en-US" sz="1600"/>
+                      <a:endParaRPr lang="ko-KR" altLang="en-US" sz="1400"/>
                     </a:p>
                   </a:txBody>
                   <a:tcPr/>
@@ -39489,7 +39489,7 @@
                     <a:lstStyle/>
                     <a:p>
                       <a:pPr latinLnBrk="1"/>
-                      <a:endParaRPr lang="ko-KR" altLang="en-US" sz="1600"/>
+                      <a:endParaRPr lang="ko-KR" altLang="en-US" sz="1400"/>
                     </a:p>
                   </a:txBody>
                   <a:tcPr/>
@@ -39500,7 +39500,7 @@
                     <a:lstStyle/>
                     <a:p>
                       <a:pPr latinLnBrk="1"/>
-                      <a:endParaRPr lang="ko-KR" altLang="en-US" sz="1600"/>
+                      <a:endParaRPr lang="ko-KR" altLang="en-US" sz="1400"/>
                     </a:p>
                   </a:txBody>
                   <a:tcPr/>
@@ -39511,7 +39511,7 @@
                     <a:lstStyle/>
                     <a:p>
                       <a:pPr latinLnBrk="1"/>
-                      <a:endParaRPr lang="ko-KR" altLang="en-US" sz="1600" dirty="0"/>
+                      <a:endParaRPr lang="ko-KR" altLang="en-US" sz="1400" dirty="0"/>
                     </a:p>
                   </a:txBody>
                   <a:tcPr/>
@@ -39530,10 +39530,9 @@
                     <a:p>
                       <a:pPr algn="r" latinLnBrk="1"/>
                       <a:r>
-                        <a:rPr lang="ko-KR" altLang="en-US" sz="1600" dirty="0"/>
+                        <a:rPr lang="ko-KR" altLang="en-US" sz="1400" dirty="0"/>
                         <a:t>센서 데이터 처리 관련 자료 수집</a:t>
                       </a:r>
-                      <a:endParaRPr lang="ko-KR" altLang="en-US" sz="1800" dirty="0"/>
                     </a:p>
                   </a:txBody>
                   <a:tcPr/>
@@ -39744,30 +39743,29 @@
                     <a:p>
                       <a:pPr algn="r" latinLnBrk="1"/>
                       <a:r>
-                        <a:rPr lang="en-US" altLang="ko-KR" sz="1600" dirty="0"/>
+                        <a:rPr lang="en-US" altLang="ko-KR" sz="1400" dirty="0"/>
                         <a:t>Google </a:t>
                       </a:r>
                       <a:r>
-                        <a:rPr lang="en-US" altLang="ko-KR" sz="1600" dirty="0" err="1"/>
+                        <a:rPr lang="en-US" altLang="ko-KR" sz="1400" dirty="0" err="1"/>
                         <a:t>Colab</a:t>
                       </a:r>
                       <a:r>
-                        <a:rPr lang="en-US" altLang="ko-KR" sz="1600" dirty="0"/>
+                        <a:rPr lang="en-US" altLang="ko-KR" sz="1400" dirty="0"/>
                         <a:t> with </a:t>
                       </a:r>
                       <a:r>
-                        <a:rPr lang="en-US" altLang="ko-KR" sz="1600" dirty="0" err="1"/>
+                        <a:rPr lang="en-US" altLang="ko-KR" sz="1400" dirty="0" err="1"/>
                         <a:t>Tensorflow</a:t>
                       </a:r>
                       <a:r>
-                        <a:rPr lang="en-US" altLang="ko-KR" sz="1600" dirty="0"/>
+                        <a:rPr lang="en-US" altLang="ko-KR" sz="1400" dirty="0"/>
                         <a:t> </a:t>
                       </a:r>
                       <a:r>
-                        <a:rPr lang="ko-KR" altLang="en-US" sz="1600" dirty="0"/>
+                        <a:rPr lang="ko-KR" altLang="en-US" sz="1400" dirty="0"/>
                         <a:t>학습</a:t>
                       </a:r>
-                      <a:endParaRPr lang="ko-KR" altLang="en-US" sz="1800" dirty="0"/>
                     </a:p>
                   </a:txBody>
                   <a:tcPr/>
@@ -39799,7 +39797,7 @@
                     <a:bodyPr/>
                     <a:lstStyle/>
                     <a:p>
-                      <a:endParaRPr lang="ko-KR" altLang="en-US" dirty="0"/>
+                      <a:endParaRPr lang="ko-KR" altLang="en-US" sz="1400" dirty="0"/>
                     </a:p>
                   </a:txBody>
                   <a:tcPr>
@@ -39985,14 +39983,13 @@
                     <a:p>
                       <a:pPr algn="r" latinLnBrk="1"/>
                       <a:r>
-                        <a:rPr lang="en-US" altLang="ko-KR" sz="1600" dirty="0"/>
+                        <a:rPr lang="en-US" altLang="ko-KR" sz="1400" dirty="0"/>
                         <a:t>Sim2Real Transfer </a:t>
                       </a:r>
                       <a:r>
-                        <a:rPr lang="ko-KR" altLang="en-US" sz="1600" dirty="0"/>
+                        <a:rPr lang="ko-KR" altLang="en-US" sz="1400" dirty="0"/>
                         <a:t>학습</a:t>
                       </a:r>
-                      <a:endParaRPr lang="ko-KR" altLang="en-US" sz="1800" dirty="0"/>
                     </a:p>
                   </a:txBody>
                   <a:tcPr/>
@@ -40203,10 +40200,9 @@
                     <a:p>
                       <a:pPr algn="r" latinLnBrk="1"/>
                       <a:r>
-                        <a:rPr lang="ko-KR" altLang="en-US" sz="1600" dirty="0"/>
+                        <a:rPr lang="ko-KR" altLang="en-US" sz="1400" dirty="0"/>
                         <a:t>센서 데이터 처리 및 정규화</a:t>
                       </a:r>
-                      <a:endParaRPr lang="ko-KR" altLang="en-US" sz="1800" dirty="0"/>
                     </a:p>
                   </a:txBody>
                   <a:tcPr/>
@@ -40437,7 +40433,7 @@
                     <a:p>
                       <a:pPr algn="r" latinLnBrk="1"/>
                       <a:r>
-                        <a:rPr lang="ko-KR" altLang="en-US" sz="1600" dirty="0"/>
+                        <a:rPr lang="ko-KR" altLang="en-US" sz="1400" dirty="0"/>
                         <a:t>분류 학습 모델 작성</a:t>
                       </a:r>
                     </a:p>
@@ -40461,7 +40457,7 @@
                     <a:lstStyle/>
                     <a:p>
                       <a:pPr latinLnBrk="1"/>
-                      <a:endParaRPr lang="ko-KR" altLang="en-US" sz="1600"/>
+                      <a:endParaRPr lang="ko-KR" altLang="en-US" sz="1400"/>
                     </a:p>
                   </a:txBody>
                   <a:tcPr/>
@@ -40472,7 +40468,7 @@
                     <a:lstStyle/>
                     <a:p>
                       <a:pPr latinLnBrk="1"/>
-                      <a:endParaRPr lang="ko-KR" altLang="en-US" sz="1600"/>
+                      <a:endParaRPr lang="ko-KR" altLang="en-US" sz="1400"/>
                     </a:p>
                   </a:txBody>
                   <a:tcPr/>
@@ -40483,7 +40479,7 @@
                     <a:lstStyle/>
                     <a:p>
                       <a:pPr latinLnBrk="1"/>
-                      <a:endParaRPr lang="ko-KR" altLang="en-US" sz="1600"/>
+                      <a:endParaRPr lang="ko-KR" altLang="en-US" sz="1400"/>
                     </a:p>
                   </a:txBody>
                   <a:tcPr>
@@ -40498,7 +40494,7 @@
                     <a:lstStyle/>
                     <a:p>
                       <a:pPr latinLnBrk="1"/>
-                      <a:endParaRPr lang="ko-KR" altLang="en-US" sz="1600"/>
+                      <a:endParaRPr lang="ko-KR" altLang="en-US" sz="1400"/>
                     </a:p>
                   </a:txBody>
                   <a:tcPr>
@@ -40513,7 +40509,7 @@
                     <a:lstStyle/>
                     <a:p>
                       <a:pPr latinLnBrk="1"/>
-                      <a:endParaRPr lang="ko-KR" altLang="en-US" sz="1600" dirty="0"/>
+                      <a:endParaRPr lang="ko-KR" altLang="en-US" sz="1400" dirty="0"/>
                     </a:p>
                   </a:txBody>
                   <a:tcPr>
@@ -40528,7 +40524,7 @@
                     <a:lstStyle/>
                     <a:p>
                       <a:pPr latinLnBrk="1"/>
-                      <a:endParaRPr lang="ko-KR" altLang="en-US" sz="1600" dirty="0"/>
+                      <a:endParaRPr lang="ko-KR" altLang="en-US" sz="1400" dirty="0"/>
                     </a:p>
                   </a:txBody>
                   <a:tcPr>
@@ -40543,7 +40539,7 @@
                     <a:lstStyle/>
                     <a:p>
                       <a:pPr latinLnBrk="1"/>
-                      <a:endParaRPr lang="ko-KR" altLang="en-US" sz="1600" dirty="0"/>
+                      <a:endParaRPr lang="ko-KR" altLang="en-US" sz="1400" dirty="0"/>
                     </a:p>
                   </a:txBody>
                   <a:tcPr>
@@ -40558,7 +40554,7 @@
                     <a:lstStyle/>
                     <a:p>
                       <a:pPr latinLnBrk="1"/>
-                      <a:endParaRPr lang="ko-KR" altLang="en-US" sz="1600" dirty="0"/>
+                      <a:endParaRPr lang="ko-KR" altLang="en-US" sz="1400" dirty="0"/>
                     </a:p>
                   </a:txBody>
                   <a:tcPr>
@@ -40573,7 +40569,7 @@
                     <a:lstStyle/>
                     <a:p>
                       <a:pPr latinLnBrk="1"/>
-                      <a:endParaRPr lang="ko-KR" altLang="en-US" sz="1600" dirty="0"/>
+                      <a:endParaRPr lang="ko-KR" altLang="en-US" sz="1400" dirty="0"/>
                     </a:p>
                   </a:txBody>
                   <a:tcPr>
@@ -40588,7 +40584,7 @@
                     <a:lstStyle/>
                     <a:p>
                       <a:pPr latinLnBrk="1"/>
-                      <a:endParaRPr lang="ko-KR" altLang="en-US" sz="1600" dirty="0"/>
+                      <a:endParaRPr lang="ko-KR" altLang="en-US" sz="1400" dirty="0"/>
                     </a:p>
                   </a:txBody>
                   <a:tcPr>
@@ -40603,7 +40599,7 @@
                     <a:lstStyle/>
                     <a:p>
                       <a:pPr latinLnBrk="1"/>
-                      <a:endParaRPr lang="ko-KR" altLang="en-US" sz="1600" dirty="0"/>
+                      <a:endParaRPr lang="ko-KR" altLang="en-US" sz="1400" dirty="0"/>
                     </a:p>
                   </a:txBody>
                   <a:tcPr>
@@ -40618,7 +40614,7 @@
                     <a:lstStyle/>
                     <a:p>
                       <a:pPr latinLnBrk="1"/>
-                      <a:endParaRPr lang="ko-KR" altLang="en-US" sz="1600" dirty="0"/>
+                      <a:endParaRPr lang="ko-KR" altLang="en-US" sz="1400" dirty="0"/>
                     </a:p>
                   </a:txBody>
                   <a:tcPr/>
@@ -40629,7 +40625,7 @@
                     <a:lstStyle/>
                     <a:p>
                       <a:pPr latinLnBrk="1"/>
-                      <a:endParaRPr lang="ko-KR" altLang="en-US" sz="1600" dirty="0"/>
+                      <a:endParaRPr lang="ko-KR" altLang="en-US" sz="1400" dirty="0"/>
                     </a:p>
                   </a:txBody>
                   <a:tcPr/>
@@ -40640,7 +40636,7 @@
                     <a:lstStyle/>
                     <a:p>
                       <a:pPr latinLnBrk="1"/>
-                      <a:endParaRPr lang="ko-KR" altLang="en-US" sz="1600"/>
+                      <a:endParaRPr lang="ko-KR" altLang="en-US" sz="1400"/>
                     </a:p>
                   </a:txBody>
                   <a:tcPr/>
@@ -40651,7 +40647,7 @@
                     <a:lstStyle/>
                     <a:p>
                       <a:pPr latinLnBrk="1"/>
-                      <a:endParaRPr lang="ko-KR" altLang="en-US" sz="1600" dirty="0"/>
+                      <a:endParaRPr lang="ko-KR" altLang="en-US" sz="1400" dirty="0"/>
                     </a:p>
                   </a:txBody>
                   <a:tcPr/>
@@ -40670,7 +40666,7 @@
                     <a:p>
                       <a:pPr algn="r" latinLnBrk="1"/>
                       <a:r>
-                        <a:rPr lang="ko-KR" altLang="en-US" sz="1600" dirty="0"/>
+                        <a:rPr lang="ko-KR" altLang="en-US" sz="1400" dirty="0"/>
                         <a:t>데이터 학습</a:t>
                       </a:r>
                     </a:p>
@@ -40694,7 +40690,7 @@
                     <a:lstStyle/>
                     <a:p>
                       <a:pPr latinLnBrk="1"/>
-                      <a:endParaRPr lang="ko-KR" altLang="en-US" sz="1600"/>
+                      <a:endParaRPr lang="ko-KR" altLang="en-US" sz="1400"/>
                     </a:p>
                   </a:txBody>
                   <a:tcPr/>
@@ -40705,7 +40701,7 @@
                     <a:lstStyle/>
                     <a:p>
                       <a:pPr latinLnBrk="1"/>
-                      <a:endParaRPr lang="ko-KR" altLang="en-US" sz="1600"/>
+                      <a:endParaRPr lang="ko-KR" altLang="en-US" sz="1400"/>
                     </a:p>
                   </a:txBody>
                   <a:tcPr/>
@@ -40716,7 +40712,7 @@
                     <a:lstStyle/>
                     <a:p>
                       <a:pPr latinLnBrk="1"/>
-                      <a:endParaRPr lang="ko-KR" altLang="en-US" sz="1600" dirty="0"/>
+                      <a:endParaRPr lang="ko-KR" altLang="en-US" sz="1400" dirty="0"/>
                     </a:p>
                   </a:txBody>
                   <a:tcPr/>
@@ -40727,7 +40723,7 @@
                     <a:lstStyle/>
                     <a:p>
                       <a:pPr latinLnBrk="1"/>
-                      <a:endParaRPr lang="ko-KR" altLang="en-US" sz="1600" dirty="0"/>
+                      <a:endParaRPr lang="ko-KR" altLang="en-US" sz="1400" dirty="0"/>
                     </a:p>
                   </a:txBody>
                   <a:tcPr/>
@@ -40738,7 +40734,7 @@
                     <a:lstStyle/>
                     <a:p>
                       <a:pPr latinLnBrk="1"/>
-                      <a:endParaRPr lang="ko-KR" altLang="en-US" sz="1600" dirty="0"/>
+                      <a:endParaRPr lang="ko-KR" altLang="en-US" sz="1400" dirty="0"/>
                     </a:p>
                   </a:txBody>
                   <a:tcPr>
@@ -40755,7 +40751,7 @@
                     <a:lstStyle/>
                     <a:p>
                       <a:pPr latinLnBrk="1"/>
-                      <a:endParaRPr lang="ko-KR" altLang="en-US" sz="1600" dirty="0"/>
+                      <a:endParaRPr lang="ko-KR" altLang="en-US" sz="1400" dirty="0"/>
                     </a:p>
                   </a:txBody>
                   <a:tcPr>
@@ -40770,7 +40766,7 @@
                     <a:lstStyle/>
                     <a:p>
                       <a:pPr latinLnBrk="1"/>
-                      <a:endParaRPr lang="ko-KR" altLang="en-US" sz="1600" dirty="0"/>
+                      <a:endParaRPr lang="ko-KR" altLang="en-US" sz="1400" dirty="0"/>
                     </a:p>
                   </a:txBody>
                   <a:tcPr>
@@ -40785,7 +40781,7 @@
                     <a:lstStyle/>
                     <a:p>
                       <a:pPr latinLnBrk="1"/>
-                      <a:endParaRPr lang="ko-KR" altLang="en-US" sz="1600" dirty="0"/>
+                      <a:endParaRPr lang="ko-KR" altLang="en-US" sz="1400" dirty="0"/>
                     </a:p>
                   </a:txBody>
                   <a:tcPr>
@@ -40800,7 +40796,7 @@
                     <a:lstStyle/>
                     <a:p>
                       <a:pPr latinLnBrk="1"/>
-                      <a:endParaRPr lang="ko-KR" altLang="en-US" sz="1600" dirty="0"/>
+                      <a:endParaRPr lang="ko-KR" altLang="en-US" sz="1400" dirty="0"/>
                     </a:p>
                   </a:txBody>
                   <a:tcPr>
@@ -40815,7 +40811,7 @@
                     <a:lstStyle/>
                     <a:p>
                       <a:pPr latinLnBrk="1"/>
-                      <a:endParaRPr lang="ko-KR" altLang="en-US" sz="1600" dirty="0"/>
+                      <a:endParaRPr lang="ko-KR" altLang="en-US" sz="1400" dirty="0"/>
                     </a:p>
                   </a:txBody>
                   <a:tcPr>
@@ -40830,7 +40826,7 @@
                     <a:lstStyle/>
                     <a:p>
                       <a:pPr latinLnBrk="1"/>
-                      <a:endParaRPr lang="ko-KR" altLang="en-US" sz="1600" dirty="0"/>
+                      <a:endParaRPr lang="ko-KR" altLang="en-US" sz="1400" dirty="0"/>
                     </a:p>
                   </a:txBody>
                   <a:tcPr/>
@@ -40841,7 +40837,7 @@
                     <a:lstStyle/>
                     <a:p>
                       <a:pPr latinLnBrk="1"/>
-                      <a:endParaRPr lang="ko-KR" altLang="en-US" sz="1600"/>
+                      <a:endParaRPr lang="ko-KR" altLang="en-US" sz="1400"/>
                     </a:p>
                   </a:txBody>
                   <a:tcPr/>
@@ -40852,7 +40848,7 @@
                     <a:lstStyle/>
                     <a:p>
                       <a:pPr latinLnBrk="1"/>
-                      <a:endParaRPr lang="ko-KR" altLang="en-US" sz="1600" dirty="0"/>
+                      <a:endParaRPr lang="ko-KR" altLang="en-US" sz="1400" dirty="0"/>
                     </a:p>
                   </a:txBody>
                   <a:tcPr/>
@@ -40863,7 +40859,7 @@
                     <a:lstStyle/>
                     <a:p>
                       <a:pPr latinLnBrk="1"/>
-                      <a:endParaRPr lang="ko-KR" altLang="en-US" sz="1600"/>
+                      <a:endParaRPr lang="ko-KR" altLang="en-US" sz="1400"/>
                     </a:p>
                   </a:txBody>
                   <a:tcPr/>
@@ -40874,7 +40870,7 @@
                     <a:lstStyle/>
                     <a:p>
                       <a:pPr latinLnBrk="1"/>
-                      <a:endParaRPr lang="ko-KR" altLang="en-US" sz="1600" dirty="0"/>
+                      <a:endParaRPr lang="ko-KR" altLang="en-US" sz="1400" dirty="0"/>
                     </a:p>
                   </a:txBody>
                   <a:tcPr/>
@@ -40893,7 +40889,7 @@
                     <a:p>
                       <a:pPr algn="r" latinLnBrk="1"/>
                       <a:r>
-                        <a:rPr lang="ko-KR" altLang="en-US" sz="1600" dirty="0"/>
+                        <a:rPr lang="ko-KR" altLang="en-US" sz="1400" dirty="0"/>
                         <a:t>모델 성능 테스트 및 수정</a:t>
                       </a:r>
                     </a:p>
@@ -40917,7 +40913,7 @@
                     <a:lstStyle/>
                     <a:p>
                       <a:pPr latinLnBrk="1"/>
-                      <a:endParaRPr lang="ko-KR" altLang="en-US" sz="1600"/>
+                      <a:endParaRPr lang="ko-KR" altLang="en-US" sz="1400"/>
                     </a:p>
                   </a:txBody>
                   <a:tcPr/>
@@ -40928,7 +40924,7 @@
                     <a:lstStyle/>
                     <a:p>
                       <a:pPr latinLnBrk="1"/>
-                      <a:endParaRPr lang="ko-KR" altLang="en-US" sz="1600"/>
+                      <a:endParaRPr lang="ko-KR" altLang="en-US" sz="1400"/>
                     </a:p>
                   </a:txBody>
                   <a:tcPr/>
@@ -40939,7 +40935,7 @@
                     <a:lstStyle/>
                     <a:p>
                       <a:pPr latinLnBrk="1"/>
-                      <a:endParaRPr lang="ko-KR" altLang="en-US" sz="1600"/>
+                      <a:endParaRPr lang="ko-KR" altLang="en-US" sz="1400"/>
                     </a:p>
                   </a:txBody>
                   <a:tcPr/>
@@ -40950,7 +40946,7 @@
                     <a:lstStyle/>
                     <a:p>
                       <a:pPr latinLnBrk="1"/>
-                      <a:endParaRPr lang="ko-KR" altLang="en-US" sz="1600" dirty="0"/>
+                      <a:endParaRPr lang="ko-KR" altLang="en-US" sz="1400" dirty="0"/>
                     </a:p>
                   </a:txBody>
                   <a:tcPr>
@@ -40965,7 +40961,7 @@
                     <a:lstStyle/>
                     <a:p>
                       <a:pPr latinLnBrk="1"/>
-                      <a:endParaRPr lang="ko-KR" altLang="en-US" sz="1600" dirty="0"/>
+                      <a:endParaRPr lang="ko-KR" altLang="en-US" sz="1400" dirty="0"/>
                     </a:p>
                   </a:txBody>
                   <a:tcPr>
@@ -40980,7 +40976,7 @@
                     <a:lstStyle/>
                     <a:p>
                       <a:pPr latinLnBrk="1"/>
-                      <a:endParaRPr lang="ko-KR" altLang="en-US" sz="1600" dirty="0"/>
+                      <a:endParaRPr lang="ko-KR" altLang="en-US" sz="1400" dirty="0"/>
                     </a:p>
                   </a:txBody>
                   <a:tcPr>
@@ -40995,7 +40991,7 @@
                     <a:lstStyle/>
                     <a:p>
                       <a:pPr latinLnBrk="1"/>
-                      <a:endParaRPr lang="ko-KR" altLang="en-US" sz="1600" dirty="0"/>
+                      <a:endParaRPr lang="ko-KR" altLang="en-US" sz="1400" dirty="0"/>
                     </a:p>
                   </a:txBody>
                   <a:tcPr>
@@ -41010,7 +41006,7 @@
                     <a:lstStyle/>
                     <a:p>
                       <a:pPr latinLnBrk="1"/>
-                      <a:endParaRPr lang="ko-KR" altLang="en-US" sz="1600" dirty="0"/>
+                      <a:endParaRPr lang="ko-KR" altLang="en-US" sz="1400" dirty="0"/>
                     </a:p>
                   </a:txBody>
                   <a:tcPr>
@@ -41025,7 +41021,7 @@
                     <a:lstStyle/>
                     <a:p>
                       <a:pPr latinLnBrk="1"/>
-                      <a:endParaRPr lang="ko-KR" altLang="en-US" sz="1600" dirty="0"/>
+                      <a:endParaRPr lang="ko-KR" altLang="en-US" sz="1400" dirty="0"/>
                     </a:p>
                   </a:txBody>
                   <a:tcPr>
@@ -41040,7 +41036,7 @@
                     <a:lstStyle/>
                     <a:p>
                       <a:pPr latinLnBrk="1"/>
-                      <a:endParaRPr lang="ko-KR" altLang="en-US" sz="1600" dirty="0"/>
+                      <a:endParaRPr lang="ko-KR" altLang="en-US" sz="1400" dirty="0"/>
                     </a:p>
                   </a:txBody>
                   <a:tcPr>
@@ -41055,7 +41051,7 @@
                     <a:lstStyle/>
                     <a:p>
                       <a:pPr latinLnBrk="1"/>
-                      <a:endParaRPr lang="ko-KR" altLang="en-US" sz="1600" dirty="0"/>
+                      <a:endParaRPr lang="ko-KR" altLang="en-US" sz="1400" dirty="0"/>
                     </a:p>
                   </a:txBody>
                   <a:tcPr>
@@ -41070,7 +41066,7 @@
                     <a:lstStyle/>
                     <a:p>
                       <a:pPr latinLnBrk="1"/>
-                      <a:endParaRPr lang="ko-KR" altLang="en-US" sz="1600" dirty="0"/>
+                      <a:endParaRPr lang="ko-KR" altLang="en-US" sz="1400" dirty="0"/>
                     </a:p>
                   </a:txBody>
                   <a:tcPr/>
@@ -41081,7 +41077,7 @@
                     <a:lstStyle/>
                     <a:p>
                       <a:pPr latinLnBrk="1"/>
-                      <a:endParaRPr lang="ko-KR" altLang="en-US" sz="1600" dirty="0"/>
+                      <a:endParaRPr lang="ko-KR" altLang="en-US" sz="1400" dirty="0"/>
                     </a:p>
                   </a:txBody>
                   <a:tcPr/>
@@ -41092,7 +41088,7 @@
                     <a:lstStyle/>
                     <a:p>
                       <a:pPr latinLnBrk="1"/>
-                      <a:endParaRPr lang="ko-KR" altLang="en-US" sz="1600" dirty="0"/>
+                      <a:endParaRPr lang="ko-KR" altLang="en-US" sz="1400" dirty="0"/>
                     </a:p>
                   </a:txBody>
                   <a:tcPr/>
@@ -41103,7 +41099,7 @@
                     <a:lstStyle/>
                     <a:p>
                       <a:pPr latinLnBrk="1"/>
-                      <a:endParaRPr lang="ko-KR" altLang="en-US" sz="1600" dirty="0"/>
+                      <a:endParaRPr lang="ko-KR" altLang="en-US" sz="1400" dirty="0"/>
                     </a:p>
                   </a:txBody>
                   <a:tcPr/>
@@ -41122,14 +41118,13 @@
                     <a:p>
                       <a:pPr algn="r" latinLnBrk="1"/>
                       <a:r>
-                        <a:rPr lang="en-US" altLang="ko-KR" sz="1600" dirty="0"/>
+                        <a:rPr lang="en-US" altLang="ko-KR" sz="1400" dirty="0"/>
                         <a:t>GUI </a:t>
                       </a:r>
                       <a:r>
-                        <a:rPr lang="ko-KR" altLang="en-US" sz="1600" dirty="0"/>
+                        <a:rPr lang="ko-KR" altLang="en-US" sz="1400" dirty="0"/>
                         <a:t>프로그램 작성</a:t>
                       </a:r>
-                      <a:endParaRPr lang="ko-KR" altLang="en-US" sz="1800" dirty="0"/>
                     </a:p>
                   </a:txBody>
                   <a:tcPr/>
@@ -41344,11 +41339,11 @@
                     <a:p>
                       <a:pPr algn="r" latinLnBrk="1"/>
                       <a:r>
-                        <a:rPr lang="en-US" altLang="ko-KR" sz="1600" dirty="0"/>
+                        <a:rPr lang="en-US" altLang="ko-KR" sz="1400" dirty="0"/>
                         <a:t>GUI </a:t>
                       </a:r>
                       <a:r>
-                        <a:rPr lang="ko-KR" altLang="en-US" sz="1600" dirty="0"/>
+                        <a:rPr lang="ko-KR" altLang="en-US" sz="1400" dirty="0"/>
                         <a:t>프로그램 디버깅 및 테스트</a:t>
                       </a:r>
                     </a:p>
@@ -41372,7 +41367,7 @@
                     <a:lstStyle/>
                     <a:p>
                       <a:pPr latinLnBrk="1"/>
-                      <a:endParaRPr lang="ko-KR" altLang="en-US" sz="1600"/>
+                      <a:endParaRPr lang="ko-KR" altLang="en-US" sz="1400"/>
                     </a:p>
                   </a:txBody>
                   <a:tcPr/>
@@ -41383,7 +41378,7 @@
                     <a:lstStyle/>
                     <a:p>
                       <a:pPr latinLnBrk="1"/>
-                      <a:endParaRPr lang="ko-KR" altLang="en-US" sz="1600"/>
+                      <a:endParaRPr lang="ko-KR" altLang="en-US" sz="1400"/>
                     </a:p>
                   </a:txBody>
                   <a:tcPr/>
@@ -41394,7 +41389,7 @@
                     <a:lstStyle/>
                     <a:p>
                       <a:pPr latinLnBrk="1"/>
-                      <a:endParaRPr lang="ko-KR" altLang="en-US" sz="1600" dirty="0"/>
+                      <a:endParaRPr lang="ko-KR" altLang="en-US" sz="1400" dirty="0"/>
                     </a:p>
                   </a:txBody>
                   <a:tcPr/>
@@ -41405,7 +41400,7 @@
                     <a:lstStyle/>
                     <a:p>
                       <a:pPr latinLnBrk="1"/>
-                      <a:endParaRPr lang="ko-KR" altLang="en-US" sz="1600"/>
+                      <a:endParaRPr lang="ko-KR" altLang="en-US" sz="1400"/>
                     </a:p>
                   </a:txBody>
                   <a:tcPr/>
@@ -41416,7 +41411,7 @@
                     <a:lstStyle/>
                     <a:p>
                       <a:pPr latinLnBrk="1"/>
-                      <a:endParaRPr lang="ko-KR" altLang="en-US" sz="1600"/>
+                      <a:endParaRPr lang="ko-KR" altLang="en-US" sz="1400"/>
                     </a:p>
                   </a:txBody>
                   <a:tcPr/>
@@ -41427,7 +41422,7 @@
                     <a:lstStyle/>
                     <a:p>
                       <a:pPr latinLnBrk="1"/>
-                      <a:endParaRPr lang="ko-KR" altLang="en-US" sz="1600"/>
+                      <a:endParaRPr lang="ko-KR" altLang="en-US" sz="1400"/>
                     </a:p>
                   </a:txBody>
                   <a:tcPr/>
@@ -41438,7 +41433,7 @@
                     <a:lstStyle/>
                     <a:p>
                       <a:pPr latinLnBrk="1"/>
-                      <a:endParaRPr lang="ko-KR" altLang="en-US" sz="1600"/>
+                      <a:endParaRPr lang="ko-KR" altLang="en-US" sz="1400"/>
                     </a:p>
                   </a:txBody>
                   <a:tcPr/>
@@ -41449,7 +41444,7 @@
                     <a:lstStyle/>
                     <a:p>
                       <a:pPr latinLnBrk="1"/>
-                      <a:endParaRPr lang="ko-KR" altLang="en-US" sz="1600"/>
+                      <a:endParaRPr lang="ko-KR" altLang="en-US" sz="1400"/>
                     </a:p>
                   </a:txBody>
                   <a:tcPr>
@@ -41464,7 +41459,7 @@
                     <a:lstStyle/>
                     <a:p>
                       <a:pPr latinLnBrk="1"/>
-                      <a:endParaRPr lang="ko-KR" altLang="en-US" sz="1600" dirty="0"/>
+                      <a:endParaRPr lang="ko-KR" altLang="en-US" sz="1400" dirty="0"/>
                     </a:p>
                   </a:txBody>
                   <a:tcPr>
@@ -41479,7 +41474,7 @@
                     <a:lstStyle/>
                     <a:p>
                       <a:pPr latinLnBrk="1"/>
-                      <a:endParaRPr lang="ko-KR" altLang="en-US" sz="1600" dirty="0"/>
+                      <a:endParaRPr lang="ko-KR" altLang="en-US" sz="1400" dirty="0"/>
                     </a:p>
                   </a:txBody>
                   <a:tcPr>
@@ -41494,7 +41489,7 @@
                     <a:lstStyle/>
                     <a:p>
                       <a:pPr latinLnBrk="1"/>
-                      <a:endParaRPr lang="ko-KR" altLang="en-US" sz="1600" dirty="0"/>
+                      <a:endParaRPr lang="ko-KR" altLang="en-US" sz="1400" dirty="0"/>
                     </a:p>
                   </a:txBody>
                   <a:tcPr>
@@ -41509,7 +41504,7 @@
                     <a:lstStyle/>
                     <a:p>
                       <a:pPr latinLnBrk="1"/>
-                      <a:endParaRPr lang="ko-KR" altLang="en-US" sz="1600" dirty="0"/>
+                      <a:endParaRPr lang="ko-KR" altLang="en-US" sz="1400" dirty="0"/>
                     </a:p>
                   </a:txBody>
                   <a:tcPr>
@@ -41524,7 +41519,7 @@
                     <a:lstStyle/>
                     <a:p>
                       <a:pPr latinLnBrk="1"/>
-                      <a:endParaRPr lang="ko-KR" altLang="en-US" sz="1600" dirty="0"/>
+                      <a:endParaRPr lang="ko-KR" altLang="en-US" sz="1400" dirty="0"/>
                     </a:p>
                   </a:txBody>
                   <a:tcPr/>
@@ -41535,7 +41530,7 @@
                     <a:lstStyle/>
                     <a:p>
                       <a:pPr latinLnBrk="1"/>
-                      <a:endParaRPr lang="ko-KR" altLang="en-US" sz="1600"/>
+                      <a:endParaRPr lang="ko-KR" altLang="en-US" sz="1400"/>
                     </a:p>
                   </a:txBody>
                   <a:tcPr/>
@@ -41546,7 +41541,7 @@
                     <a:lstStyle/>
                     <a:p>
                       <a:pPr latinLnBrk="1"/>
-                      <a:endParaRPr lang="ko-KR" altLang="en-US" sz="1600" dirty="0"/>
+                      <a:endParaRPr lang="ko-KR" altLang="en-US" sz="1400" dirty="0"/>
                     </a:p>
                   </a:txBody>
                   <a:tcPr/>
@@ -41565,7 +41560,7 @@
                     <a:p>
                       <a:pPr algn="r" latinLnBrk="1"/>
                       <a:r>
-                        <a:rPr lang="ko-KR" altLang="en-US" sz="1600" dirty="0"/>
+                        <a:rPr lang="ko-KR" altLang="en-US" sz="1400" dirty="0"/>
                         <a:t>발표 준비 및 시연 준비</a:t>
                       </a:r>
                     </a:p>
@@ -41589,7 +41584,7 @@
                     <a:lstStyle/>
                     <a:p>
                       <a:pPr latinLnBrk="1"/>
-                      <a:endParaRPr lang="ko-KR" altLang="en-US" sz="1600" dirty="0"/>
+                      <a:endParaRPr lang="ko-KR" altLang="en-US" sz="1400" dirty="0"/>
                     </a:p>
                   </a:txBody>
                   <a:tcPr/>
@@ -41600,7 +41595,7 @@
                     <a:lstStyle/>
                     <a:p>
                       <a:pPr latinLnBrk="1"/>
-                      <a:endParaRPr lang="ko-KR" altLang="en-US" sz="1600" dirty="0"/>
+                      <a:endParaRPr lang="ko-KR" altLang="en-US" sz="1400" dirty="0"/>
                     </a:p>
                   </a:txBody>
                   <a:tcPr/>
@@ -41611,7 +41606,7 @@
                     <a:lstStyle/>
                     <a:p>
                       <a:pPr latinLnBrk="1"/>
-                      <a:endParaRPr lang="ko-KR" altLang="en-US" sz="1600"/>
+                      <a:endParaRPr lang="ko-KR" altLang="en-US" sz="1400"/>
                     </a:p>
                   </a:txBody>
                   <a:tcPr/>
@@ -41622,7 +41617,7 @@
                     <a:lstStyle/>
                     <a:p>
                       <a:pPr latinLnBrk="1"/>
-                      <a:endParaRPr lang="ko-KR" altLang="en-US" sz="1600" dirty="0"/>
+                      <a:endParaRPr lang="ko-KR" altLang="en-US" sz="1400" dirty="0"/>
                     </a:p>
                   </a:txBody>
                   <a:tcPr/>
@@ -41633,7 +41628,7 @@
                     <a:lstStyle/>
                     <a:p>
                       <a:pPr latinLnBrk="1"/>
-                      <a:endParaRPr lang="ko-KR" altLang="en-US" sz="1600"/>
+                      <a:endParaRPr lang="ko-KR" altLang="en-US" sz="1400"/>
                     </a:p>
                   </a:txBody>
                   <a:tcPr/>
@@ -41644,7 +41639,7 @@
                     <a:lstStyle/>
                     <a:p>
                       <a:pPr latinLnBrk="1"/>
-                      <a:endParaRPr lang="ko-KR" altLang="en-US" sz="1600"/>
+                      <a:endParaRPr lang="ko-KR" altLang="en-US" sz="1400"/>
                     </a:p>
                   </a:txBody>
                   <a:tcPr/>
@@ -41655,7 +41650,7 @@
                     <a:lstStyle/>
                     <a:p>
                       <a:pPr latinLnBrk="1"/>
-                      <a:endParaRPr lang="ko-KR" altLang="en-US" sz="1600" dirty="0"/>
+                      <a:endParaRPr lang="ko-KR" altLang="en-US" sz="1400" dirty="0"/>
                     </a:p>
                   </a:txBody>
                   <a:tcPr/>
@@ -41666,7 +41661,7 @@
                     <a:lstStyle/>
                     <a:p>
                       <a:pPr latinLnBrk="1"/>
-                      <a:endParaRPr lang="ko-KR" altLang="en-US" sz="1600"/>
+                      <a:endParaRPr lang="ko-KR" altLang="en-US" sz="1400"/>
                     </a:p>
                   </a:txBody>
                   <a:tcPr/>
@@ -41677,7 +41672,7 @@
                     <a:lstStyle/>
                     <a:p>
                       <a:pPr latinLnBrk="1"/>
-                      <a:endParaRPr lang="ko-KR" altLang="en-US" sz="1600"/>
+                      <a:endParaRPr lang="ko-KR" altLang="en-US" sz="1400"/>
                     </a:p>
                   </a:txBody>
                   <a:tcPr/>
@@ -41688,7 +41683,7 @@
                     <a:lstStyle/>
                     <a:p>
                       <a:pPr latinLnBrk="1"/>
-                      <a:endParaRPr lang="ko-KR" altLang="en-US" sz="1600" dirty="0"/>
+                      <a:endParaRPr lang="ko-KR" altLang="en-US" sz="1400" dirty="0"/>
                     </a:p>
                   </a:txBody>
                   <a:tcPr/>
@@ -41699,7 +41694,7 @@
                     <a:lstStyle/>
                     <a:p>
                       <a:pPr latinLnBrk="1"/>
-                      <a:endParaRPr lang="ko-KR" altLang="en-US" sz="1600" dirty="0"/>
+                      <a:endParaRPr lang="ko-KR" altLang="en-US" sz="1400" dirty="0"/>
                     </a:p>
                   </a:txBody>
                   <a:tcPr>
@@ -41714,7 +41709,7 @@
                     <a:lstStyle/>
                     <a:p>
                       <a:pPr latinLnBrk="1"/>
-                      <a:endParaRPr lang="ko-KR" altLang="en-US" sz="1600" dirty="0"/>
+                      <a:endParaRPr lang="ko-KR" altLang="en-US" sz="1400" dirty="0"/>
                     </a:p>
                   </a:txBody>
                   <a:tcPr>
@@ -41729,7 +41724,7 @@
                     <a:lstStyle/>
                     <a:p>
                       <a:pPr latinLnBrk="1"/>
-                      <a:endParaRPr lang="ko-KR" altLang="en-US" sz="1600" dirty="0"/>
+                      <a:endParaRPr lang="ko-KR" altLang="en-US" sz="1400" dirty="0"/>
                     </a:p>
                   </a:txBody>
                   <a:tcPr>
@@ -41744,7 +41739,7 @@
                     <a:lstStyle/>
                     <a:p>
                       <a:pPr latinLnBrk="1"/>
-                      <a:endParaRPr lang="ko-KR" altLang="en-US" sz="1600" dirty="0"/>
+                      <a:endParaRPr lang="ko-KR" altLang="en-US" sz="1400" dirty="0"/>
                     </a:p>
                   </a:txBody>
                   <a:tcPr>
@@ -41759,7 +41754,7 @@
                     <a:lstStyle/>
                     <a:p>
                       <a:pPr latinLnBrk="1"/>
-                      <a:endParaRPr lang="ko-KR" altLang="en-US" sz="1600" dirty="0"/>
+                      <a:endParaRPr lang="ko-KR" altLang="en-US" sz="1400" dirty="0"/>
                     </a:p>
                   </a:txBody>
                   <a:tcPr/>
@@ -42207,7 +42202,7 @@
         <p:spPr>
           <a:xfrm>
             <a:off x="867082" y="2067023"/>
-            <a:ext cx="3330879" cy="2246769"/>
+            <a:ext cx="4505048" cy="2246769"/>
           </a:xfrm>
           <a:prstGeom prst="rect">
             <a:avLst/>
@@ -42556,10 +42551,10 @@
         </p:nvGrpSpPr>
         <p:grpSpPr>
           <a:xfrm>
-            <a:off x="631683" y="5189424"/>
-            <a:ext cx="2887651" cy="1458781"/>
-            <a:chOff x="631683" y="5390664"/>
-            <a:chExt cx="2887651" cy="1458781"/>
+            <a:off x="631894" y="4925258"/>
+            <a:ext cx="2887651" cy="1027899"/>
+            <a:chOff x="631894" y="5390664"/>
+            <a:chExt cx="2887651" cy="926878"/>
           </a:xfrm>
         </p:grpSpPr>
         <p:sp>
@@ -42576,8 +42571,8 @@
           </p:nvSpPr>
           <p:spPr>
             <a:xfrm>
-              <a:off x="631683" y="5895338"/>
-              <a:ext cx="2887651" cy="954107"/>
+              <a:off x="631894" y="5845744"/>
+              <a:ext cx="2887651" cy="471798"/>
             </a:xfrm>
             <a:prstGeom prst="rect">
               <a:avLst/>
@@ -42630,89 +42625,6 @@
                   </a:solidFill>
                 </a:rPr>
                 <a:t>만대가 넘음</a:t>
-              </a:r>
-              <a:r>
-                <a:rPr lang="en-US" altLang="ko-KR" sz="1400" spc="-150" dirty="0">
-                  <a:solidFill>
-                    <a:srgbClr val="393939"/>
-                  </a:solidFill>
-                </a:rPr>
-                <a:t>.</a:t>
-              </a:r>
-            </a:p>
-            <a:p>
-              <a:pPr algn="just"/>
-              <a:r>
-                <a:rPr lang="ko-KR" altLang="en-US" sz="1400" spc="-150" dirty="0">
-                  <a:solidFill>
-                    <a:srgbClr val="393939"/>
-                  </a:solidFill>
-                </a:rPr>
-                <a:t>이는 </a:t>
-              </a:r>
-              <a:r>
-                <a:rPr lang="en-US" altLang="ko-KR" sz="1400" spc="-150" dirty="0">
-                  <a:solidFill>
-                    <a:srgbClr val="393939"/>
-                  </a:solidFill>
-                </a:rPr>
-                <a:t>2.14</a:t>
-              </a:r>
-              <a:r>
-                <a:rPr lang="ko-KR" altLang="en-US" sz="1400" spc="-150" dirty="0">
-                  <a:solidFill>
-                    <a:srgbClr val="393939"/>
-                  </a:solidFill>
-                </a:rPr>
-                <a:t>명 당 </a:t>
-              </a:r>
-              <a:r>
-                <a:rPr lang="en-US" altLang="ko-KR" sz="1400" spc="-150" dirty="0">
-                  <a:solidFill>
-                    <a:srgbClr val="393939"/>
-                  </a:solidFill>
-                </a:rPr>
-                <a:t>1</a:t>
-              </a:r>
-              <a:r>
-                <a:rPr lang="ko-KR" altLang="en-US" sz="1400" spc="-150" dirty="0">
-                  <a:solidFill>
-                    <a:srgbClr val="393939"/>
-                  </a:solidFill>
-                </a:rPr>
-                <a:t>대 수준이며 </a:t>
-              </a:r>
-              <a:r>
-                <a:rPr lang="en-US" altLang="ko-KR" sz="1400" spc="-150" dirty="0">
-                  <a:solidFill>
-                    <a:srgbClr val="393939"/>
-                  </a:solidFill>
-                </a:rPr>
-                <a:t>2</a:t>
-              </a:r>
-              <a:r>
-                <a:rPr lang="ko-KR" altLang="en-US" sz="1400" spc="-150" dirty="0">
-                  <a:solidFill>
-                    <a:srgbClr val="393939"/>
-                  </a:solidFill>
-                </a:rPr>
-                <a:t>인 가구 기준 가구당 </a:t>
-              </a:r>
-              <a:r>
-                <a:rPr lang="en-US" altLang="ko-KR" sz="1400" spc="-150" dirty="0">
-                  <a:solidFill>
-                    <a:srgbClr val="393939"/>
-                  </a:solidFill>
-                </a:rPr>
-                <a:t>1</a:t>
-              </a:r>
-              <a:r>
-                <a:rPr lang="ko-KR" altLang="en-US" sz="1400" spc="-150" dirty="0">
-                  <a:solidFill>
-                    <a:srgbClr val="393939"/>
-                  </a:solidFill>
-                </a:rPr>
-                <a:t>대의 자동차를 보유하는 수준</a:t>
               </a:r>
               <a:r>
                 <a:rPr lang="en-US" altLang="ko-KR" sz="1400" spc="-150" dirty="0">
@@ -42787,10 +42699,10 @@
         </p:nvGrpSpPr>
         <p:grpSpPr>
           <a:xfrm>
-            <a:off x="4593030" y="5189424"/>
-            <a:ext cx="3005952" cy="1674225"/>
+            <a:off x="4593024" y="4925264"/>
+            <a:ext cx="3005952" cy="1027894"/>
             <a:chOff x="572539" y="5390664"/>
-            <a:chExt cx="3005952" cy="1674225"/>
+            <a:chExt cx="3005952" cy="1027894"/>
           </a:xfrm>
         </p:grpSpPr>
         <p:sp>
@@ -42808,7 +42720,7 @@
           <p:spPr>
             <a:xfrm>
               <a:off x="631683" y="5895338"/>
-              <a:ext cx="2887651" cy="1169551"/>
+              <a:ext cx="2887651" cy="523220"/>
             </a:xfrm>
             <a:prstGeom prst="rect">
               <a:avLst/>
@@ -42836,42 +42748,7 @@
                     <a:srgbClr val="393939"/>
                   </a:solidFill>
                 </a:rPr>
-                <a:t>년 부터 매년 </a:t>
-              </a:r>
-              <a:r>
-                <a:rPr lang="en-US" altLang="ko-KR" sz="1400" spc="-150" dirty="0">
-                  <a:solidFill>
-                    <a:srgbClr val="393939"/>
-                  </a:solidFill>
-                </a:rPr>
-                <a:t>20</a:t>
-              </a:r>
-              <a:r>
-                <a:rPr lang="ko-KR" altLang="en-US" sz="1400" spc="-150" dirty="0">
-                  <a:solidFill>
-                    <a:srgbClr val="393939"/>
-                  </a:solidFill>
-                </a:rPr>
-                <a:t>만 건 이상의 교통사고가 발생</a:t>
-              </a:r>
-              <a:r>
-                <a:rPr lang="en-US" altLang="ko-KR" sz="1400" spc="-150" dirty="0">
-                  <a:solidFill>
-                    <a:srgbClr val="393939"/>
-                  </a:solidFill>
-                </a:rPr>
-                <a:t>,.</a:t>
-              </a:r>
-            </a:p>
-            <a:p>
-              <a:pPr algn="just"/>
-              <a:r>
-                <a:rPr lang="ko-KR" altLang="en-US" sz="1400" spc="-150" dirty="0">
-                  <a:solidFill>
-                    <a:srgbClr val="393939"/>
-                  </a:solidFill>
-                </a:rPr>
-                <a:t>하루 평균 </a:t>
+                <a:t>년 부터 하루 평균 </a:t>
               </a:r>
               <a:r>
                 <a:rPr lang="en-US" altLang="ko-KR" sz="1400" spc="-150" dirty="0">
@@ -42888,41 +42765,6 @@
                   </a:solidFill>
                 </a:rPr>
                 <a:t>건 이상의 교통사고가 발생</a:t>
-              </a:r>
-              <a:r>
-                <a:rPr lang="en-US" altLang="ko-KR" sz="1400" spc="-150" dirty="0">
-                  <a:solidFill>
-                    <a:srgbClr val="393939"/>
-                  </a:solidFill>
-                </a:rPr>
-                <a:t>.</a:t>
-              </a:r>
-            </a:p>
-            <a:p>
-              <a:pPr algn="just"/>
-              <a:r>
-                <a:rPr lang="ko-KR" altLang="en-US" sz="1400" spc="-150" dirty="0">
-                  <a:solidFill>
-                    <a:srgbClr val="393939"/>
-                  </a:solidFill>
-                </a:rPr>
-                <a:t>사망자 수가 감소하고 있지만 매년 </a:t>
-              </a:r>
-              <a:r>
-                <a:rPr lang="en-US" altLang="ko-KR" sz="1400" spc="-150" dirty="0">
-                  <a:solidFill>
-                    <a:srgbClr val="393939"/>
-                  </a:solidFill>
-                </a:rPr>
-                <a:t>3000</a:t>
-              </a:r>
-              <a:r>
-                <a:rPr lang="ko-KR" altLang="en-US" sz="1400" spc="-150" dirty="0">
-                  <a:solidFill>
-                    <a:srgbClr val="393939"/>
-                  </a:solidFill>
-                </a:rPr>
-                <a:t>명 이상 발생</a:t>
               </a:r>
               <a:r>
                 <a:rPr lang="en-US" altLang="ko-KR" sz="1400" spc="-150" dirty="0">
@@ -43017,10 +42859,10 @@
         </p:nvGrpSpPr>
         <p:grpSpPr>
           <a:xfrm>
-            <a:off x="8560620" y="5189424"/>
-            <a:ext cx="3111749" cy="1243338"/>
+            <a:off x="8448567" y="4925264"/>
+            <a:ext cx="3111749" cy="1027894"/>
             <a:chOff x="519638" y="5390664"/>
-            <a:chExt cx="3111749" cy="1243338"/>
+            <a:chExt cx="3111749" cy="1027894"/>
           </a:xfrm>
         </p:grpSpPr>
         <p:sp>
@@ -43037,8 +42879,8 @@
           </p:nvSpPr>
           <p:spPr>
             <a:xfrm>
-              <a:off x="631683" y="5895338"/>
-              <a:ext cx="2887651" cy="738664"/>
+              <a:off x="519639" y="5895338"/>
+              <a:ext cx="2999696" cy="523220"/>
             </a:xfrm>
             <a:prstGeom prst="rect">
               <a:avLst/>
@@ -43058,23 +42900,7 @@
                     <a:srgbClr val="393939"/>
                   </a:solidFill>
                 </a:rPr>
-                <a:t>사고 발생시 사고 당사자들의 의견과 해당 차량</a:t>
-              </a:r>
-              <a:r>
-                <a:rPr lang="en-US" altLang="ko-KR" sz="1400" spc="-150" dirty="0">
-                  <a:solidFill>
-                    <a:srgbClr val="393939"/>
-                  </a:solidFill>
-                </a:rPr>
-                <a:t>, </a:t>
-              </a:r>
-              <a:r>
-                <a:rPr lang="ko-KR" altLang="en-US" sz="1400" spc="-150" dirty="0">
-                  <a:solidFill>
-                    <a:srgbClr val="393939"/>
-                  </a:solidFill>
-                </a:rPr>
-                <a:t>주변 차량의 블랙박스 영상</a:t>
+                <a:t>사고 발생시 주변 차량의 블랙박스 영상</a:t>
               </a:r>
               <a:r>
                 <a:rPr lang="en-US" altLang="ko-KR" sz="1400" spc="-150" dirty="0">
@@ -43500,2471 +43326,6 @@
           </a:p>
         </p:txBody>
       </p:sp>
-      <p:graphicFrame>
-        <p:nvGraphicFramePr>
-          <p:cNvPr id="9" name="표 8">
-            <a:extLst>
-              <a:ext uri="{FF2B5EF4-FFF2-40B4-BE49-F238E27FC236}">
-                <a16:creationId xmlns:a16="http://schemas.microsoft.com/office/drawing/2014/main" id="{940A4140-46C4-4B11-8F9B-A427C857D39E}"/>
-              </a:ext>
-            </a:extLst>
-          </p:cNvPr>
-          <p:cNvGraphicFramePr>
-            <a:graphicFrameLocks noGrp="1"/>
-          </p:cNvGraphicFramePr>
-          <p:nvPr>
-            <p:extLst>
-              <p:ext uri="{D42A27DB-BD31-4B8C-83A1-F6EECF244321}">
-                <p14:modId xmlns:p14="http://schemas.microsoft.com/office/powerpoint/2010/main" val="1507514859"/>
-              </p:ext>
-            </p:extLst>
-          </p:nvPr>
-        </p:nvGraphicFramePr>
-        <p:xfrm>
-          <a:off x="457200" y="2382252"/>
-          <a:ext cx="10756230" cy="3799650"/>
-        </p:xfrm>
-        <a:graphic>
-          <a:graphicData uri="http://schemas.openxmlformats.org/drawingml/2006/table">
-            <a:tbl>
-              <a:tblPr firstRow="1" bandRow="1">
-                <a:tableStyleId>{2D5ABB26-0587-4C30-8999-92F81FD0307C}</a:tableStyleId>
-              </a:tblPr>
-              <a:tblGrid>
-                <a:gridCol w="2151246">
-                  <a:extLst>
-                    <a:ext uri="{9D8B030D-6E8A-4147-A177-3AD203B41FA5}">
-                      <a16:colId xmlns:a16="http://schemas.microsoft.com/office/drawing/2014/main" val="2748037351"/>
-                    </a:ext>
-                  </a:extLst>
-                </a:gridCol>
-                <a:gridCol w="2151246">
-                  <a:extLst>
-                    <a:ext uri="{9D8B030D-6E8A-4147-A177-3AD203B41FA5}">
-                      <a16:colId xmlns:a16="http://schemas.microsoft.com/office/drawing/2014/main" val="820828031"/>
-                    </a:ext>
-                  </a:extLst>
-                </a:gridCol>
-                <a:gridCol w="2151246">
-                  <a:extLst>
-                    <a:ext uri="{9D8B030D-6E8A-4147-A177-3AD203B41FA5}">
-                      <a16:colId xmlns:a16="http://schemas.microsoft.com/office/drawing/2014/main" val="1899111826"/>
-                    </a:ext>
-                  </a:extLst>
-                </a:gridCol>
-                <a:gridCol w="2151246">
-                  <a:extLst>
-                    <a:ext uri="{9D8B030D-6E8A-4147-A177-3AD203B41FA5}">
-                      <a16:colId xmlns:a16="http://schemas.microsoft.com/office/drawing/2014/main" val="119677300"/>
-                    </a:ext>
-                  </a:extLst>
-                </a:gridCol>
-                <a:gridCol w="2151246">
-                  <a:extLst>
-                    <a:ext uri="{9D8B030D-6E8A-4147-A177-3AD203B41FA5}">
-                      <a16:colId xmlns:a16="http://schemas.microsoft.com/office/drawing/2014/main" val="1382983538"/>
-                    </a:ext>
-                  </a:extLst>
-                </a:gridCol>
-              </a:tblGrid>
-              <a:tr h="633275">
-                <a:tc>
-                  <a:txBody>
-                    <a:bodyPr/>
-                    <a:lstStyle/>
-                    <a:p>
-                      <a:pPr algn="ctr" latinLnBrk="1"/>
-                      <a:r>
-                        <a:rPr lang="ko-KR" altLang="en-US" sz="2400" dirty="0">
-                          <a:solidFill>
-                            <a:schemeClr val="bg1"/>
-                          </a:solidFill>
-                          <a:latin typeface="+mj-ea"/>
-                          <a:ea typeface="+mj-ea"/>
-                        </a:rPr>
-                        <a:t>항목 </a:t>
-                      </a:r>
-                      <a:r>
-                        <a:rPr lang="en-US" altLang="ko-KR" sz="2400" dirty="0">
-                          <a:solidFill>
-                            <a:schemeClr val="bg1"/>
-                          </a:solidFill>
-                          <a:latin typeface="+mj-ea"/>
-                          <a:ea typeface="+mj-ea"/>
-                        </a:rPr>
-                        <a:t>1</a:t>
-                      </a:r>
-                      <a:endParaRPr lang="ko-KR" altLang="en-US" sz="2400" dirty="0">
-                        <a:solidFill>
-                          <a:schemeClr val="bg1"/>
-                        </a:solidFill>
-                        <a:latin typeface="+mj-ea"/>
-                        <a:ea typeface="+mj-ea"/>
-                      </a:endParaRPr>
-                    </a:p>
-                  </a:txBody>
-                  <a:tcPr anchor="ctr">
-                    <a:lnL>
-                      <a:noFill/>
-                    </a:lnL>
-                    <a:lnR w="6350" cap="flat" cmpd="sng" algn="ctr">
-                      <a:solidFill>
-                        <a:schemeClr val="bg1">
-                          <a:lumMod val="50000"/>
-                        </a:schemeClr>
-                      </a:solidFill>
-                      <a:prstDash val="solid"/>
-                      <a:round/>
-                      <a:headEnd type="none" w="med" len="med"/>
-                      <a:tailEnd type="none" w="med" len="med"/>
-                    </a:lnR>
-                    <a:lnT w="28575" cap="flat" cmpd="sng" algn="ctr">
-                      <a:noFill/>
-                      <a:prstDash val="solid"/>
-                      <a:round/>
-                      <a:headEnd type="none" w="med" len="med"/>
-                      <a:tailEnd type="none" w="med" len="med"/>
-                    </a:lnT>
-                    <a:lnB w="6350" cap="flat" cmpd="sng" algn="ctr">
-                      <a:solidFill>
-                        <a:schemeClr val="bg1">
-                          <a:lumMod val="50000"/>
-                        </a:schemeClr>
-                      </a:solidFill>
-                      <a:prstDash val="solid"/>
-                      <a:round/>
-                      <a:headEnd type="none" w="med" len="med"/>
-                      <a:tailEnd type="none" w="med" len="med"/>
-                    </a:lnB>
-                    <a:lnTlToBr w="12700" cmpd="sng">
-                      <a:noFill/>
-                      <a:prstDash val="solid"/>
-                    </a:lnTlToBr>
-                    <a:lnBlToTr w="12700" cmpd="sng">
-                      <a:noFill/>
-                      <a:prstDash val="solid"/>
-                    </a:lnBlToTr>
-                    <a:solidFill>
-                      <a:schemeClr val="accent2"/>
-                    </a:solidFill>
-                  </a:tcPr>
-                </a:tc>
-                <a:tc>
-                  <a:txBody>
-                    <a:bodyPr/>
-                    <a:lstStyle/>
-                    <a:p>
-                      <a:pPr marL="0" marR="0" lvl="0" indent="0" algn="ctr" defTabSz="914400" rtl="0" eaLnBrk="1" fontAlgn="auto" latinLnBrk="1" hangingPunct="1">
-                        <a:lnSpc>
-                          <a:spcPct val="100000"/>
-                        </a:lnSpc>
-                        <a:spcBef>
-                          <a:spcPts val="0"/>
-                        </a:spcBef>
-                        <a:spcAft>
-                          <a:spcPts val="0"/>
-                        </a:spcAft>
-                        <a:buClrTx/>
-                        <a:buSzTx/>
-                        <a:buFontTx/>
-                        <a:buNone/>
-                        <a:tabLst/>
-                        <a:defRPr/>
-                      </a:pPr>
-                      <a:r>
-                        <a:rPr lang="ko-KR" altLang="en-US" sz="2400" dirty="0">
-                          <a:solidFill>
-                            <a:schemeClr val="bg1"/>
-                          </a:solidFill>
-                          <a:latin typeface="+mj-ea"/>
-                          <a:ea typeface="+mj-ea"/>
-                        </a:rPr>
-                        <a:t>항목 </a:t>
-                      </a:r>
-                      <a:r>
-                        <a:rPr lang="en-US" altLang="ko-KR" sz="2400" dirty="0">
-                          <a:solidFill>
-                            <a:schemeClr val="bg1"/>
-                          </a:solidFill>
-                          <a:latin typeface="+mj-ea"/>
-                          <a:ea typeface="+mj-ea"/>
-                        </a:rPr>
-                        <a:t>2</a:t>
-                      </a:r>
-                      <a:endParaRPr lang="ko-KR" altLang="en-US" sz="2400" dirty="0">
-                        <a:solidFill>
-                          <a:schemeClr val="bg1"/>
-                        </a:solidFill>
-                        <a:latin typeface="+mj-ea"/>
-                        <a:ea typeface="+mj-ea"/>
-                      </a:endParaRPr>
-                    </a:p>
-                  </a:txBody>
-                  <a:tcPr anchor="ctr">
-                    <a:lnL w="6350" cap="flat" cmpd="sng" algn="ctr">
-                      <a:solidFill>
-                        <a:schemeClr val="bg1">
-                          <a:lumMod val="50000"/>
-                        </a:schemeClr>
-                      </a:solidFill>
-                      <a:prstDash val="solid"/>
-                      <a:round/>
-                      <a:headEnd type="none" w="med" len="med"/>
-                      <a:tailEnd type="none" w="med" len="med"/>
-                    </a:lnL>
-                    <a:lnR w="6350" cap="flat" cmpd="sng" algn="ctr">
-                      <a:solidFill>
-                        <a:schemeClr val="bg1">
-                          <a:lumMod val="50000"/>
-                        </a:schemeClr>
-                      </a:solidFill>
-                      <a:prstDash val="solid"/>
-                      <a:round/>
-                      <a:headEnd type="none" w="med" len="med"/>
-                      <a:tailEnd type="none" w="med" len="med"/>
-                    </a:lnR>
-                    <a:lnT w="28575" cap="flat" cmpd="sng" algn="ctr">
-                      <a:noFill/>
-                      <a:prstDash val="solid"/>
-                      <a:round/>
-                      <a:headEnd type="none" w="med" len="med"/>
-                      <a:tailEnd type="none" w="med" len="med"/>
-                    </a:lnT>
-                    <a:lnB w="6350" cap="flat" cmpd="sng" algn="ctr">
-                      <a:solidFill>
-                        <a:schemeClr val="bg1">
-                          <a:lumMod val="50000"/>
-                        </a:schemeClr>
-                      </a:solidFill>
-                      <a:prstDash val="solid"/>
-                      <a:round/>
-                      <a:headEnd type="none" w="med" len="med"/>
-                      <a:tailEnd type="none" w="med" len="med"/>
-                    </a:lnB>
-                    <a:lnTlToBr w="12700" cmpd="sng">
-                      <a:noFill/>
-                      <a:prstDash val="solid"/>
-                    </a:lnTlToBr>
-                    <a:lnBlToTr w="12700" cmpd="sng">
-                      <a:noFill/>
-                      <a:prstDash val="solid"/>
-                    </a:lnBlToTr>
-                    <a:solidFill>
-                      <a:schemeClr val="accent2"/>
-                    </a:solidFill>
-                  </a:tcPr>
-                </a:tc>
-                <a:tc>
-                  <a:txBody>
-                    <a:bodyPr/>
-                    <a:lstStyle/>
-                    <a:p>
-                      <a:pPr marL="0" marR="0" lvl="0" indent="0" algn="ctr" defTabSz="914400" rtl="0" eaLnBrk="1" fontAlgn="auto" latinLnBrk="1" hangingPunct="1">
-                        <a:lnSpc>
-                          <a:spcPct val="100000"/>
-                        </a:lnSpc>
-                        <a:spcBef>
-                          <a:spcPts val="0"/>
-                        </a:spcBef>
-                        <a:spcAft>
-                          <a:spcPts val="0"/>
-                        </a:spcAft>
-                        <a:buClrTx/>
-                        <a:buSzTx/>
-                        <a:buFontTx/>
-                        <a:buNone/>
-                        <a:tabLst/>
-                        <a:defRPr/>
-                      </a:pPr>
-                      <a:r>
-                        <a:rPr lang="ko-KR" altLang="en-US" sz="2400" dirty="0">
-                          <a:solidFill>
-                            <a:schemeClr val="bg1"/>
-                          </a:solidFill>
-                          <a:latin typeface="+mj-ea"/>
-                          <a:ea typeface="+mj-ea"/>
-                        </a:rPr>
-                        <a:t>항목 </a:t>
-                      </a:r>
-                      <a:r>
-                        <a:rPr lang="en-US" altLang="ko-KR" sz="2400" dirty="0">
-                          <a:solidFill>
-                            <a:schemeClr val="bg1"/>
-                          </a:solidFill>
-                          <a:latin typeface="+mj-ea"/>
-                          <a:ea typeface="+mj-ea"/>
-                        </a:rPr>
-                        <a:t>3</a:t>
-                      </a:r>
-                      <a:endParaRPr lang="ko-KR" altLang="en-US" sz="2400" dirty="0">
-                        <a:solidFill>
-                          <a:schemeClr val="bg1"/>
-                        </a:solidFill>
-                        <a:latin typeface="+mj-ea"/>
-                        <a:ea typeface="+mj-ea"/>
-                      </a:endParaRPr>
-                    </a:p>
-                  </a:txBody>
-                  <a:tcPr anchor="ctr">
-                    <a:lnL w="6350" cap="flat" cmpd="sng" algn="ctr">
-                      <a:solidFill>
-                        <a:schemeClr val="bg1">
-                          <a:lumMod val="50000"/>
-                        </a:schemeClr>
-                      </a:solidFill>
-                      <a:prstDash val="solid"/>
-                      <a:round/>
-                      <a:headEnd type="none" w="med" len="med"/>
-                      <a:tailEnd type="none" w="med" len="med"/>
-                    </a:lnL>
-                    <a:lnR w="6350" cap="flat" cmpd="sng" algn="ctr">
-                      <a:solidFill>
-                        <a:schemeClr val="bg1">
-                          <a:lumMod val="50000"/>
-                        </a:schemeClr>
-                      </a:solidFill>
-                      <a:prstDash val="solid"/>
-                      <a:round/>
-                      <a:headEnd type="none" w="med" len="med"/>
-                      <a:tailEnd type="none" w="med" len="med"/>
-                    </a:lnR>
-                    <a:lnT w="28575" cap="flat" cmpd="sng" algn="ctr">
-                      <a:noFill/>
-                      <a:prstDash val="solid"/>
-                      <a:round/>
-                      <a:headEnd type="none" w="med" len="med"/>
-                      <a:tailEnd type="none" w="med" len="med"/>
-                    </a:lnT>
-                    <a:lnB w="6350" cap="flat" cmpd="sng" algn="ctr">
-                      <a:solidFill>
-                        <a:schemeClr val="bg1">
-                          <a:lumMod val="50000"/>
-                        </a:schemeClr>
-                      </a:solidFill>
-                      <a:prstDash val="solid"/>
-                      <a:round/>
-                      <a:headEnd type="none" w="med" len="med"/>
-                      <a:tailEnd type="none" w="med" len="med"/>
-                    </a:lnB>
-                    <a:lnTlToBr w="12700" cmpd="sng">
-                      <a:noFill/>
-                      <a:prstDash val="solid"/>
-                    </a:lnTlToBr>
-                    <a:lnBlToTr w="12700" cmpd="sng">
-                      <a:noFill/>
-                      <a:prstDash val="solid"/>
-                    </a:lnBlToTr>
-                    <a:solidFill>
-                      <a:schemeClr val="accent2"/>
-                    </a:solidFill>
-                  </a:tcPr>
-                </a:tc>
-                <a:tc>
-                  <a:txBody>
-                    <a:bodyPr/>
-                    <a:lstStyle/>
-                    <a:p>
-                      <a:pPr marL="0" marR="0" lvl="0" indent="0" algn="ctr" defTabSz="914400" rtl="0" eaLnBrk="1" fontAlgn="auto" latinLnBrk="1" hangingPunct="1">
-                        <a:lnSpc>
-                          <a:spcPct val="100000"/>
-                        </a:lnSpc>
-                        <a:spcBef>
-                          <a:spcPts val="0"/>
-                        </a:spcBef>
-                        <a:spcAft>
-                          <a:spcPts val="0"/>
-                        </a:spcAft>
-                        <a:buClrTx/>
-                        <a:buSzTx/>
-                        <a:buFontTx/>
-                        <a:buNone/>
-                        <a:tabLst/>
-                        <a:defRPr/>
-                      </a:pPr>
-                      <a:r>
-                        <a:rPr lang="ko-KR" altLang="en-US" sz="2400" dirty="0">
-                          <a:solidFill>
-                            <a:schemeClr val="bg1"/>
-                          </a:solidFill>
-                          <a:latin typeface="+mj-ea"/>
-                          <a:ea typeface="+mj-ea"/>
-                        </a:rPr>
-                        <a:t>항목 </a:t>
-                      </a:r>
-                      <a:r>
-                        <a:rPr lang="en-US" altLang="ko-KR" sz="2400" dirty="0">
-                          <a:solidFill>
-                            <a:schemeClr val="bg1"/>
-                          </a:solidFill>
-                          <a:latin typeface="+mj-ea"/>
-                          <a:ea typeface="+mj-ea"/>
-                        </a:rPr>
-                        <a:t>4</a:t>
-                      </a:r>
-                      <a:endParaRPr lang="ko-KR" altLang="en-US" sz="2400" dirty="0">
-                        <a:solidFill>
-                          <a:schemeClr val="bg1"/>
-                        </a:solidFill>
-                        <a:latin typeface="+mj-ea"/>
-                        <a:ea typeface="+mj-ea"/>
-                      </a:endParaRPr>
-                    </a:p>
-                  </a:txBody>
-                  <a:tcPr anchor="ctr">
-                    <a:lnL w="6350" cap="flat" cmpd="sng" algn="ctr">
-                      <a:solidFill>
-                        <a:schemeClr val="bg1">
-                          <a:lumMod val="50000"/>
-                        </a:schemeClr>
-                      </a:solidFill>
-                      <a:prstDash val="solid"/>
-                      <a:round/>
-                      <a:headEnd type="none" w="med" len="med"/>
-                      <a:tailEnd type="none" w="med" len="med"/>
-                    </a:lnL>
-                    <a:lnR w="6350" cap="flat" cmpd="sng" algn="ctr">
-                      <a:solidFill>
-                        <a:schemeClr val="bg1">
-                          <a:lumMod val="50000"/>
-                        </a:schemeClr>
-                      </a:solidFill>
-                      <a:prstDash val="solid"/>
-                      <a:round/>
-                      <a:headEnd type="none" w="med" len="med"/>
-                      <a:tailEnd type="none" w="med" len="med"/>
-                    </a:lnR>
-                    <a:lnT w="28575" cap="flat" cmpd="sng" algn="ctr">
-                      <a:noFill/>
-                      <a:prstDash val="solid"/>
-                      <a:round/>
-                      <a:headEnd type="none" w="med" len="med"/>
-                      <a:tailEnd type="none" w="med" len="med"/>
-                    </a:lnT>
-                    <a:lnB w="6350" cap="flat" cmpd="sng" algn="ctr">
-                      <a:solidFill>
-                        <a:schemeClr val="bg1">
-                          <a:lumMod val="50000"/>
-                        </a:schemeClr>
-                      </a:solidFill>
-                      <a:prstDash val="solid"/>
-                      <a:round/>
-                      <a:headEnd type="none" w="med" len="med"/>
-                      <a:tailEnd type="none" w="med" len="med"/>
-                    </a:lnB>
-                    <a:lnTlToBr w="12700" cmpd="sng">
-                      <a:noFill/>
-                      <a:prstDash val="solid"/>
-                    </a:lnTlToBr>
-                    <a:lnBlToTr w="12700" cmpd="sng">
-                      <a:noFill/>
-                      <a:prstDash val="solid"/>
-                    </a:lnBlToTr>
-                    <a:solidFill>
-                      <a:schemeClr val="accent2"/>
-                    </a:solidFill>
-                  </a:tcPr>
-                </a:tc>
-                <a:tc>
-                  <a:txBody>
-                    <a:bodyPr/>
-                    <a:lstStyle/>
-                    <a:p>
-                      <a:pPr marL="0" marR="0" lvl="0" indent="0" algn="ctr" defTabSz="914400" rtl="0" eaLnBrk="1" fontAlgn="auto" latinLnBrk="1" hangingPunct="1">
-                        <a:lnSpc>
-                          <a:spcPct val="100000"/>
-                        </a:lnSpc>
-                        <a:spcBef>
-                          <a:spcPts val="0"/>
-                        </a:spcBef>
-                        <a:spcAft>
-                          <a:spcPts val="0"/>
-                        </a:spcAft>
-                        <a:buClrTx/>
-                        <a:buSzTx/>
-                        <a:buFontTx/>
-                        <a:buNone/>
-                        <a:tabLst/>
-                        <a:defRPr/>
-                      </a:pPr>
-                      <a:r>
-                        <a:rPr lang="ko-KR" altLang="en-US" sz="2400" dirty="0">
-                          <a:solidFill>
-                            <a:schemeClr val="bg1"/>
-                          </a:solidFill>
-                          <a:latin typeface="+mj-ea"/>
-                          <a:ea typeface="+mj-ea"/>
-                        </a:rPr>
-                        <a:t>항목 </a:t>
-                      </a:r>
-                      <a:r>
-                        <a:rPr lang="en-US" altLang="ko-KR" sz="2400" dirty="0">
-                          <a:solidFill>
-                            <a:schemeClr val="bg1"/>
-                          </a:solidFill>
-                          <a:latin typeface="+mj-ea"/>
-                          <a:ea typeface="+mj-ea"/>
-                        </a:rPr>
-                        <a:t>5</a:t>
-                      </a:r>
-                      <a:endParaRPr lang="ko-KR" altLang="en-US" sz="2400" dirty="0">
-                        <a:solidFill>
-                          <a:schemeClr val="bg1"/>
-                        </a:solidFill>
-                        <a:latin typeface="+mj-ea"/>
-                        <a:ea typeface="+mj-ea"/>
-                      </a:endParaRPr>
-                    </a:p>
-                  </a:txBody>
-                  <a:tcPr anchor="ctr">
-                    <a:lnL w="6350" cap="flat" cmpd="sng" algn="ctr">
-                      <a:solidFill>
-                        <a:schemeClr val="bg1">
-                          <a:lumMod val="50000"/>
-                        </a:schemeClr>
-                      </a:solidFill>
-                      <a:prstDash val="solid"/>
-                      <a:round/>
-                      <a:headEnd type="none" w="med" len="med"/>
-                      <a:tailEnd type="none" w="med" len="med"/>
-                    </a:lnL>
-                    <a:lnR w="6350" cap="flat" cmpd="sng" algn="ctr">
-                      <a:noFill/>
-                      <a:prstDash val="solid"/>
-                      <a:round/>
-                      <a:headEnd type="none" w="med" len="med"/>
-                      <a:tailEnd type="none" w="med" len="med"/>
-                    </a:lnR>
-                    <a:lnT w="28575" cap="flat" cmpd="sng" algn="ctr">
-                      <a:noFill/>
-                      <a:prstDash val="solid"/>
-                      <a:round/>
-                      <a:headEnd type="none" w="med" len="med"/>
-                      <a:tailEnd type="none" w="med" len="med"/>
-                    </a:lnT>
-                    <a:lnB w="6350" cap="flat" cmpd="sng" algn="ctr">
-                      <a:solidFill>
-                        <a:schemeClr val="bg1">
-                          <a:lumMod val="50000"/>
-                        </a:schemeClr>
-                      </a:solidFill>
-                      <a:prstDash val="solid"/>
-                      <a:round/>
-                      <a:headEnd type="none" w="med" len="med"/>
-                      <a:tailEnd type="none" w="med" len="med"/>
-                    </a:lnB>
-                    <a:lnTlToBr w="12700" cmpd="sng">
-                      <a:noFill/>
-                      <a:prstDash val="solid"/>
-                    </a:lnTlToBr>
-                    <a:lnBlToTr w="12700" cmpd="sng">
-                      <a:noFill/>
-                      <a:prstDash val="solid"/>
-                    </a:lnBlToTr>
-                    <a:solidFill>
-                      <a:schemeClr val="accent2"/>
-                    </a:solidFill>
-                  </a:tcPr>
-                </a:tc>
-                <a:extLst>
-                  <a:ext uri="{0D108BD9-81ED-4DB2-BD59-A6C34878D82A}">
-                    <a16:rowId xmlns:a16="http://schemas.microsoft.com/office/drawing/2014/main" val="1650703200"/>
-                  </a:ext>
-                </a:extLst>
-              </a:tr>
-              <a:tr h="633275">
-                <a:tc>
-                  <a:txBody>
-                    <a:bodyPr/>
-                    <a:lstStyle/>
-                    <a:p>
-                      <a:pPr algn="ctr" latinLnBrk="1"/>
-                      <a:r>
-                        <a:rPr lang="ko-KR" altLang="en-US" sz="2200" spc="-150" dirty="0">
-                          <a:solidFill>
-                            <a:srgbClr val="40474D"/>
-                          </a:solidFill>
-                          <a:latin typeface="+mn-ea"/>
-                          <a:ea typeface="+mn-ea"/>
-                        </a:rPr>
-                        <a:t>내용 입력</a:t>
-                      </a:r>
-                    </a:p>
-                  </a:txBody>
-                  <a:tcPr anchor="ctr">
-                    <a:lnL>
-                      <a:noFill/>
-                    </a:lnL>
-                    <a:lnR w="6350" cap="flat" cmpd="sng" algn="ctr">
-                      <a:solidFill>
-                        <a:schemeClr val="bg1">
-                          <a:lumMod val="50000"/>
-                        </a:schemeClr>
-                      </a:solidFill>
-                      <a:prstDash val="solid"/>
-                      <a:round/>
-                      <a:headEnd type="none" w="med" len="med"/>
-                      <a:tailEnd type="none" w="med" len="med"/>
-                    </a:lnR>
-                    <a:lnT w="6350" cap="flat" cmpd="sng" algn="ctr">
-                      <a:solidFill>
-                        <a:schemeClr val="bg1">
-                          <a:lumMod val="50000"/>
-                        </a:schemeClr>
-                      </a:solidFill>
-                      <a:prstDash val="solid"/>
-                      <a:round/>
-                      <a:headEnd type="none" w="med" len="med"/>
-                      <a:tailEnd type="none" w="med" len="med"/>
-                    </a:lnT>
-                    <a:lnB w="6350" cap="flat" cmpd="sng" algn="ctr">
-                      <a:solidFill>
-                        <a:schemeClr val="bg1">
-                          <a:lumMod val="50000"/>
-                        </a:schemeClr>
-                      </a:solidFill>
-                      <a:prstDash val="solid"/>
-                      <a:round/>
-                      <a:headEnd type="none" w="med" len="med"/>
-                      <a:tailEnd type="none" w="med" len="med"/>
-                    </a:lnB>
-                    <a:lnTlToBr w="12700" cmpd="sng">
-                      <a:noFill/>
-                      <a:prstDash val="solid"/>
-                    </a:lnTlToBr>
-                    <a:lnBlToTr w="12700" cmpd="sng">
-                      <a:noFill/>
-                      <a:prstDash val="solid"/>
-                    </a:lnBlToTr>
-                    <a:solidFill>
-                      <a:schemeClr val="bg1"/>
-                    </a:solidFill>
-                  </a:tcPr>
-                </a:tc>
-                <a:tc>
-                  <a:txBody>
-                    <a:bodyPr/>
-                    <a:lstStyle/>
-                    <a:p>
-                      <a:pPr algn="ctr" latinLnBrk="1"/>
-                      <a:r>
-                        <a:rPr lang="ko-KR" altLang="en-US" sz="2200" spc="-150" dirty="0">
-                          <a:solidFill>
-                            <a:srgbClr val="40474D"/>
-                          </a:solidFill>
-                          <a:latin typeface="+mn-ea"/>
-                          <a:ea typeface="+mn-ea"/>
-                        </a:rPr>
-                        <a:t>내용 입력</a:t>
-                      </a:r>
-                    </a:p>
-                  </a:txBody>
-                  <a:tcPr anchor="ctr">
-                    <a:lnL w="6350" cap="flat" cmpd="sng" algn="ctr">
-                      <a:solidFill>
-                        <a:schemeClr val="bg1">
-                          <a:lumMod val="50000"/>
-                        </a:schemeClr>
-                      </a:solidFill>
-                      <a:prstDash val="solid"/>
-                      <a:round/>
-                      <a:headEnd type="none" w="med" len="med"/>
-                      <a:tailEnd type="none" w="med" len="med"/>
-                    </a:lnL>
-                    <a:lnR w="6350" cap="flat" cmpd="sng" algn="ctr">
-                      <a:solidFill>
-                        <a:schemeClr val="bg1">
-                          <a:lumMod val="50000"/>
-                        </a:schemeClr>
-                      </a:solidFill>
-                      <a:prstDash val="solid"/>
-                      <a:round/>
-                      <a:headEnd type="none" w="med" len="med"/>
-                      <a:tailEnd type="none" w="med" len="med"/>
-                    </a:lnR>
-                    <a:lnT w="6350" cap="flat" cmpd="sng" algn="ctr">
-                      <a:solidFill>
-                        <a:schemeClr val="bg1">
-                          <a:lumMod val="50000"/>
-                        </a:schemeClr>
-                      </a:solidFill>
-                      <a:prstDash val="solid"/>
-                      <a:round/>
-                      <a:headEnd type="none" w="med" len="med"/>
-                      <a:tailEnd type="none" w="med" len="med"/>
-                    </a:lnT>
-                    <a:lnB w="6350" cap="flat" cmpd="sng" algn="ctr">
-                      <a:solidFill>
-                        <a:schemeClr val="bg1">
-                          <a:lumMod val="50000"/>
-                        </a:schemeClr>
-                      </a:solidFill>
-                      <a:prstDash val="solid"/>
-                      <a:round/>
-                      <a:headEnd type="none" w="med" len="med"/>
-                      <a:tailEnd type="none" w="med" len="med"/>
-                    </a:lnB>
-                    <a:lnTlToBr w="12700" cmpd="sng">
-                      <a:noFill/>
-                      <a:prstDash val="solid"/>
-                    </a:lnTlToBr>
-                    <a:lnBlToTr w="12700" cmpd="sng">
-                      <a:noFill/>
-                      <a:prstDash val="solid"/>
-                    </a:lnBlToTr>
-                    <a:solidFill>
-                      <a:schemeClr val="bg1"/>
-                    </a:solidFill>
-                  </a:tcPr>
-                </a:tc>
-                <a:tc>
-                  <a:txBody>
-                    <a:bodyPr/>
-                    <a:lstStyle/>
-                    <a:p>
-                      <a:pPr algn="ctr" latinLnBrk="1"/>
-                      <a:r>
-                        <a:rPr lang="ko-KR" altLang="en-US" sz="2200" spc="-150" dirty="0">
-                          <a:solidFill>
-                            <a:srgbClr val="40474D"/>
-                          </a:solidFill>
-                          <a:latin typeface="+mn-ea"/>
-                          <a:ea typeface="+mn-ea"/>
-                        </a:rPr>
-                        <a:t>내용 입력</a:t>
-                      </a:r>
-                    </a:p>
-                  </a:txBody>
-                  <a:tcPr anchor="ctr">
-                    <a:lnL w="6350" cap="flat" cmpd="sng" algn="ctr">
-                      <a:solidFill>
-                        <a:schemeClr val="bg1">
-                          <a:lumMod val="50000"/>
-                        </a:schemeClr>
-                      </a:solidFill>
-                      <a:prstDash val="solid"/>
-                      <a:round/>
-                      <a:headEnd type="none" w="med" len="med"/>
-                      <a:tailEnd type="none" w="med" len="med"/>
-                    </a:lnL>
-                    <a:lnR w="6350" cap="flat" cmpd="sng" algn="ctr">
-                      <a:solidFill>
-                        <a:schemeClr val="bg1">
-                          <a:lumMod val="50000"/>
-                        </a:schemeClr>
-                      </a:solidFill>
-                      <a:prstDash val="solid"/>
-                      <a:round/>
-                      <a:headEnd type="none" w="med" len="med"/>
-                      <a:tailEnd type="none" w="med" len="med"/>
-                    </a:lnR>
-                    <a:lnT w="6350" cap="flat" cmpd="sng" algn="ctr">
-                      <a:solidFill>
-                        <a:schemeClr val="bg1">
-                          <a:lumMod val="50000"/>
-                        </a:schemeClr>
-                      </a:solidFill>
-                      <a:prstDash val="solid"/>
-                      <a:round/>
-                      <a:headEnd type="none" w="med" len="med"/>
-                      <a:tailEnd type="none" w="med" len="med"/>
-                    </a:lnT>
-                    <a:lnB w="6350" cap="flat" cmpd="sng" algn="ctr">
-                      <a:solidFill>
-                        <a:schemeClr val="bg1">
-                          <a:lumMod val="50000"/>
-                        </a:schemeClr>
-                      </a:solidFill>
-                      <a:prstDash val="solid"/>
-                      <a:round/>
-                      <a:headEnd type="none" w="med" len="med"/>
-                      <a:tailEnd type="none" w="med" len="med"/>
-                    </a:lnB>
-                    <a:lnTlToBr w="12700" cmpd="sng">
-                      <a:noFill/>
-                      <a:prstDash val="solid"/>
-                    </a:lnTlToBr>
-                    <a:lnBlToTr w="12700" cmpd="sng">
-                      <a:noFill/>
-                      <a:prstDash val="solid"/>
-                    </a:lnBlToTr>
-                    <a:solidFill>
-                      <a:schemeClr val="bg1"/>
-                    </a:solidFill>
-                  </a:tcPr>
-                </a:tc>
-                <a:tc>
-                  <a:txBody>
-                    <a:bodyPr/>
-                    <a:lstStyle/>
-                    <a:p>
-                      <a:pPr algn="ctr" latinLnBrk="1"/>
-                      <a:r>
-                        <a:rPr lang="ko-KR" altLang="en-US" sz="2200" spc="-150" dirty="0">
-                          <a:solidFill>
-                            <a:srgbClr val="40474D"/>
-                          </a:solidFill>
-                          <a:latin typeface="+mn-ea"/>
-                          <a:ea typeface="+mn-ea"/>
-                        </a:rPr>
-                        <a:t>내용 입력</a:t>
-                      </a:r>
-                    </a:p>
-                  </a:txBody>
-                  <a:tcPr anchor="ctr">
-                    <a:lnL w="6350" cap="flat" cmpd="sng" algn="ctr">
-                      <a:solidFill>
-                        <a:schemeClr val="bg1">
-                          <a:lumMod val="50000"/>
-                        </a:schemeClr>
-                      </a:solidFill>
-                      <a:prstDash val="solid"/>
-                      <a:round/>
-                      <a:headEnd type="none" w="med" len="med"/>
-                      <a:tailEnd type="none" w="med" len="med"/>
-                    </a:lnL>
-                    <a:lnR w="6350" cap="flat" cmpd="sng" algn="ctr">
-                      <a:solidFill>
-                        <a:schemeClr val="bg1">
-                          <a:lumMod val="50000"/>
-                        </a:schemeClr>
-                      </a:solidFill>
-                      <a:prstDash val="solid"/>
-                      <a:round/>
-                      <a:headEnd type="none" w="med" len="med"/>
-                      <a:tailEnd type="none" w="med" len="med"/>
-                    </a:lnR>
-                    <a:lnT w="6350" cap="flat" cmpd="sng" algn="ctr">
-                      <a:solidFill>
-                        <a:schemeClr val="bg1">
-                          <a:lumMod val="50000"/>
-                        </a:schemeClr>
-                      </a:solidFill>
-                      <a:prstDash val="solid"/>
-                      <a:round/>
-                      <a:headEnd type="none" w="med" len="med"/>
-                      <a:tailEnd type="none" w="med" len="med"/>
-                    </a:lnT>
-                    <a:lnB w="6350" cap="flat" cmpd="sng" algn="ctr">
-                      <a:solidFill>
-                        <a:schemeClr val="bg1">
-                          <a:lumMod val="50000"/>
-                        </a:schemeClr>
-                      </a:solidFill>
-                      <a:prstDash val="solid"/>
-                      <a:round/>
-                      <a:headEnd type="none" w="med" len="med"/>
-                      <a:tailEnd type="none" w="med" len="med"/>
-                    </a:lnB>
-                    <a:lnTlToBr w="12700" cmpd="sng">
-                      <a:noFill/>
-                      <a:prstDash val="solid"/>
-                    </a:lnTlToBr>
-                    <a:lnBlToTr w="12700" cmpd="sng">
-                      <a:noFill/>
-                      <a:prstDash val="solid"/>
-                    </a:lnBlToTr>
-                    <a:solidFill>
-                      <a:schemeClr val="bg1"/>
-                    </a:solidFill>
-                  </a:tcPr>
-                </a:tc>
-                <a:tc>
-                  <a:txBody>
-                    <a:bodyPr/>
-                    <a:lstStyle/>
-                    <a:p>
-                      <a:pPr algn="ctr" latinLnBrk="1"/>
-                      <a:r>
-                        <a:rPr lang="ko-KR" altLang="en-US" sz="2200" spc="-150" dirty="0">
-                          <a:solidFill>
-                            <a:srgbClr val="40474D"/>
-                          </a:solidFill>
-                          <a:latin typeface="+mn-ea"/>
-                          <a:ea typeface="+mn-ea"/>
-                        </a:rPr>
-                        <a:t>내용 입력</a:t>
-                      </a:r>
-                    </a:p>
-                  </a:txBody>
-                  <a:tcPr anchor="ctr">
-                    <a:lnL w="6350" cap="flat" cmpd="sng" algn="ctr">
-                      <a:solidFill>
-                        <a:schemeClr val="bg1">
-                          <a:lumMod val="50000"/>
-                        </a:schemeClr>
-                      </a:solidFill>
-                      <a:prstDash val="solid"/>
-                      <a:round/>
-                      <a:headEnd type="none" w="med" len="med"/>
-                      <a:tailEnd type="none" w="med" len="med"/>
-                    </a:lnL>
-                    <a:lnR w="12700" cap="flat" cmpd="sng" algn="ctr">
-                      <a:noFill/>
-                      <a:prstDash val="solid"/>
-                      <a:round/>
-                      <a:headEnd type="none" w="med" len="med"/>
-                      <a:tailEnd type="none" w="med" len="med"/>
-                    </a:lnR>
-                    <a:lnT w="6350" cap="flat" cmpd="sng" algn="ctr">
-                      <a:solidFill>
-                        <a:schemeClr val="bg1">
-                          <a:lumMod val="50000"/>
-                        </a:schemeClr>
-                      </a:solidFill>
-                      <a:prstDash val="solid"/>
-                      <a:round/>
-                      <a:headEnd type="none" w="med" len="med"/>
-                      <a:tailEnd type="none" w="med" len="med"/>
-                    </a:lnT>
-                    <a:lnB w="6350" cap="flat" cmpd="sng" algn="ctr">
-                      <a:solidFill>
-                        <a:schemeClr val="bg1">
-                          <a:lumMod val="50000"/>
-                        </a:schemeClr>
-                      </a:solidFill>
-                      <a:prstDash val="solid"/>
-                      <a:round/>
-                      <a:headEnd type="none" w="med" len="med"/>
-                      <a:tailEnd type="none" w="med" len="med"/>
-                    </a:lnB>
-                    <a:lnTlToBr w="12700" cmpd="sng">
-                      <a:noFill/>
-                      <a:prstDash val="solid"/>
-                    </a:lnTlToBr>
-                    <a:lnBlToTr w="12700" cmpd="sng">
-                      <a:noFill/>
-                      <a:prstDash val="solid"/>
-                    </a:lnBlToTr>
-                    <a:solidFill>
-                      <a:schemeClr val="bg1"/>
-                    </a:solidFill>
-                  </a:tcPr>
-                </a:tc>
-                <a:extLst>
-                  <a:ext uri="{0D108BD9-81ED-4DB2-BD59-A6C34878D82A}">
-                    <a16:rowId xmlns:a16="http://schemas.microsoft.com/office/drawing/2014/main" val="3800200448"/>
-                  </a:ext>
-                </a:extLst>
-              </a:tr>
-              <a:tr h="633275">
-                <a:tc>
-                  <a:txBody>
-                    <a:bodyPr/>
-                    <a:lstStyle/>
-                    <a:p>
-                      <a:pPr algn="ctr" latinLnBrk="1"/>
-                      <a:r>
-                        <a:rPr lang="ko-KR" altLang="en-US" sz="2200" spc="-150" dirty="0">
-                          <a:solidFill>
-                            <a:srgbClr val="40474D"/>
-                          </a:solidFill>
-                          <a:latin typeface="+mn-ea"/>
-                          <a:ea typeface="+mn-ea"/>
-                        </a:rPr>
-                        <a:t>내용 입력</a:t>
-                      </a:r>
-                    </a:p>
-                  </a:txBody>
-                  <a:tcPr anchor="ctr">
-                    <a:lnL>
-                      <a:noFill/>
-                    </a:lnL>
-                    <a:lnR w="6350" cap="flat" cmpd="sng" algn="ctr">
-                      <a:solidFill>
-                        <a:schemeClr val="bg1">
-                          <a:lumMod val="50000"/>
-                        </a:schemeClr>
-                      </a:solidFill>
-                      <a:prstDash val="solid"/>
-                      <a:round/>
-                      <a:headEnd type="none" w="med" len="med"/>
-                      <a:tailEnd type="none" w="med" len="med"/>
-                    </a:lnR>
-                    <a:lnT w="6350" cap="flat" cmpd="sng" algn="ctr">
-                      <a:solidFill>
-                        <a:schemeClr val="bg1">
-                          <a:lumMod val="50000"/>
-                        </a:schemeClr>
-                      </a:solidFill>
-                      <a:prstDash val="solid"/>
-                      <a:round/>
-                      <a:headEnd type="none" w="med" len="med"/>
-                      <a:tailEnd type="none" w="med" len="med"/>
-                    </a:lnT>
-                    <a:lnB w="6350" cap="flat" cmpd="sng" algn="ctr">
-                      <a:solidFill>
-                        <a:schemeClr val="bg1">
-                          <a:lumMod val="50000"/>
-                        </a:schemeClr>
-                      </a:solidFill>
-                      <a:prstDash val="solid"/>
-                      <a:round/>
-                      <a:headEnd type="none" w="med" len="med"/>
-                      <a:tailEnd type="none" w="med" len="med"/>
-                    </a:lnB>
-                    <a:lnTlToBr w="12700" cmpd="sng">
-                      <a:noFill/>
-                      <a:prstDash val="solid"/>
-                    </a:lnTlToBr>
-                    <a:lnBlToTr w="12700" cmpd="sng">
-                      <a:noFill/>
-                      <a:prstDash val="solid"/>
-                    </a:lnBlToTr>
-                    <a:solidFill>
-                      <a:schemeClr val="bg1"/>
-                    </a:solidFill>
-                  </a:tcPr>
-                </a:tc>
-                <a:tc>
-                  <a:txBody>
-                    <a:bodyPr/>
-                    <a:lstStyle/>
-                    <a:p>
-                      <a:pPr algn="ctr" latinLnBrk="1"/>
-                      <a:r>
-                        <a:rPr lang="ko-KR" altLang="en-US" sz="2200" spc="-150" dirty="0">
-                          <a:solidFill>
-                            <a:srgbClr val="40474D"/>
-                          </a:solidFill>
-                          <a:latin typeface="+mn-ea"/>
-                          <a:ea typeface="+mn-ea"/>
-                        </a:rPr>
-                        <a:t>내용 입력</a:t>
-                      </a:r>
-                    </a:p>
-                  </a:txBody>
-                  <a:tcPr anchor="ctr">
-                    <a:lnL w="6350" cap="flat" cmpd="sng" algn="ctr">
-                      <a:solidFill>
-                        <a:schemeClr val="bg1">
-                          <a:lumMod val="50000"/>
-                        </a:schemeClr>
-                      </a:solidFill>
-                      <a:prstDash val="solid"/>
-                      <a:round/>
-                      <a:headEnd type="none" w="med" len="med"/>
-                      <a:tailEnd type="none" w="med" len="med"/>
-                    </a:lnL>
-                    <a:lnR w="6350" cap="flat" cmpd="sng" algn="ctr">
-                      <a:solidFill>
-                        <a:schemeClr val="bg1">
-                          <a:lumMod val="50000"/>
-                        </a:schemeClr>
-                      </a:solidFill>
-                      <a:prstDash val="solid"/>
-                      <a:round/>
-                      <a:headEnd type="none" w="med" len="med"/>
-                      <a:tailEnd type="none" w="med" len="med"/>
-                    </a:lnR>
-                    <a:lnT w="6350" cap="flat" cmpd="sng" algn="ctr">
-                      <a:solidFill>
-                        <a:schemeClr val="bg1">
-                          <a:lumMod val="50000"/>
-                        </a:schemeClr>
-                      </a:solidFill>
-                      <a:prstDash val="solid"/>
-                      <a:round/>
-                      <a:headEnd type="none" w="med" len="med"/>
-                      <a:tailEnd type="none" w="med" len="med"/>
-                    </a:lnT>
-                    <a:lnB w="6350" cap="flat" cmpd="sng" algn="ctr">
-                      <a:solidFill>
-                        <a:schemeClr val="bg1">
-                          <a:lumMod val="50000"/>
-                        </a:schemeClr>
-                      </a:solidFill>
-                      <a:prstDash val="solid"/>
-                      <a:round/>
-                      <a:headEnd type="none" w="med" len="med"/>
-                      <a:tailEnd type="none" w="med" len="med"/>
-                    </a:lnB>
-                    <a:lnTlToBr w="12700" cmpd="sng">
-                      <a:noFill/>
-                      <a:prstDash val="solid"/>
-                    </a:lnTlToBr>
-                    <a:lnBlToTr w="12700" cmpd="sng">
-                      <a:noFill/>
-                      <a:prstDash val="solid"/>
-                    </a:lnBlToTr>
-                    <a:solidFill>
-                      <a:schemeClr val="bg1"/>
-                    </a:solidFill>
-                  </a:tcPr>
-                </a:tc>
-                <a:tc>
-                  <a:txBody>
-                    <a:bodyPr/>
-                    <a:lstStyle/>
-                    <a:p>
-                      <a:pPr algn="ctr" latinLnBrk="1"/>
-                      <a:r>
-                        <a:rPr lang="ko-KR" altLang="en-US" sz="2200" spc="-150" dirty="0">
-                          <a:solidFill>
-                            <a:srgbClr val="40474D"/>
-                          </a:solidFill>
-                          <a:latin typeface="+mn-ea"/>
-                          <a:ea typeface="+mn-ea"/>
-                        </a:rPr>
-                        <a:t>내용 입력</a:t>
-                      </a:r>
-                    </a:p>
-                  </a:txBody>
-                  <a:tcPr anchor="ctr">
-                    <a:lnL w="6350" cap="flat" cmpd="sng" algn="ctr">
-                      <a:solidFill>
-                        <a:schemeClr val="bg1">
-                          <a:lumMod val="50000"/>
-                        </a:schemeClr>
-                      </a:solidFill>
-                      <a:prstDash val="solid"/>
-                      <a:round/>
-                      <a:headEnd type="none" w="med" len="med"/>
-                      <a:tailEnd type="none" w="med" len="med"/>
-                    </a:lnL>
-                    <a:lnR w="6350" cap="flat" cmpd="sng" algn="ctr">
-                      <a:solidFill>
-                        <a:schemeClr val="bg1">
-                          <a:lumMod val="50000"/>
-                        </a:schemeClr>
-                      </a:solidFill>
-                      <a:prstDash val="solid"/>
-                      <a:round/>
-                      <a:headEnd type="none" w="med" len="med"/>
-                      <a:tailEnd type="none" w="med" len="med"/>
-                    </a:lnR>
-                    <a:lnT w="6350" cap="flat" cmpd="sng" algn="ctr">
-                      <a:solidFill>
-                        <a:schemeClr val="bg1">
-                          <a:lumMod val="50000"/>
-                        </a:schemeClr>
-                      </a:solidFill>
-                      <a:prstDash val="solid"/>
-                      <a:round/>
-                      <a:headEnd type="none" w="med" len="med"/>
-                      <a:tailEnd type="none" w="med" len="med"/>
-                    </a:lnT>
-                    <a:lnB w="6350" cap="flat" cmpd="sng" algn="ctr">
-                      <a:solidFill>
-                        <a:schemeClr val="bg1">
-                          <a:lumMod val="50000"/>
-                        </a:schemeClr>
-                      </a:solidFill>
-                      <a:prstDash val="solid"/>
-                      <a:round/>
-                      <a:headEnd type="none" w="med" len="med"/>
-                      <a:tailEnd type="none" w="med" len="med"/>
-                    </a:lnB>
-                    <a:lnTlToBr w="12700" cmpd="sng">
-                      <a:noFill/>
-                      <a:prstDash val="solid"/>
-                    </a:lnTlToBr>
-                    <a:lnBlToTr w="12700" cmpd="sng">
-                      <a:noFill/>
-                      <a:prstDash val="solid"/>
-                    </a:lnBlToTr>
-                    <a:solidFill>
-                      <a:schemeClr val="bg1"/>
-                    </a:solidFill>
-                  </a:tcPr>
-                </a:tc>
-                <a:tc>
-                  <a:txBody>
-                    <a:bodyPr/>
-                    <a:lstStyle/>
-                    <a:p>
-                      <a:pPr algn="ctr" latinLnBrk="1"/>
-                      <a:r>
-                        <a:rPr lang="ko-KR" altLang="en-US" sz="2200" spc="-150" dirty="0">
-                          <a:solidFill>
-                            <a:srgbClr val="40474D"/>
-                          </a:solidFill>
-                          <a:latin typeface="+mn-ea"/>
-                          <a:ea typeface="+mn-ea"/>
-                        </a:rPr>
-                        <a:t>내용 입력</a:t>
-                      </a:r>
-                    </a:p>
-                  </a:txBody>
-                  <a:tcPr anchor="ctr">
-                    <a:lnL w="6350" cap="flat" cmpd="sng" algn="ctr">
-                      <a:solidFill>
-                        <a:schemeClr val="bg1">
-                          <a:lumMod val="50000"/>
-                        </a:schemeClr>
-                      </a:solidFill>
-                      <a:prstDash val="solid"/>
-                      <a:round/>
-                      <a:headEnd type="none" w="med" len="med"/>
-                      <a:tailEnd type="none" w="med" len="med"/>
-                    </a:lnL>
-                    <a:lnR w="6350" cap="flat" cmpd="sng" algn="ctr">
-                      <a:solidFill>
-                        <a:schemeClr val="bg1">
-                          <a:lumMod val="50000"/>
-                        </a:schemeClr>
-                      </a:solidFill>
-                      <a:prstDash val="solid"/>
-                      <a:round/>
-                      <a:headEnd type="none" w="med" len="med"/>
-                      <a:tailEnd type="none" w="med" len="med"/>
-                    </a:lnR>
-                    <a:lnT w="6350" cap="flat" cmpd="sng" algn="ctr">
-                      <a:solidFill>
-                        <a:schemeClr val="bg1">
-                          <a:lumMod val="50000"/>
-                        </a:schemeClr>
-                      </a:solidFill>
-                      <a:prstDash val="solid"/>
-                      <a:round/>
-                      <a:headEnd type="none" w="med" len="med"/>
-                      <a:tailEnd type="none" w="med" len="med"/>
-                    </a:lnT>
-                    <a:lnB w="6350" cap="flat" cmpd="sng" algn="ctr">
-                      <a:solidFill>
-                        <a:schemeClr val="bg1">
-                          <a:lumMod val="50000"/>
-                        </a:schemeClr>
-                      </a:solidFill>
-                      <a:prstDash val="solid"/>
-                      <a:round/>
-                      <a:headEnd type="none" w="med" len="med"/>
-                      <a:tailEnd type="none" w="med" len="med"/>
-                    </a:lnB>
-                    <a:lnTlToBr w="12700" cmpd="sng">
-                      <a:noFill/>
-                      <a:prstDash val="solid"/>
-                    </a:lnTlToBr>
-                    <a:lnBlToTr w="12700" cmpd="sng">
-                      <a:noFill/>
-                      <a:prstDash val="solid"/>
-                    </a:lnBlToTr>
-                    <a:solidFill>
-                      <a:schemeClr val="bg1"/>
-                    </a:solidFill>
-                  </a:tcPr>
-                </a:tc>
-                <a:tc>
-                  <a:txBody>
-                    <a:bodyPr/>
-                    <a:lstStyle/>
-                    <a:p>
-                      <a:pPr algn="ctr" latinLnBrk="1"/>
-                      <a:r>
-                        <a:rPr lang="ko-KR" altLang="en-US" sz="2200" spc="-150" dirty="0">
-                          <a:solidFill>
-                            <a:srgbClr val="40474D"/>
-                          </a:solidFill>
-                          <a:latin typeface="+mn-ea"/>
-                          <a:ea typeface="+mn-ea"/>
-                        </a:rPr>
-                        <a:t>내용 입력</a:t>
-                      </a:r>
-                    </a:p>
-                  </a:txBody>
-                  <a:tcPr anchor="ctr">
-                    <a:lnL w="6350" cap="flat" cmpd="sng" algn="ctr">
-                      <a:solidFill>
-                        <a:schemeClr val="bg1">
-                          <a:lumMod val="50000"/>
-                        </a:schemeClr>
-                      </a:solidFill>
-                      <a:prstDash val="solid"/>
-                      <a:round/>
-                      <a:headEnd type="none" w="med" len="med"/>
-                      <a:tailEnd type="none" w="med" len="med"/>
-                    </a:lnL>
-                    <a:lnR w="12700" cap="flat" cmpd="sng" algn="ctr">
-                      <a:noFill/>
-                      <a:prstDash val="solid"/>
-                      <a:round/>
-                      <a:headEnd type="none" w="med" len="med"/>
-                      <a:tailEnd type="none" w="med" len="med"/>
-                    </a:lnR>
-                    <a:lnT w="6350" cap="flat" cmpd="sng" algn="ctr">
-                      <a:solidFill>
-                        <a:schemeClr val="bg1">
-                          <a:lumMod val="50000"/>
-                        </a:schemeClr>
-                      </a:solidFill>
-                      <a:prstDash val="solid"/>
-                      <a:round/>
-                      <a:headEnd type="none" w="med" len="med"/>
-                      <a:tailEnd type="none" w="med" len="med"/>
-                    </a:lnT>
-                    <a:lnB w="6350" cap="flat" cmpd="sng" algn="ctr">
-                      <a:solidFill>
-                        <a:schemeClr val="bg1">
-                          <a:lumMod val="50000"/>
-                        </a:schemeClr>
-                      </a:solidFill>
-                      <a:prstDash val="solid"/>
-                      <a:round/>
-                      <a:headEnd type="none" w="med" len="med"/>
-                      <a:tailEnd type="none" w="med" len="med"/>
-                    </a:lnB>
-                    <a:lnTlToBr w="12700" cmpd="sng">
-                      <a:noFill/>
-                      <a:prstDash val="solid"/>
-                    </a:lnTlToBr>
-                    <a:lnBlToTr w="12700" cmpd="sng">
-                      <a:noFill/>
-                      <a:prstDash val="solid"/>
-                    </a:lnBlToTr>
-                    <a:solidFill>
-                      <a:schemeClr val="bg1"/>
-                    </a:solidFill>
-                  </a:tcPr>
-                </a:tc>
-                <a:extLst>
-                  <a:ext uri="{0D108BD9-81ED-4DB2-BD59-A6C34878D82A}">
-                    <a16:rowId xmlns:a16="http://schemas.microsoft.com/office/drawing/2014/main" val="2112358619"/>
-                  </a:ext>
-                </a:extLst>
-              </a:tr>
-              <a:tr h="633275">
-                <a:tc>
-                  <a:txBody>
-                    <a:bodyPr/>
-                    <a:lstStyle/>
-                    <a:p>
-                      <a:pPr algn="ctr" latinLnBrk="1"/>
-                      <a:r>
-                        <a:rPr lang="ko-KR" altLang="en-US" sz="2200" spc="-150" dirty="0">
-                          <a:solidFill>
-                            <a:srgbClr val="40474D"/>
-                          </a:solidFill>
-                          <a:latin typeface="나눔스퀘어 ExtraBold" panose="020B0600000101010101" pitchFamily="50" charset="-127"/>
-                          <a:ea typeface="나눔스퀘어 ExtraBold" panose="020B0600000101010101" pitchFamily="50" charset="-127"/>
-                        </a:rPr>
-                        <a:t>강조</a:t>
-                      </a:r>
-                    </a:p>
-                  </a:txBody>
-                  <a:tcPr anchor="ctr">
-                    <a:lnL>
-                      <a:noFill/>
-                    </a:lnL>
-                    <a:lnR w="6350" cap="flat" cmpd="sng" algn="ctr">
-                      <a:solidFill>
-                        <a:schemeClr val="bg1">
-                          <a:lumMod val="50000"/>
-                        </a:schemeClr>
-                      </a:solidFill>
-                      <a:prstDash val="solid"/>
-                      <a:round/>
-                      <a:headEnd type="none" w="med" len="med"/>
-                      <a:tailEnd type="none" w="med" len="med"/>
-                    </a:lnR>
-                    <a:lnT w="6350" cap="flat" cmpd="sng" algn="ctr">
-                      <a:solidFill>
-                        <a:schemeClr val="bg1">
-                          <a:lumMod val="50000"/>
-                        </a:schemeClr>
-                      </a:solidFill>
-                      <a:prstDash val="solid"/>
-                      <a:round/>
-                      <a:headEnd type="none" w="med" len="med"/>
-                      <a:tailEnd type="none" w="med" len="med"/>
-                    </a:lnT>
-                    <a:lnB w="6350" cap="flat" cmpd="sng" algn="ctr">
-                      <a:solidFill>
-                        <a:schemeClr val="bg1">
-                          <a:lumMod val="50000"/>
-                        </a:schemeClr>
-                      </a:solidFill>
-                      <a:prstDash val="solid"/>
-                      <a:round/>
-                      <a:headEnd type="none" w="med" len="med"/>
-                      <a:tailEnd type="none" w="med" len="med"/>
-                    </a:lnB>
-                    <a:lnTlToBr w="12700" cmpd="sng">
-                      <a:noFill/>
-                      <a:prstDash val="solid"/>
-                    </a:lnTlToBr>
-                    <a:lnBlToTr w="12700" cmpd="sng">
-                      <a:noFill/>
-                      <a:prstDash val="solid"/>
-                    </a:lnBlToTr>
-                    <a:solidFill>
-                      <a:schemeClr val="accent6">
-                        <a:lumMod val="40000"/>
-                        <a:lumOff val="60000"/>
-                      </a:schemeClr>
-                    </a:solidFill>
-                  </a:tcPr>
-                </a:tc>
-                <a:tc>
-                  <a:txBody>
-                    <a:bodyPr/>
-                    <a:lstStyle/>
-                    <a:p>
-                      <a:pPr algn="ctr" latinLnBrk="1"/>
-                      <a:r>
-                        <a:rPr lang="ko-KR" altLang="en-US" sz="2200" spc="-150" dirty="0">
-                          <a:solidFill>
-                            <a:srgbClr val="40474D"/>
-                          </a:solidFill>
-                          <a:latin typeface="나눔스퀘어 ExtraBold" panose="020B0600000101010101" pitchFamily="50" charset="-127"/>
-                          <a:ea typeface="나눔스퀘어 ExtraBold" panose="020B0600000101010101" pitchFamily="50" charset="-127"/>
-                        </a:rPr>
-                        <a:t>내용</a:t>
-                      </a:r>
-                    </a:p>
-                  </a:txBody>
-                  <a:tcPr anchor="ctr">
-                    <a:lnL w="6350" cap="flat" cmpd="sng" algn="ctr">
-                      <a:solidFill>
-                        <a:schemeClr val="bg1">
-                          <a:lumMod val="50000"/>
-                        </a:schemeClr>
-                      </a:solidFill>
-                      <a:prstDash val="solid"/>
-                      <a:round/>
-                      <a:headEnd type="none" w="med" len="med"/>
-                      <a:tailEnd type="none" w="med" len="med"/>
-                    </a:lnL>
-                    <a:lnR w="6350" cap="flat" cmpd="sng" algn="ctr">
-                      <a:solidFill>
-                        <a:schemeClr val="bg1">
-                          <a:lumMod val="50000"/>
-                        </a:schemeClr>
-                      </a:solidFill>
-                      <a:prstDash val="solid"/>
-                      <a:round/>
-                      <a:headEnd type="none" w="med" len="med"/>
-                      <a:tailEnd type="none" w="med" len="med"/>
-                    </a:lnR>
-                    <a:lnT w="6350" cap="flat" cmpd="sng" algn="ctr">
-                      <a:solidFill>
-                        <a:schemeClr val="bg1">
-                          <a:lumMod val="50000"/>
-                        </a:schemeClr>
-                      </a:solidFill>
-                      <a:prstDash val="solid"/>
-                      <a:round/>
-                      <a:headEnd type="none" w="med" len="med"/>
-                      <a:tailEnd type="none" w="med" len="med"/>
-                    </a:lnT>
-                    <a:lnB w="6350" cap="flat" cmpd="sng" algn="ctr">
-                      <a:solidFill>
-                        <a:schemeClr val="bg1">
-                          <a:lumMod val="50000"/>
-                        </a:schemeClr>
-                      </a:solidFill>
-                      <a:prstDash val="solid"/>
-                      <a:round/>
-                      <a:headEnd type="none" w="med" len="med"/>
-                      <a:tailEnd type="none" w="med" len="med"/>
-                    </a:lnB>
-                    <a:lnTlToBr w="12700" cmpd="sng">
-                      <a:noFill/>
-                      <a:prstDash val="solid"/>
-                    </a:lnTlToBr>
-                    <a:lnBlToTr w="12700" cmpd="sng">
-                      <a:noFill/>
-                      <a:prstDash val="solid"/>
-                    </a:lnBlToTr>
-                    <a:solidFill>
-                      <a:schemeClr val="accent6">
-                        <a:lumMod val="40000"/>
-                        <a:lumOff val="60000"/>
-                      </a:schemeClr>
-                    </a:solidFill>
-                  </a:tcPr>
-                </a:tc>
-                <a:tc>
-                  <a:txBody>
-                    <a:bodyPr/>
-                    <a:lstStyle/>
-                    <a:p>
-                      <a:pPr algn="ctr" latinLnBrk="1"/>
-                      <a:r>
-                        <a:rPr lang="ko-KR" altLang="en-US" sz="2200" spc="-150" dirty="0">
-                          <a:solidFill>
-                            <a:srgbClr val="40474D"/>
-                          </a:solidFill>
-                          <a:latin typeface="나눔스퀘어 ExtraBold" panose="020B0600000101010101" pitchFamily="50" charset="-127"/>
-                          <a:ea typeface="나눔스퀘어 ExtraBold" panose="020B0600000101010101" pitchFamily="50" charset="-127"/>
-                        </a:rPr>
-                        <a:t>입력</a:t>
-                      </a:r>
-                    </a:p>
-                  </a:txBody>
-                  <a:tcPr anchor="ctr">
-                    <a:lnL w="6350" cap="flat" cmpd="sng" algn="ctr">
-                      <a:solidFill>
-                        <a:schemeClr val="bg1">
-                          <a:lumMod val="50000"/>
-                        </a:schemeClr>
-                      </a:solidFill>
-                      <a:prstDash val="solid"/>
-                      <a:round/>
-                      <a:headEnd type="none" w="med" len="med"/>
-                      <a:tailEnd type="none" w="med" len="med"/>
-                    </a:lnL>
-                    <a:lnR w="6350" cap="flat" cmpd="sng" algn="ctr">
-                      <a:solidFill>
-                        <a:schemeClr val="bg1">
-                          <a:lumMod val="50000"/>
-                        </a:schemeClr>
-                      </a:solidFill>
-                      <a:prstDash val="solid"/>
-                      <a:round/>
-                      <a:headEnd type="none" w="med" len="med"/>
-                      <a:tailEnd type="none" w="med" len="med"/>
-                    </a:lnR>
-                    <a:lnT w="6350" cap="flat" cmpd="sng" algn="ctr">
-                      <a:solidFill>
-                        <a:schemeClr val="bg1">
-                          <a:lumMod val="50000"/>
-                        </a:schemeClr>
-                      </a:solidFill>
-                      <a:prstDash val="solid"/>
-                      <a:round/>
-                      <a:headEnd type="none" w="med" len="med"/>
-                      <a:tailEnd type="none" w="med" len="med"/>
-                    </a:lnT>
-                    <a:lnB w="6350" cap="flat" cmpd="sng" algn="ctr">
-                      <a:solidFill>
-                        <a:schemeClr val="bg1">
-                          <a:lumMod val="50000"/>
-                        </a:schemeClr>
-                      </a:solidFill>
-                      <a:prstDash val="solid"/>
-                      <a:round/>
-                      <a:headEnd type="none" w="med" len="med"/>
-                      <a:tailEnd type="none" w="med" len="med"/>
-                    </a:lnB>
-                    <a:lnTlToBr w="12700" cmpd="sng">
-                      <a:noFill/>
-                      <a:prstDash val="solid"/>
-                    </a:lnTlToBr>
-                    <a:lnBlToTr w="12700" cmpd="sng">
-                      <a:noFill/>
-                      <a:prstDash val="solid"/>
-                    </a:lnBlToTr>
-                    <a:solidFill>
-                      <a:schemeClr val="accent6">
-                        <a:lumMod val="40000"/>
-                        <a:lumOff val="60000"/>
-                      </a:schemeClr>
-                    </a:solidFill>
-                  </a:tcPr>
-                </a:tc>
-                <a:tc>
-                  <a:txBody>
-                    <a:bodyPr/>
-                    <a:lstStyle/>
-                    <a:p>
-                      <a:pPr algn="ctr" latinLnBrk="1"/>
-                      <a:r>
-                        <a:rPr lang="ko-KR" altLang="en-US" sz="2200" spc="-150" dirty="0">
-                          <a:solidFill>
-                            <a:srgbClr val="40474D"/>
-                          </a:solidFill>
-                          <a:latin typeface="나눔스퀘어 ExtraBold" panose="020B0600000101010101" pitchFamily="50" charset="-127"/>
-                          <a:ea typeface="나눔스퀘어 ExtraBold" panose="020B0600000101010101" pitchFamily="50" charset="-127"/>
-                        </a:rPr>
-                        <a:t>입력</a:t>
-                      </a:r>
-                    </a:p>
-                  </a:txBody>
-                  <a:tcPr anchor="ctr">
-                    <a:lnL w="6350" cap="flat" cmpd="sng" algn="ctr">
-                      <a:solidFill>
-                        <a:schemeClr val="bg1">
-                          <a:lumMod val="50000"/>
-                        </a:schemeClr>
-                      </a:solidFill>
-                      <a:prstDash val="solid"/>
-                      <a:round/>
-                      <a:headEnd type="none" w="med" len="med"/>
-                      <a:tailEnd type="none" w="med" len="med"/>
-                    </a:lnL>
-                    <a:lnR w="6350" cap="flat" cmpd="sng" algn="ctr">
-                      <a:solidFill>
-                        <a:schemeClr val="bg1">
-                          <a:lumMod val="50000"/>
-                        </a:schemeClr>
-                      </a:solidFill>
-                      <a:prstDash val="solid"/>
-                      <a:round/>
-                      <a:headEnd type="none" w="med" len="med"/>
-                      <a:tailEnd type="none" w="med" len="med"/>
-                    </a:lnR>
-                    <a:lnT w="6350" cap="flat" cmpd="sng" algn="ctr">
-                      <a:solidFill>
-                        <a:schemeClr val="bg1">
-                          <a:lumMod val="50000"/>
-                        </a:schemeClr>
-                      </a:solidFill>
-                      <a:prstDash val="solid"/>
-                      <a:round/>
-                      <a:headEnd type="none" w="med" len="med"/>
-                      <a:tailEnd type="none" w="med" len="med"/>
-                    </a:lnT>
-                    <a:lnB w="6350" cap="flat" cmpd="sng" algn="ctr">
-                      <a:solidFill>
-                        <a:schemeClr val="bg1">
-                          <a:lumMod val="50000"/>
-                        </a:schemeClr>
-                      </a:solidFill>
-                      <a:prstDash val="solid"/>
-                      <a:round/>
-                      <a:headEnd type="none" w="med" len="med"/>
-                      <a:tailEnd type="none" w="med" len="med"/>
-                    </a:lnB>
-                    <a:lnTlToBr w="12700" cmpd="sng">
-                      <a:noFill/>
-                      <a:prstDash val="solid"/>
-                    </a:lnTlToBr>
-                    <a:lnBlToTr w="12700" cmpd="sng">
-                      <a:noFill/>
-                      <a:prstDash val="solid"/>
-                    </a:lnBlToTr>
-                    <a:solidFill>
-                      <a:schemeClr val="accent6">
-                        <a:lumMod val="40000"/>
-                        <a:lumOff val="60000"/>
-                      </a:schemeClr>
-                    </a:solidFill>
-                  </a:tcPr>
-                </a:tc>
-                <a:tc>
-                  <a:txBody>
-                    <a:bodyPr/>
-                    <a:lstStyle/>
-                    <a:p>
-                      <a:pPr algn="ctr" latinLnBrk="1"/>
-                      <a:r>
-                        <a:rPr lang="ko-KR" altLang="en-US" sz="2200" spc="-150" dirty="0">
-                          <a:solidFill>
-                            <a:srgbClr val="40474D"/>
-                          </a:solidFill>
-                          <a:latin typeface="나눔스퀘어 ExtraBold" panose="020B0600000101010101" pitchFamily="50" charset="-127"/>
-                          <a:ea typeface="나눔스퀘어 ExtraBold" panose="020B0600000101010101" pitchFamily="50" charset="-127"/>
-                        </a:rPr>
-                        <a:t>입력</a:t>
-                      </a:r>
-                    </a:p>
-                  </a:txBody>
-                  <a:tcPr anchor="ctr">
-                    <a:lnL w="6350" cap="flat" cmpd="sng" algn="ctr">
-                      <a:solidFill>
-                        <a:schemeClr val="bg1">
-                          <a:lumMod val="50000"/>
-                        </a:schemeClr>
-                      </a:solidFill>
-                      <a:prstDash val="solid"/>
-                      <a:round/>
-                      <a:headEnd type="none" w="med" len="med"/>
-                      <a:tailEnd type="none" w="med" len="med"/>
-                    </a:lnL>
-                    <a:lnR w="12700" cap="flat" cmpd="sng" algn="ctr">
-                      <a:noFill/>
-                      <a:prstDash val="solid"/>
-                      <a:round/>
-                      <a:headEnd type="none" w="med" len="med"/>
-                      <a:tailEnd type="none" w="med" len="med"/>
-                    </a:lnR>
-                    <a:lnT w="6350" cap="flat" cmpd="sng" algn="ctr">
-                      <a:solidFill>
-                        <a:schemeClr val="bg1">
-                          <a:lumMod val="50000"/>
-                        </a:schemeClr>
-                      </a:solidFill>
-                      <a:prstDash val="solid"/>
-                      <a:round/>
-                      <a:headEnd type="none" w="med" len="med"/>
-                      <a:tailEnd type="none" w="med" len="med"/>
-                    </a:lnT>
-                    <a:lnB w="6350" cap="flat" cmpd="sng" algn="ctr">
-                      <a:solidFill>
-                        <a:schemeClr val="bg1">
-                          <a:lumMod val="50000"/>
-                        </a:schemeClr>
-                      </a:solidFill>
-                      <a:prstDash val="solid"/>
-                      <a:round/>
-                      <a:headEnd type="none" w="med" len="med"/>
-                      <a:tailEnd type="none" w="med" len="med"/>
-                    </a:lnB>
-                    <a:lnTlToBr w="12700" cmpd="sng">
-                      <a:noFill/>
-                      <a:prstDash val="solid"/>
-                    </a:lnTlToBr>
-                    <a:lnBlToTr w="12700" cmpd="sng">
-                      <a:noFill/>
-                      <a:prstDash val="solid"/>
-                    </a:lnBlToTr>
-                    <a:solidFill>
-                      <a:schemeClr val="accent6">
-                        <a:lumMod val="40000"/>
-                        <a:lumOff val="60000"/>
-                      </a:schemeClr>
-                    </a:solidFill>
-                  </a:tcPr>
-                </a:tc>
-                <a:extLst>
-                  <a:ext uri="{0D108BD9-81ED-4DB2-BD59-A6C34878D82A}">
-                    <a16:rowId xmlns:a16="http://schemas.microsoft.com/office/drawing/2014/main" val="2069100695"/>
-                  </a:ext>
-                </a:extLst>
-              </a:tr>
-              <a:tr h="633275">
-                <a:tc>
-                  <a:txBody>
-                    <a:bodyPr/>
-                    <a:lstStyle/>
-                    <a:p>
-                      <a:pPr algn="ctr" latinLnBrk="1"/>
-                      <a:r>
-                        <a:rPr lang="ko-KR" altLang="en-US" sz="2200" spc="-150" dirty="0">
-                          <a:solidFill>
-                            <a:srgbClr val="40474D"/>
-                          </a:solidFill>
-                          <a:latin typeface="+mn-ea"/>
-                          <a:ea typeface="+mn-ea"/>
-                        </a:rPr>
-                        <a:t>내용 입력</a:t>
-                      </a:r>
-                    </a:p>
-                  </a:txBody>
-                  <a:tcPr anchor="ctr">
-                    <a:lnL>
-                      <a:noFill/>
-                    </a:lnL>
-                    <a:lnR w="6350" cap="flat" cmpd="sng" algn="ctr">
-                      <a:solidFill>
-                        <a:schemeClr val="bg1">
-                          <a:lumMod val="50000"/>
-                        </a:schemeClr>
-                      </a:solidFill>
-                      <a:prstDash val="solid"/>
-                      <a:round/>
-                      <a:headEnd type="none" w="med" len="med"/>
-                      <a:tailEnd type="none" w="med" len="med"/>
-                    </a:lnR>
-                    <a:lnT w="6350" cap="flat" cmpd="sng" algn="ctr">
-                      <a:solidFill>
-                        <a:schemeClr val="bg1">
-                          <a:lumMod val="50000"/>
-                        </a:schemeClr>
-                      </a:solidFill>
-                      <a:prstDash val="solid"/>
-                      <a:round/>
-                      <a:headEnd type="none" w="med" len="med"/>
-                      <a:tailEnd type="none" w="med" len="med"/>
-                    </a:lnT>
-                    <a:lnB w="6350" cap="flat" cmpd="sng" algn="ctr">
-                      <a:solidFill>
-                        <a:schemeClr val="bg1">
-                          <a:lumMod val="50000"/>
-                        </a:schemeClr>
-                      </a:solidFill>
-                      <a:prstDash val="solid"/>
-                      <a:round/>
-                      <a:headEnd type="none" w="med" len="med"/>
-                      <a:tailEnd type="none" w="med" len="med"/>
-                    </a:lnB>
-                    <a:lnTlToBr w="12700" cmpd="sng">
-                      <a:noFill/>
-                      <a:prstDash val="solid"/>
-                    </a:lnTlToBr>
-                    <a:lnBlToTr w="12700" cmpd="sng">
-                      <a:noFill/>
-                      <a:prstDash val="solid"/>
-                    </a:lnBlToTr>
-                    <a:solidFill>
-                      <a:schemeClr val="bg1"/>
-                    </a:solidFill>
-                  </a:tcPr>
-                </a:tc>
-                <a:tc>
-                  <a:txBody>
-                    <a:bodyPr/>
-                    <a:lstStyle/>
-                    <a:p>
-                      <a:pPr algn="ctr" latinLnBrk="1"/>
-                      <a:r>
-                        <a:rPr lang="ko-KR" altLang="en-US" sz="2200" spc="-150" dirty="0">
-                          <a:solidFill>
-                            <a:srgbClr val="40474D"/>
-                          </a:solidFill>
-                          <a:latin typeface="+mn-ea"/>
-                          <a:ea typeface="+mn-ea"/>
-                        </a:rPr>
-                        <a:t>내용 입력</a:t>
-                      </a:r>
-                    </a:p>
-                  </a:txBody>
-                  <a:tcPr anchor="ctr">
-                    <a:lnL w="6350" cap="flat" cmpd="sng" algn="ctr">
-                      <a:solidFill>
-                        <a:schemeClr val="bg1">
-                          <a:lumMod val="50000"/>
-                        </a:schemeClr>
-                      </a:solidFill>
-                      <a:prstDash val="solid"/>
-                      <a:round/>
-                      <a:headEnd type="none" w="med" len="med"/>
-                      <a:tailEnd type="none" w="med" len="med"/>
-                    </a:lnL>
-                    <a:lnR w="6350" cap="flat" cmpd="sng" algn="ctr">
-                      <a:solidFill>
-                        <a:schemeClr val="bg1">
-                          <a:lumMod val="50000"/>
-                        </a:schemeClr>
-                      </a:solidFill>
-                      <a:prstDash val="solid"/>
-                      <a:round/>
-                      <a:headEnd type="none" w="med" len="med"/>
-                      <a:tailEnd type="none" w="med" len="med"/>
-                    </a:lnR>
-                    <a:lnT w="6350" cap="flat" cmpd="sng" algn="ctr">
-                      <a:solidFill>
-                        <a:schemeClr val="bg1">
-                          <a:lumMod val="50000"/>
-                        </a:schemeClr>
-                      </a:solidFill>
-                      <a:prstDash val="solid"/>
-                      <a:round/>
-                      <a:headEnd type="none" w="med" len="med"/>
-                      <a:tailEnd type="none" w="med" len="med"/>
-                    </a:lnT>
-                    <a:lnB w="6350" cap="flat" cmpd="sng" algn="ctr">
-                      <a:solidFill>
-                        <a:schemeClr val="bg1">
-                          <a:lumMod val="50000"/>
-                        </a:schemeClr>
-                      </a:solidFill>
-                      <a:prstDash val="solid"/>
-                      <a:round/>
-                      <a:headEnd type="none" w="med" len="med"/>
-                      <a:tailEnd type="none" w="med" len="med"/>
-                    </a:lnB>
-                    <a:lnTlToBr w="12700" cmpd="sng">
-                      <a:noFill/>
-                      <a:prstDash val="solid"/>
-                    </a:lnTlToBr>
-                    <a:lnBlToTr w="12700" cmpd="sng">
-                      <a:noFill/>
-                      <a:prstDash val="solid"/>
-                    </a:lnBlToTr>
-                    <a:solidFill>
-                      <a:schemeClr val="bg1"/>
-                    </a:solidFill>
-                  </a:tcPr>
-                </a:tc>
-                <a:tc>
-                  <a:txBody>
-                    <a:bodyPr/>
-                    <a:lstStyle/>
-                    <a:p>
-                      <a:pPr algn="ctr" latinLnBrk="1"/>
-                      <a:r>
-                        <a:rPr lang="ko-KR" altLang="en-US" sz="2200" spc="-150" dirty="0">
-                          <a:solidFill>
-                            <a:srgbClr val="40474D"/>
-                          </a:solidFill>
-                          <a:latin typeface="+mn-ea"/>
-                          <a:ea typeface="+mn-ea"/>
-                        </a:rPr>
-                        <a:t>내용 입력</a:t>
-                      </a:r>
-                    </a:p>
-                  </a:txBody>
-                  <a:tcPr anchor="ctr">
-                    <a:lnL w="6350" cap="flat" cmpd="sng" algn="ctr">
-                      <a:solidFill>
-                        <a:schemeClr val="bg1">
-                          <a:lumMod val="50000"/>
-                        </a:schemeClr>
-                      </a:solidFill>
-                      <a:prstDash val="solid"/>
-                      <a:round/>
-                      <a:headEnd type="none" w="med" len="med"/>
-                      <a:tailEnd type="none" w="med" len="med"/>
-                    </a:lnL>
-                    <a:lnR w="6350" cap="flat" cmpd="sng" algn="ctr">
-                      <a:solidFill>
-                        <a:schemeClr val="bg1">
-                          <a:lumMod val="50000"/>
-                        </a:schemeClr>
-                      </a:solidFill>
-                      <a:prstDash val="solid"/>
-                      <a:round/>
-                      <a:headEnd type="none" w="med" len="med"/>
-                      <a:tailEnd type="none" w="med" len="med"/>
-                    </a:lnR>
-                    <a:lnT w="6350" cap="flat" cmpd="sng" algn="ctr">
-                      <a:solidFill>
-                        <a:schemeClr val="bg1">
-                          <a:lumMod val="50000"/>
-                        </a:schemeClr>
-                      </a:solidFill>
-                      <a:prstDash val="solid"/>
-                      <a:round/>
-                      <a:headEnd type="none" w="med" len="med"/>
-                      <a:tailEnd type="none" w="med" len="med"/>
-                    </a:lnT>
-                    <a:lnB w="6350" cap="flat" cmpd="sng" algn="ctr">
-                      <a:solidFill>
-                        <a:schemeClr val="bg1">
-                          <a:lumMod val="50000"/>
-                        </a:schemeClr>
-                      </a:solidFill>
-                      <a:prstDash val="solid"/>
-                      <a:round/>
-                      <a:headEnd type="none" w="med" len="med"/>
-                      <a:tailEnd type="none" w="med" len="med"/>
-                    </a:lnB>
-                    <a:lnTlToBr w="12700" cmpd="sng">
-                      <a:noFill/>
-                      <a:prstDash val="solid"/>
-                    </a:lnTlToBr>
-                    <a:lnBlToTr w="12700" cmpd="sng">
-                      <a:noFill/>
-                      <a:prstDash val="solid"/>
-                    </a:lnBlToTr>
-                    <a:solidFill>
-                      <a:schemeClr val="bg1"/>
-                    </a:solidFill>
-                  </a:tcPr>
-                </a:tc>
-                <a:tc>
-                  <a:txBody>
-                    <a:bodyPr/>
-                    <a:lstStyle/>
-                    <a:p>
-                      <a:pPr algn="ctr" latinLnBrk="1"/>
-                      <a:r>
-                        <a:rPr lang="ko-KR" altLang="en-US" sz="2200" spc="-150" dirty="0">
-                          <a:solidFill>
-                            <a:srgbClr val="40474D"/>
-                          </a:solidFill>
-                          <a:latin typeface="+mn-ea"/>
-                          <a:ea typeface="+mn-ea"/>
-                        </a:rPr>
-                        <a:t>내용 입력</a:t>
-                      </a:r>
-                    </a:p>
-                  </a:txBody>
-                  <a:tcPr anchor="ctr">
-                    <a:lnL w="6350" cap="flat" cmpd="sng" algn="ctr">
-                      <a:solidFill>
-                        <a:schemeClr val="bg1">
-                          <a:lumMod val="50000"/>
-                        </a:schemeClr>
-                      </a:solidFill>
-                      <a:prstDash val="solid"/>
-                      <a:round/>
-                      <a:headEnd type="none" w="med" len="med"/>
-                      <a:tailEnd type="none" w="med" len="med"/>
-                    </a:lnL>
-                    <a:lnR w="6350" cap="flat" cmpd="sng" algn="ctr">
-                      <a:solidFill>
-                        <a:schemeClr val="bg1">
-                          <a:lumMod val="50000"/>
-                        </a:schemeClr>
-                      </a:solidFill>
-                      <a:prstDash val="solid"/>
-                      <a:round/>
-                      <a:headEnd type="none" w="med" len="med"/>
-                      <a:tailEnd type="none" w="med" len="med"/>
-                    </a:lnR>
-                    <a:lnT w="6350" cap="flat" cmpd="sng" algn="ctr">
-                      <a:solidFill>
-                        <a:schemeClr val="bg1">
-                          <a:lumMod val="50000"/>
-                        </a:schemeClr>
-                      </a:solidFill>
-                      <a:prstDash val="solid"/>
-                      <a:round/>
-                      <a:headEnd type="none" w="med" len="med"/>
-                      <a:tailEnd type="none" w="med" len="med"/>
-                    </a:lnT>
-                    <a:lnB w="6350" cap="flat" cmpd="sng" algn="ctr">
-                      <a:solidFill>
-                        <a:schemeClr val="bg1">
-                          <a:lumMod val="50000"/>
-                        </a:schemeClr>
-                      </a:solidFill>
-                      <a:prstDash val="solid"/>
-                      <a:round/>
-                      <a:headEnd type="none" w="med" len="med"/>
-                      <a:tailEnd type="none" w="med" len="med"/>
-                    </a:lnB>
-                    <a:lnTlToBr w="12700" cmpd="sng">
-                      <a:noFill/>
-                      <a:prstDash val="solid"/>
-                    </a:lnTlToBr>
-                    <a:lnBlToTr w="12700" cmpd="sng">
-                      <a:noFill/>
-                      <a:prstDash val="solid"/>
-                    </a:lnBlToTr>
-                    <a:solidFill>
-                      <a:schemeClr val="bg1"/>
-                    </a:solidFill>
-                  </a:tcPr>
-                </a:tc>
-                <a:tc>
-                  <a:txBody>
-                    <a:bodyPr/>
-                    <a:lstStyle/>
-                    <a:p>
-                      <a:pPr algn="ctr" latinLnBrk="1"/>
-                      <a:r>
-                        <a:rPr lang="ko-KR" altLang="en-US" sz="2200" spc="-150" dirty="0">
-                          <a:solidFill>
-                            <a:srgbClr val="40474D"/>
-                          </a:solidFill>
-                          <a:latin typeface="+mn-ea"/>
-                          <a:ea typeface="+mn-ea"/>
-                        </a:rPr>
-                        <a:t>내용 입력</a:t>
-                      </a:r>
-                    </a:p>
-                  </a:txBody>
-                  <a:tcPr anchor="ctr">
-                    <a:lnL w="6350" cap="flat" cmpd="sng" algn="ctr">
-                      <a:solidFill>
-                        <a:schemeClr val="bg1">
-                          <a:lumMod val="50000"/>
-                        </a:schemeClr>
-                      </a:solidFill>
-                      <a:prstDash val="solid"/>
-                      <a:round/>
-                      <a:headEnd type="none" w="med" len="med"/>
-                      <a:tailEnd type="none" w="med" len="med"/>
-                    </a:lnL>
-                    <a:lnR w="12700" cap="flat" cmpd="sng" algn="ctr">
-                      <a:noFill/>
-                      <a:prstDash val="solid"/>
-                      <a:round/>
-                      <a:headEnd type="none" w="med" len="med"/>
-                      <a:tailEnd type="none" w="med" len="med"/>
-                    </a:lnR>
-                    <a:lnT w="6350" cap="flat" cmpd="sng" algn="ctr">
-                      <a:solidFill>
-                        <a:schemeClr val="bg1">
-                          <a:lumMod val="50000"/>
-                        </a:schemeClr>
-                      </a:solidFill>
-                      <a:prstDash val="solid"/>
-                      <a:round/>
-                      <a:headEnd type="none" w="med" len="med"/>
-                      <a:tailEnd type="none" w="med" len="med"/>
-                    </a:lnT>
-                    <a:lnB w="6350" cap="flat" cmpd="sng" algn="ctr">
-                      <a:solidFill>
-                        <a:schemeClr val="bg1">
-                          <a:lumMod val="50000"/>
-                        </a:schemeClr>
-                      </a:solidFill>
-                      <a:prstDash val="solid"/>
-                      <a:round/>
-                      <a:headEnd type="none" w="med" len="med"/>
-                      <a:tailEnd type="none" w="med" len="med"/>
-                    </a:lnB>
-                    <a:lnTlToBr w="12700" cmpd="sng">
-                      <a:noFill/>
-                      <a:prstDash val="solid"/>
-                    </a:lnTlToBr>
-                    <a:lnBlToTr w="12700" cmpd="sng">
-                      <a:noFill/>
-                      <a:prstDash val="solid"/>
-                    </a:lnBlToTr>
-                    <a:solidFill>
-                      <a:schemeClr val="bg1"/>
-                    </a:solidFill>
-                  </a:tcPr>
-                </a:tc>
-                <a:extLst>
-                  <a:ext uri="{0D108BD9-81ED-4DB2-BD59-A6C34878D82A}">
-                    <a16:rowId xmlns:a16="http://schemas.microsoft.com/office/drawing/2014/main" val="910396960"/>
-                  </a:ext>
-                </a:extLst>
-              </a:tr>
-              <a:tr h="633275">
-                <a:tc>
-                  <a:txBody>
-                    <a:bodyPr/>
-                    <a:lstStyle/>
-                    <a:p>
-                      <a:pPr algn="ctr" latinLnBrk="1"/>
-                      <a:r>
-                        <a:rPr lang="ko-KR" altLang="en-US" sz="2200" spc="-150" dirty="0">
-                          <a:solidFill>
-                            <a:srgbClr val="40474D"/>
-                          </a:solidFill>
-                          <a:latin typeface="+mn-ea"/>
-                          <a:ea typeface="+mn-ea"/>
-                        </a:rPr>
-                        <a:t>내용 입력</a:t>
-                      </a:r>
-                    </a:p>
-                  </a:txBody>
-                  <a:tcPr anchor="ctr">
-                    <a:lnL>
-                      <a:noFill/>
-                    </a:lnL>
-                    <a:lnR w="6350" cap="flat" cmpd="sng" algn="ctr">
-                      <a:solidFill>
-                        <a:schemeClr val="bg1">
-                          <a:lumMod val="50000"/>
-                        </a:schemeClr>
-                      </a:solidFill>
-                      <a:prstDash val="solid"/>
-                      <a:round/>
-                      <a:headEnd type="none" w="med" len="med"/>
-                      <a:tailEnd type="none" w="med" len="med"/>
-                    </a:lnR>
-                    <a:lnT w="6350" cap="flat" cmpd="sng" algn="ctr">
-                      <a:solidFill>
-                        <a:schemeClr val="bg1">
-                          <a:lumMod val="50000"/>
-                        </a:schemeClr>
-                      </a:solidFill>
-                      <a:prstDash val="solid"/>
-                      <a:round/>
-                      <a:headEnd type="none" w="med" len="med"/>
-                      <a:tailEnd type="none" w="med" len="med"/>
-                    </a:lnT>
-                    <a:lnB w="6350" cap="flat" cmpd="sng" algn="ctr">
-                      <a:solidFill>
-                        <a:schemeClr val="bg1">
-                          <a:lumMod val="50000"/>
-                        </a:schemeClr>
-                      </a:solidFill>
-                      <a:prstDash val="solid"/>
-                      <a:round/>
-                      <a:headEnd type="none" w="med" len="med"/>
-                      <a:tailEnd type="none" w="med" len="med"/>
-                    </a:lnB>
-                    <a:lnTlToBr w="12700" cmpd="sng">
-                      <a:noFill/>
-                      <a:prstDash val="solid"/>
-                    </a:lnTlToBr>
-                    <a:lnBlToTr w="12700" cmpd="sng">
-                      <a:noFill/>
-                      <a:prstDash val="solid"/>
-                    </a:lnBlToTr>
-                    <a:solidFill>
-                      <a:schemeClr val="bg1"/>
-                    </a:solidFill>
-                  </a:tcPr>
-                </a:tc>
-                <a:tc>
-                  <a:txBody>
-                    <a:bodyPr/>
-                    <a:lstStyle/>
-                    <a:p>
-                      <a:pPr algn="ctr" latinLnBrk="1"/>
-                      <a:r>
-                        <a:rPr lang="ko-KR" altLang="en-US" sz="2200" spc="-150" dirty="0">
-                          <a:solidFill>
-                            <a:srgbClr val="40474D"/>
-                          </a:solidFill>
-                          <a:latin typeface="+mn-ea"/>
-                          <a:ea typeface="+mn-ea"/>
-                        </a:rPr>
-                        <a:t>내용 입력</a:t>
-                      </a:r>
-                    </a:p>
-                  </a:txBody>
-                  <a:tcPr anchor="ctr">
-                    <a:lnL w="6350" cap="flat" cmpd="sng" algn="ctr">
-                      <a:solidFill>
-                        <a:schemeClr val="bg1">
-                          <a:lumMod val="50000"/>
-                        </a:schemeClr>
-                      </a:solidFill>
-                      <a:prstDash val="solid"/>
-                      <a:round/>
-                      <a:headEnd type="none" w="med" len="med"/>
-                      <a:tailEnd type="none" w="med" len="med"/>
-                    </a:lnL>
-                    <a:lnR w="6350" cap="flat" cmpd="sng" algn="ctr">
-                      <a:solidFill>
-                        <a:schemeClr val="bg1">
-                          <a:lumMod val="50000"/>
-                        </a:schemeClr>
-                      </a:solidFill>
-                      <a:prstDash val="solid"/>
-                      <a:round/>
-                      <a:headEnd type="none" w="med" len="med"/>
-                      <a:tailEnd type="none" w="med" len="med"/>
-                    </a:lnR>
-                    <a:lnT w="6350" cap="flat" cmpd="sng" algn="ctr">
-                      <a:solidFill>
-                        <a:schemeClr val="bg1">
-                          <a:lumMod val="50000"/>
-                        </a:schemeClr>
-                      </a:solidFill>
-                      <a:prstDash val="solid"/>
-                      <a:round/>
-                      <a:headEnd type="none" w="med" len="med"/>
-                      <a:tailEnd type="none" w="med" len="med"/>
-                    </a:lnT>
-                    <a:lnB w="6350" cap="flat" cmpd="sng" algn="ctr">
-                      <a:solidFill>
-                        <a:schemeClr val="bg1">
-                          <a:lumMod val="50000"/>
-                        </a:schemeClr>
-                      </a:solidFill>
-                      <a:prstDash val="solid"/>
-                      <a:round/>
-                      <a:headEnd type="none" w="med" len="med"/>
-                      <a:tailEnd type="none" w="med" len="med"/>
-                    </a:lnB>
-                    <a:lnTlToBr w="12700" cmpd="sng">
-                      <a:noFill/>
-                      <a:prstDash val="solid"/>
-                    </a:lnTlToBr>
-                    <a:lnBlToTr w="12700" cmpd="sng">
-                      <a:noFill/>
-                      <a:prstDash val="solid"/>
-                    </a:lnBlToTr>
-                    <a:solidFill>
-                      <a:schemeClr val="bg1"/>
-                    </a:solidFill>
-                  </a:tcPr>
-                </a:tc>
-                <a:tc>
-                  <a:txBody>
-                    <a:bodyPr/>
-                    <a:lstStyle/>
-                    <a:p>
-                      <a:pPr algn="ctr" latinLnBrk="1"/>
-                      <a:r>
-                        <a:rPr lang="ko-KR" altLang="en-US" sz="2200" spc="-150" dirty="0">
-                          <a:solidFill>
-                            <a:srgbClr val="40474D"/>
-                          </a:solidFill>
-                          <a:latin typeface="+mn-ea"/>
-                          <a:ea typeface="+mn-ea"/>
-                        </a:rPr>
-                        <a:t>내용 입력</a:t>
-                      </a:r>
-                    </a:p>
-                  </a:txBody>
-                  <a:tcPr anchor="ctr">
-                    <a:lnL w="6350" cap="flat" cmpd="sng" algn="ctr">
-                      <a:solidFill>
-                        <a:schemeClr val="bg1">
-                          <a:lumMod val="50000"/>
-                        </a:schemeClr>
-                      </a:solidFill>
-                      <a:prstDash val="solid"/>
-                      <a:round/>
-                      <a:headEnd type="none" w="med" len="med"/>
-                      <a:tailEnd type="none" w="med" len="med"/>
-                    </a:lnL>
-                    <a:lnR w="6350" cap="flat" cmpd="sng" algn="ctr">
-                      <a:solidFill>
-                        <a:schemeClr val="bg1">
-                          <a:lumMod val="50000"/>
-                        </a:schemeClr>
-                      </a:solidFill>
-                      <a:prstDash val="solid"/>
-                      <a:round/>
-                      <a:headEnd type="none" w="med" len="med"/>
-                      <a:tailEnd type="none" w="med" len="med"/>
-                    </a:lnR>
-                    <a:lnT w="6350" cap="flat" cmpd="sng" algn="ctr">
-                      <a:solidFill>
-                        <a:schemeClr val="bg1">
-                          <a:lumMod val="50000"/>
-                        </a:schemeClr>
-                      </a:solidFill>
-                      <a:prstDash val="solid"/>
-                      <a:round/>
-                      <a:headEnd type="none" w="med" len="med"/>
-                      <a:tailEnd type="none" w="med" len="med"/>
-                    </a:lnT>
-                    <a:lnB w="6350" cap="flat" cmpd="sng" algn="ctr">
-                      <a:solidFill>
-                        <a:schemeClr val="bg1">
-                          <a:lumMod val="50000"/>
-                        </a:schemeClr>
-                      </a:solidFill>
-                      <a:prstDash val="solid"/>
-                      <a:round/>
-                      <a:headEnd type="none" w="med" len="med"/>
-                      <a:tailEnd type="none" w="med" len="med"/>
-                    </a:lnB>
-                    <a:lnTlToBr w="12700" cmpd="sng">
-                      <a:noFill/>
-                      <a:prstDash val="solid"/>
-                    </a:lnTlToBr>
-                    <a:lnBlToTr w="12700" cmpd="sng">
-                      <a:noFill/>
-                      <a:prstDash val="solid"/>
-                    </a:lnBlToTr>
-                    <a:solidFill>
-                      <a:schemeClr val="bg1"/>
-                    </a:solidFill>
-                  </a:tcPr>
-                </a:tc>
-                <a:tc>
-                  <a:txBody>
-                    <a:bodyPr/>
-                    <a:lstStyle/>
-                    <a:p>
-                      <a:pPr algn="ctr" latinLnBrk="1"/>
-                      <a:r>
-                        <a:rPr lang="ko-KR" altLang="en-US" sz="2200" spc="-150" dirty="0">
-                          <a:solidFill>
-                            <a:srgbClr val="40474D"/>
-                          </a:solidFill>
-                          <a:latin typeface="+mn-ea"/>
-                          <a:ea typeface="+mn-ea"/>
-                        </a:rPr>
-                        <a:t>내용 입력</a:t>
-                      </a:r>
-                    </a:p>
-                  </a:txBody>
-                  <a:tcPr anchor="ctr">
-                    <a:lnL w="6350" cap="flat" cmpd="sng" algn="ctr">
-                      <a:solidFill>
-                        <a:schemeClr val="bg1">
-                          <a:lumMod val="50000"/>
-                        </a:schemeClr>
-                      </a:solidFill>
-                      <a:prstDash val="solid"/>
-                      <a:round/>
-                      <a:headEnd type="none" w="med" len="med"/>
-                      <a:tailEnd type="none" w="med" len="med"/>
-                    </a:lnL>
-                    <a:lnR w="6350" cap="flat" cmpd="sng" algn="ctr">
-                      <a:solidFill>
-                        <a:schemeClr val="bg1">
-                          <a:lumMod val="50000"/>
-                        </a:schemeClr>
-                      </a:solidFill>
-                      <a:prstDash val="solid"/>
-                      <a:round/>
-                      <a:headEnd type="none" w="med" len="med"/>
-                      <a:tailEnd type="none" w="med" len="med"/>
-                    </a:lnR>
-                    <a:lnT w="6350" cap="flat" cmpd="sng" algn="ctr">
-                      <a:solidFill>
-                        <a:schemeClr val="bg1">
-                          <a:lumMod val="50000"/>
-                        </a:schemeClr>
-                      </a:solidFill>
-                      <a:prstDash val="solid"/>
-                      <a:round/>
-                      <a:headEnd type="none" w="med" len="med"/>
-                      <a:tailEnd type="none" w="med" len="med"/>
-                    </a:lnT>
-                    <a:lnB w="6350" cap="flat" cmpd="sng" algn="ctr">
-                      <a:solidFill>
-                        <a:schemeClr val="bg1">
-                          <a:lumMod val="50000"/>
-                        </a:schemeClr>
-                      </a:solidFill>
-                      <a:prstDash val="solid"/>
-                      <a:round/>
-                      <a:headEnd type="none" w="med" len="med"/>
-                      <a:tailEnd type="none" w="med" len="med"/>
-                    </a:lnB>
-                    <a:lnTlToBr w="12700" cmpd="sng">
-                      <a:noFill/>
-                      <a:prstDash val="solid"/>
-                    </a:lnTlToBr>
-                    <a:lnBlToTr w="12700" cmpd="sng">
-                      <a:noFill/>
-                      <a:prstDash val="solid"/>
-                    </a:lnBlToTr>
-                    <a:solidFill>
-                      <a:schemeClr val="bg1"/>
-                    </a:solidFill>
-                  </a:tcPr>
-                </a:tc>
-                <a:tc>
-                  <a:txBody>
-                    <a:bodyPr/>
-                    <a:lstStyle/>
-                    <a:p>
-                      <a:pPr algn="ctr" latinLnBrk="1"/>
-                      <a:r>
-                        <a:rPr lang="ko-KR" altLang="en-US" sz="2200" spc="-150" dirty="0">
-                          <a:solidFill>
-                            <a:srgbClr val="40474D"/>
-                          </a:solidFill>
-                          <a:latin typeface="+mn-ea"/>
-                          <a:ea typeface="+mn-ea"/>
-                        </a:rPr>
-                        <a:t>내용 입력</a:t>
-                      </a:r>
-                    </a:p>
-                  </a:txBody>
-                  <a:tcPr anchor="ctr">
-                    <a:lnL w="6350" cap="flat" cmpd="sng" algn="ctr">
-                      <a:solidFill>
-                        <a:schemeClr val="bg1">
-                          <a:lumMod val="50000"/>
-                        </a:schemeClr>
-                      </a:solidFill>
-                      <a:prstDash val="solid"/>
-                      <a:round/>
-                      <a:headEnd type="none" w="med" len="med"/>
-                      <a:tailEnd type="none" w="med" len="med"/>
-                    </a:lnL>
-                    <a:lnR w="12700" cap="flat" cmpd="sng" algn="ctr">
-                      <a:noFill/>
-                      <a:prstDash val="solid"/>
-                      <a:round/>
-                      <a:headEnd type="none" w="med" len="med"/>
-                      <a:tailEnd type="none" w="med" len="med"/>
-                    </a:lnR>
-                    <a:lnT w="6350" cap="flat" cmpd="sng" algn="ctr">
-                      <a:solidFill>
-                        <a:schemeClr val="bg1">
-                          <a:lumMod val="50000"/>
-                        </a:schemeClr>
-                      </a:solidFill>
-                      <a:prstDash val="solid"/>
-                      <a:round/>
-                      <a:headEnd type="none" w="med" len="med"/>
-                      <a:tailEnd type="none" w="med" len="med"/>
-                    </a:lnT>
-                    <a:lnB w="6350" cap="flat" cmpd="sng" algn="ctr">
-                      <a:solidFill>
-                        <a:schemeClr val="bg1">
-                          <a:lumMod val="50000"/>
-                        </a:schemeClr>
-                      </a:solidFill>
-                      <a:prstDash val="solid"/>
-                      <a:round/>
-                      <a:headEnd type="none" w="med" len="med"/>
-                      <a:tailEnd type="none" w="med" len="med"/>
-                    </a:lnB>
-                    <a:lnTlToBr w="12700" cmpd="sng">
-                      <a:noFill/>
-                      <a:prstDash val="solid"/>
-                    </a:lnTlToBr>
-                    <a:lnBlToTr w="12700" cmpd="sng">
-                      <a:noFill/>
-                      <a:prstDash val="solid"/>
-                    </a:lnBlToTr>
-                    <a:solidFill>
-                      <a:schemeClr val="bg1"/>
-                    </a:solidFill>
-                  </a:tcPr>
-                </a:tc>
-                <a:extLst>
-                  <a:ext uri="{0D108BD9-81ED-4DB2-BD59-A6C34878D82A}">
-                    <a16:rowId xmlns:a16="http://schemas.microsoft.com/office/drawing/2014/main" val="2136289467"/>
-                  </a:ext>
-                </a:extLst>
-              </a:tr>
-            </a:tbl>
-          </a:graphicData>
-        </a:graphic>
-      </p:graphicFrame>
       <p:sp>
         <p:nvSpPr>
           <p:cNvPr id="12" name="TextBox 11">
@@ -46149,6 +43510,241 @@
           <a:p>
             <a:pPr algn="ctr"/>
             <a:endParaRPr lang="ko-KR" altLang="en-US"/>
+          </a:p>
+        </p:txBody>
+      </p:sp>
+      <p:sp>
+        <p:nvSpPr>
+          <p:cNvPr id="10" name="TextBox 9">
+            <a:extLst>
+              <a:ext uri="{FF2B5EF4-FFF2-40B4-BE49-F238E27FC236}">
+                <a16:creationId xmlns:a16="http://schemas.microsoft.com/office/drawing/2014/main" id="{05ED5BF0-47BD-4C09-B689-65B4891AAF8E}"/>
+              </a:ext>
+            </a:extLst>
+          </p:cNvPr>
+          <p:cNvSpPr txBox="1"/>
+          <p:nvPr/>
+        </p:nvSpPr>
+        <p:spPr>
+          <a:xfrm>
+            <a:off x="503592" y="3640626"/>
+            <a:ext cx="9366549" cy="1323439"/>
+          </a:xfrm>
+          <a:prstGeom prst="rect">
+            <a:avLst/>
+          </a:prstGeom>
+          <a:noFill/>
+        </p:spPr>
+        <p:txBody>
+          <a:bodyPr wrap="square">
+            <a:spAutoFit/>
+          </a:bodyPr>
+          <a:lstStyle/>
+          <a:p>
+            <a:r>
+              <a:rPr lang="ko-KR" altLang="en-US" sz="2000" dirty="0">
+                <a:ea typeface="맑은 고딕" panose="020B0503020000020004" pitchFamily="50" charset="-127"/>
+                <a:cs typeface="Times New Roman" panose="02020603050405020304" pitchFamily="18" charset="0"/>
+              </a:rPr>
+              <a:t>졸업 과제 진행</a:t>
+            </a:r>
+            <a:r>
+              <a:rPr lang="en-US" altLang="ko-KR" sz="2000" dirty="0">
+                <a:ea typeface="맑은 고딕" panose="020B0503020000020004" pitchFamily="50" charset="-127"/>
+                <a:cs typeface="Times New Roman" panose="02020603050405020304" pitchFamily="18" charset="0"/>
+              </a:rPr>
+              <a:t>: </a:t>
+            </a:r>
+          </a:p>
+          <a:p>
+            <a:r>
+              <a:rPr lang="en-US" altLang="ko-KR" sz="2000" dirty="0">
+                <a:ea typeface="맑은 고딕" panose="020B0503020000020004" pitchFamily="50" charset="-127"/>
+                <a:cs typeface="Times New Roman" panose="02020603050405020304" pitchFamily="18" charset="0"/>
+              </a:rPr>
+              <a:t>	</a:t>
+            </a:r>
+            <a:r>
+              <a:rPr lang="ko-KR" altLang="en-US" sz="2000" dirty="0">
+                <a:ea typeface="맑은 고딕" panose="020B0503020000020004" pitchFamily="50" charset="-127"/>
+                <a:cs typeface="Times New Roman" panose="02020603050405020304" pitchFamily="18" charset="0"/>
+              </a:rPr>
+              <a:t>학습으로 </a:t>
+            </a:r>
+            <a:r>
+              <a:rPr lang="ko-KR" altLang="ko-KR" sz="2000" dirty="0">
+                <a:effectLst/>
+                <a:ea typeface="맑은 고딕" panose="020B0503020000020004" pitchFamily="50" charset="-127"/>
+                <a:cs typeface="Times New Roman" panose="02020603050405020304" pitchFamily="18" charset="0"/>
+              </a:rPr>
+              <a:t>차량 시뮬레이션 프로그램의 차량 센서 데이터를 사용 </a:t>
+            </a:r>
+            <a:endParaRPr lang="en-US" altLang="ko-KR" sz="2000" dirty="0">
+              <a:effectLst/>
+              <a:ea typeface="맑은 고딕" panose="020B0503020000020004" pitchFamily="50" charset="-127"/>
+              <a:cs typeface="Times New Roman" panose="02020603050405020304" pitchFamily="18" charset="0"/>
+            </a:endParaRPr>
+          </a:p>
+          <a:p>
+            <a:r>
+              <a:rPr lang="en-US" altLang="ko-KR" sz="2000" dirty="0">
+                <a:ea typeface="맑은 고딕" panose="020B0503020000020004" pitchFamily="50" charset="-127"/>
+                <a:cs typeface="Times New Roman" panose="02020603050405020304" pitchFamily="18" charset="0"/>
+              </a:rPr>
+              <a:t>	</a:t>
+            </a:r>
+            <a:r>
+              <a:rPr lang="en-US" altLang="ko-KR" sz="2000" dirty="0">
+                <a:effectLst/>
+                <a:ea typeface="맑은 고딕" panose="020B0503020000020004" pitchFamily="50" charset="-127"/>
+                <a:cs typeface="Times New Roman" panose="02020603050405020304" pitchFamily="18" charset="0"/>
+              </a:rPr>
+              <a:t>Sim2Real </a:t>
+            </a:r>
+            <a:r>
+              <a:rPr lang="ko-KR" altLang="ko-KR" sz="2000" dirty="0">
+                <a:effectLst/>
+                <a:ea typeface="맑은 고딕" panose="020B0503020000020004" pitchFamily="50" charset="-127"/>
+                <a:cs typeface="Times New Roman" panose="02020603050405020304" pitchFamily="18" charset="0"/>
+              </a:rPr>
+              <a:t>기술을 적용하여 실제 차량의 센서데이터와 비슷하게 가공</a:t>
+            </a:r>
+            <a:endParaRPr lang="en-US" altLang="ko-KR" sz="2000" dirty="0">
+              <a:effectLst/>
+              <a:ea typeface="맑은 고딕" panose="020B0503020000020004" pitchFamily="50" charset="-127"/>
+              <a:cs typeface="Times New Roman" panose="02020603050405020304" pitchFamily="18" charset="0"/>
+            </a:endParaRPr>
+          </a:p>
+          <a:p>
+            <a:r>
+              <a:rPr lang="en-US" altLang="ko-KR" sz="2000" dirty="0">
+                <a:effectLst/>
+                <a:ea typeface="맑은 고딕" panose="020B0503020000020004" pitchFamily="50" charset="-127"/>
+                <a:cs typeface="Times New Roman" panose="02020603050405020304" pitchFamily="18" charset="0"/>
+              </a:rPr>
+              <a:t>	</a:t>
+            </a:r>
+            <a:r>
+              <a:rPr lang="ko-KR" altLang="en-US" sz="2000" dirty="0">
+                <a:ea typeface="맑은 고딕" panose="020B0503020000020004" pitchFamily="50" charset="-127"/>
+                <a:cs typeface="Times New Roman" panose="02020603050405020304" pitchFamily="18" charset="0"/>
+              </a:rPr>
+              <a:t>예측 데이터로</a:t>
+            </a:r>
+            <a:r>
+              <a:rPr lang="ko-KR" altLang="ko-KR" sz="2000" dirty="0">
+                <a:effectLst/>
+                <a:ea typeface="맑은 고딕" panose="020B0503020000020004" pitchFamily="50" charset="-127"/>
+                <a:cs typeface="Times New Roman" panose="02020603050405020304" pitchFamily="18" charset="0"/>
+              </a:rPr>
+              <a:t> 실제 차량 데이터를 사용한다</a:t>
+            </a:r>
+            <a:r>
+              <a:rPr lang="en-US" altLang="ko-KR" sz="2000" dirty="0">
+                <a:effectLst/>
+                <a:ea typeface="맑은 고딕" panose="020B0503020000020004" pitchFamily="50" charset="-127"/>
+                <a:cs typeface="Times New Roman" panose="02020603050405020304" pitchFamily="18" charset="0"/>
+              </a:rPr>
+              <a:t>.</a:t>
+            </a:r>
+            <a:endParaRPr lang="ko-KR" altLang="en-US" sz="2000" dirty="0"/>
+          </a:p>
+        </p:txBody>
+      </p:sp>
+      <p:sp>
+        <p:nvSpPr>
+          <p:cNvPr id="7" name="TextBox 6">
+            <a:extLst>
+              <a:ext uri="{FF2B5EF4-FFF2-40B4-BE49-F238E27FC236}">
+                <a16:creationId xmlns:a16="http://schemas.microsoft.com/office/drawing/2014/main" id="{92029254-A2C8-4014-ACFC-F2EDA40C689B}"/>
+              </a:ext>
+            </a:extLst>
+          </p:cNvPr>
+          <p:cNvSpPr txBox="1"/>
+          <p:nvPr/>
+        </p:nvSpPr>
+        <p:spPr>
+          <a:xfrm>
+            <a:off x="503592" y="1914037"/>
+            <a:ext cx="6920484" cy="1538883"/>
+          </a:xfrm>
+          <a:prstGeom prst="rect">
+            <a:avLst/>
+          </a:prstGeom>
+          <a:noFill/>
+        </p:spPr>
+        <p:txBody>
+          <a:bodyPr wrap="none" rtlCol="0">
+            <a:spAutoFit/>
+          </a:bodyPr>
+          <a:lstStyle/>
+          <a:p>
+            <a:r>
+              <a:rPr lang="ko-KR" altLang="en-US" sz="2000" dirty="0"/>
+              <a:t>기존 진행 연구</a:t>
+            </a:r>
+            <a:r>
+              <a:rPr lang="en-US" altLang="ko-KR" sz="2000" dirty="0"/>
+              <a:t>: </a:t>
+            </a:r>
+          </a:p>
+          <a:p>
+            <a:r>
+              <a:rPr lang="en-US" altLang="ko-KR" sz="2000" dirty="0"/>
+              <a:t>	</a:t>
+            </a:r>
+            <a:r>
+              <a:rPr lang="ko-KR" altLang="en-US" sz="2000" dirty="0"/>
+              <a:t>실시간 운전자 행동 분석을 위한 차량 상태 인식 </a:t>
+            </a:r>
+            <a:endParaRPr lang="en-US" altLang="ko-KR" sz="2000" dirty="0"/>
+          </a:p>
+          <a:p>
+            <a:r>
+              <a:rPr lang="en-US" altLang="ko-KR" sz="2000" dirty="0"/>
+              <a:t>	</a:t>
+            </a:r>
+            <a:r>
+              <a:rPr lang="ko-KR" altLang="en-US" sz="2000" dirty="0"/>
+              <a:t>온</a:t>
+            </a:r>
+            <a:r>
+              <a:rPr lang="en-US" altLang="ko-KR" sz="2000" dirty="0"/>
+              <a:t>-</a:t>
+            </a:r>
+            <a:r>
+              <a:rPr lang="ko-KR" altLang="en-US" sz="2000" dirty="0"/>
+              <a:t>디바이스 딥 러닝 시스템의 설계 및 구현</a:t>
+            </a:r>
+            <a:endParaRPr lang="en-US" altLang="ko-KR" sz="2000" dirty="0"/>
+          </a:p>
+          <a:p>
+            <a:r>
+              <a:rPr lang="en-US" altLang="ko-KR" sz="1400" dirty="0">
+                <a:hlinkClick r:id="rId2"/>
+              </a:rPr>
+              <a:t>http://www.dbpia.co.kr/journal/articleDetail?nodeId=NODE09346417</a:t>
+            </a:r>
+            <a:endParaRPr lang="en-US" altLang="ko-KR" sz="1400" dirty="0"/>
+          </a:p>
+          <a:p>
+            <a:r>
+              <a:rPr lang="ko-KR" altLang="en-US" sz="2000" dirty="0"/>
+              <a:t>위 연구는 학습과 예측 모두 </a:t>
+            </a:r>
+            <a:r>
+              <a:rPr lang="en-US" altLang="ko-KR" sz="2000" dirty="0"/>
+              <a:t>Real </a:t>
+            </a:r>
+            <a:r>
+              <a:rPr lang="ko-KR" altLang="en-US" sz="2000" dirty="0"/>
+              <a:t>데이터를 사용</a:t>
+            </a:r>
+            <a:r>
+              <a:rPr lang="en-US" altLang="ko-KR" sz="2000" dirty="0"/>
+              <a:t>.</a:t>
+            </a:r>
+            <a:endParaRPr lang="ko-KR" altLang="en-US" sz="2000" dirty="0"/>
           </a:p>
         </p:txBody>
       </p:sp>
@@ -46598,8 +44194,8 @@
             </p:nvSpPr>
             <p:spPr>
               <a:xfrm>
-                <a:off x="5274149" y="3752899"/>
-                <a:ext cx="1888004" cy="584775"/>
+                <a:off x="5208392" y="3752899"/>
+                <a:ext cx="1953761" cy="584775"/>
               </a:xfrm>
               <a:prstGeom prst="rect">
                 <a:avLst/>
@@ -46698,7 +44294,7 @@
         <p:spPr>
           <a:xfrm>
             <a:off x="1182239" y="2228864"/>
-            <a:ext cx="4573688" cy="1714380"/>
+            <a:ext cx="4540025" cy="1562287"/>
           </a:xfrm>
           <a:prstGeom prst="rect">
             <a:avLst/>
@@ -46717,7 +44313,7 @@
               </a:lnSpc>
             </a:pPr>
             <a:r>
-              <a:rPr lang="en-US" altLang="ko-KR" spc="-150" dirty="0">
+              <a:rPr lang="en-US" altLang="ko-KR" sz="1600" spc="-150" dirty="0">
                 <a:solidFill>
                   <a:schemeClr val="bg1"/>
                 </a:solidFill>
@@ -46726,7 +44322,7 @@
               <a:t>Q. Sim2Real</a:t>
             </a:r>
             <a:r>
-              <a:rPr lang="ko-KR" altLang="en-US" spc="-150" dirty="0">
+              <a:rPr lang="ko-KR" altLang="en-US" sz="1600" spc="-150" dirty="0">
                 <a:solidFill>
                   <a:schemeClr val="bg1"/>
                 </a:solidFill>
@@ -46735,7 +44331,7 @@
               <a:t>이란</a:t>
             </a:r>
             <a:r>
-              <a:rPr lang="en-US" altLang="ko-KR" spc="-150" dirty="0">
+              <a:rPr lang="en-US" altLang="ko-KR" sz="1600" spc="-150" dirty="0">
                 <a:solidFill>
                   <a:schemeClr val="bg1"/>
                 </a:solidFill>
@@ -46751,7 +44347,7 @@
               </a:lnSpc>
             </a:pPr>
             <a:r>
-              <a:rPr lang="en-US" altLang="ko-KR" spc="-150" dirty="0">
+              <a:rPr lang="en-US" altLang="ko-KR" sz="1600" spc="-150" dirty="0">
                 <a:solidFill>
                   <a:schemeClr val="bg1"/>
                 </a:solidFill>
@@ -46767,7 +44363,7 @@
               </a:lnSpc>
             </a:pPr>
             <a:r>
-              <a:rPr lang="ko-KR" altLang="en-US" spc="-150" dirty="0">
+              <a:rPr lang="ko-KR" altLang="en-US" sz="1600" spc="-150" dirty="0">
                 <a:solidFill>
                   <a:schemeClr val="bg1"/>
                 </a:solidFill>
@@ -46775,7 +44371,7 @@
               </a:rPr>
               <a:t>시뮬레이션 프로그램 등에서 얻어낸 가상의 데이터로</a:t>
             </a:r>
-            <a:endParaRPr lang="en-US" altLang="ko-KR" spc="-150" dirty="0">
+            <a:endParaRPr lang="en-US" altLang="ko-KR" sz="1600" spc="-150" dirty="0">
               <a:solidFill>
                 <a:schemeClr val="bg1"/>
               </a:solidFill>
@@ -46789,7 +44385,7 @@
               </a:lnSpc>
             </a:pPr>
             <a:r>
-              <a:rPr lang="ko-KR" altLang="en-US" spc="-150" dirty="0">
+              <a:rPr lang="ko-KR" altLang="en-US" sz="1600" spc="-150" dirty="0">
                 <a:solidFill>
                   <a:schemeClr val="bg1"/>
                 </a:solidFill>
@@ -46798,7 +44394,7 @@
               <a:t>실제 데이터를 대체</a:t>
             </a:r>
             <a:r>
-              <a:rPr lang="en-US" altLang="ko-KR" spc="-150" dirty="0">
+              <a:rPr lang="en-US" altLang="ko-KR" sz="1600" spc="-150" dirty="0">
                 <a:solidFill>
                   <a:schemeClr val="bg1"/>
                 </a:solidFill>
@@ -46824,7 +44420,7 @@
         <p:spPr>
           <a:xfrm>
             <a:off x="6648946" y="2262013"/>
-            <a:ext cx="4230645" cy="1298882"/>
+            <a:ext cx="4273927" cy="1152688"/>
           </a:xfrm>
           <a:prstGeom prst="rect">
             <a:avLst/>
@@ -46844,7 +44440,7 @@
               <a:buAutoNum type="arabicPeriod"/>
             </a:pPr>
             <a:r>
-              <a:rPr lang="en-US" altLang="ko-KR" spc="-150" dirty="0">
+              <a:rPr lang="en-US" altLang="ko-KR" sz="1600" spc="-150" dirty="0">
                 <a:solidFill>
                   <a:schemeClr val="bg1"/>
                 </a:solidFill>
@@ -46860,7 +44456,7 @@
               </a:lnSpc>
             </a:pPr>
             <a:r>
-              <a:rPr lang="ko-KR" altLang="en-US" spc="-150" dirty="0">
+              <a:rPr lang="ko-KR" altLang="en-US" sz="1600" spc="-150" dirty="0">
                 <a:solidFill>
                   <a:schemeClr val="bg1"/>
                 </a:solidFill>
@@ -46868,7 +44464,7 @@
               </a:rPr>
               <a:t>데이터 추출 프로그램을 개량하여 </a:t>
             </a:r>
-            <a:endParaRPr lang="en-US" altLang="ko-KR" spc="-150" dirty="0">
+            <a:endParaRPr lang="en-US" altLang="ko-KR" sz="1600" spc="-150" dirty="0">
               <a:solidFill>
                 <a:schemeClr val="bg1"/>
               </a:solidFill>
@@ -46882,7 +44478,7 @@
               </a:lnSpc>
             </a:pPr>
             <a:r>
-              <a:rPr lang="ko-KR" altLang="en-US" spc="-150" dirty="0">
+              <a:rPr lang="ko-KR" altLang="en-US" sz="1600" spc="-150" dirty="0">
                 <a:solidFill>
                   <a:schemeClr val="bg1"/>
                 </a:solidFill>
@@ -46890,7 +44486,7 @@
               </a:rPr>
               <a:t>실제 데이터와 유사한  테스트 데이터를 만들어 냄</a:t>
             </a:r>
-            <a:endParaRPr lang="en-US" altLang="ko-KR" spc="-150" dirty="0">
+            <a:endParaRPr lang="en-US" altLang="ko-KR" sz="1600" spc="-150" dirty="0">
               <a:solidFill>
                 <a:schemeClr val="bg1"/>
               </a:solidFill>
@@ -47049,7 +44645,7 @@
         <p:spPr>
           <a:xfrm>
             <a:off x="1182239" y="4749554"/>
-            <a:ext cx="4802918" cy="1298882"/>
+            <a:ext cx="4778872" cy="1152688"/>
           </a:xfrm>
           <a:prstGeom prst="rect">
             <a:avLst/>
@@ -47070,7 +44666,7 @@
               <a:buAutoNum type="arabicPeriod" startAt="2"/>
             </a:pPr>
             <a:r>
-              <a:rPr lang="en-US" altLang="ko-KR" spc="-150" dirty="0">
+              <a:rPr lang="en-US" altLang="ko-KR" sz="1600" spc="-150" dirty="0">
                 <a:solidFill>
                   <a:schemeClr val="bg1"/>
                 </a:solidFill>
@@ -47079,7 +44675,7 @@
               <a:t>Domain</a:t>
             </a:r>
             <a:r>
-              <a:rPr lang="ko-KR" altLang="en-US" spc="-150" dirty="0">
+              <a:rPr lang="ko-KR" altLang="en-US" sz="1600" spc="-150" dirty="0">
                 <a:solidFill>
                   <a:schemeClr val="bg1"/>
                 </a:solidFill>
@@ -47088,7 +44684,7 @@
               <a:t> </a:t>
             </a:r>
             <a:r>
-              <a:rPr lang="en-US" altLang="ko-KR" spc="-150" dirty="0">
+              <a:rPr lang="en-US" altLang="ko-KR" sz="1600" spc="-150" dirty="0">
                 <a:solidFill>
                   <a:schemeClr val="bg1"/>
                 </a:solidFill>
@@ -47104,7 +44700,7 @@
               </a:lnSpc>
             </a:pPr>
             <a:r>
-              <a:rPr lang="ko-KR" altLang="en-US" spc="-150" dirty="0">
+              <a:rPr lang="ko-KR" altLang="en-US" sz="1600" spc="-150" dirty="0">
                 <a:solidFill>
                   <a:schemeClr val="bg1"/>
                 </a:solidFill>
@@ -47112,7 +44708,7 @@
               </a:rPr>
               <a:t>일정 개수의 데이터를 추출해 낸 뒤</a:t>
             </a:r>
-            <a:endParaRPr lang="en-US" altLang="ko-KR" spc="-150" dirty="0">
+            <a:endParaRPr lang="en-US" altLang="ko-KR" sz="1600" spc="-150" dirty="0">
               <a:solidFill>
                 <a:schemeClr val="bg1"/>
               </a:solidFill>
@@ -47126,7 +44722,7 @@
               </a:lnSpc>
             </a:pPr>
             <a:r>
-              <a:rPr lang="ko-KR" altLang="en-US" spc="-150" dirty="0">
+              <a:rPr lang="ko-KR" altLang="en-US" sz="1600" spc="-150" dirty="0">
                 <a:solidFill>
                   <a:schemeClr val="bg1"/>
                 </a:solidFill>
@@ -47134,7 +44730,7 @@
               </a:rPr>
               <a:t>알고리즘을 통해 랜덤하게 조정된 데이터들을 만들어 냄</a:t>
             </a:r>
-            <a:endParaRPr lang="en-US" altLang="ko-KR" spc="-150" dirty="0">
+            <a:endParaRPr lang="en-US" altLang="ko-KR" sz="1600" spc="-150" dirty="0">
               <a:solidFill>
                 <a:schemeClr val="bg1"/>
               </a:solidFill>
@@ -47158,7 +44754,7 @@
         <p:spPr>
           <a:xfrm>
             <a:off x="6648946" y="4765875"/>
-            <a:ext cx="4676280" cy="1298882"/>
+            <a:ext cx="4671472" cy="1152688"/>
           </a:xfrm>
           <a:prstGeom prst="rect">
             <a:avLst/>
@@ -47179,19 +44775,19 @@
               <a:buAutoNum type="arabicPeriod" startAt="3"/>
             </a:pPr>
             <a:r>
-              <a:rPr lang="en-US" altLang="ko-KR" spc="-150" dirty="0">
+              <a:rPr lang="en-US" altLang="ko-KR" sz="1600" spc="-150" dirty="0">
                 <a:latin typeface="+mn-ea"/>
               </a:rPr>
               <a:t>Data</a:t>
             </a:r>
             <a:r>
-              <a:rPr lang="ko-KR" altLang="en-US" spc="-150" dirty="0">
+              <a:rPr lang="ko-KR" altLang="en-US" sz="1600" spc="-150" dirty="0">
                 <a:latin typeface="+mn-ea"/>
               </a:rPr>
               <a:t> </a:t>
             </a:r>
             <a:r>
-              <a:rPr lang="en-US" altLang="ko-KR" spc="-150" dirty="0">
+              <a:rPr lang="en-US" altLang="ko-KR" sz="1600" spc="-150" dirty="0">
                 <a:latin typeface="+mn-ea"/>
               </a:rPr>
               <a:t>Adaptation</a:t>
@@ -47204,12 +44800,12 @@
               </a:lnSpc>
             </a:pPr>
             <a:r>
-              <a:rPr lang="ko-KR" altLang="en-US" spc="-150" dirty="0">
+              <a:rPr lang="ko-KR" altLang="en-US" sz="1600" spc="-150" dirty="0">
                 <a:latin typeface="+mn-ea"/>
               </a:rPr>
               <a:t>시뮬레이션 프로그램에서 데이터를 추출해내고</a:t>
             </a:r>
-            <a:endParaRPr lang="en-US" altLang="ko-KR" spc="-150" dirty="0">
+            <a:endParaRPr lang="en-US" altLang="ko-KR" sz="1600" spc="-150" dirty="0">
               <a:latin typeface="+mn-ea"/>
             </a:endParaRPr>
           </a:p>
@@ -47220,13 +44816,13 @@
               </a:lnSpc>
             </a:pPr>
             <a:r>
-              <a:rPr lang="ko-KR" altLang="en-US" spc="-150" dirty="0">
+              <a:rPr lang="ko-KR" altLang="en-US" sz="1600" spc="-150" dirty="0">
                 <a:latin typeface="+mn-ea"/>
               </a:rPr>
               <a:t>이를 후처리를 통해 실제 데이터와 비슷하게 만들어 냄</a:t>
             </a:r>
             <a:r>
-              <a:rPr lang="en-US" altLang="ko-KR" spc="-150" dirty="0">
+              <a:rPr lang="en-US" altLang="ko-KR" sz="1600" spc="-150" dirty="0">
                 <a:latin typeface="+mn-ea"/>
               </a:rPr>
               <a:t>.</a:t>
@@ -48750,41 +46346,6 @@
           <a:chExt cx="0" cy="0"/>
         </a:xfrm>
       </p:grpSpPr>
-      <p:pic>
-        <p:nvPicPr>
-          <p:cNvPr id="2" name="그림 1">
-            <a:extLst>
-              <a:ext uri="{FF2B5EF4-FFF2-40B4-BE49-F238E27FC236}">
-                <a16:creationId xmlns:a16="http://schemas.microsoft.com/office/drawing/2014/main" id="{5002FDC5-1C54-4BEE-9C89-4E8C30029A96}"/>
-              </a:ext>
-            </a:extLst>
-          </p:cNvPr>
-          <p:cNvPicPr>
-            <a:picLocks noChangeAspect="1"/>
-          </p:cNvPicPr>
-          <p:nvPr/>
-        </p:nvPicPr>
-        <p:blipFill rotWithShape="1">
-          <a:blip r:embed="rId2" cstate="screen">
-            <a:extLst>
-              <a:ext uri="{28A0092B-C50C-407E-A947-70E740481C1C}">
-                <a14:useLocalDpi xmlns:a14="http://schemas.microsoft.com/office/drawing/2010/main" val="0"/>
-              </a:ext>
-            </a:extLst>
-          </a:blip>
-          <a:srcRect l="-652"/>
-          <a:stretch/>
-        </p:blipFill>
-        <p:spPr>
-          <a:xfrm>
-            <a:off x="2783840" y="0"/>
-            <a:ext cx="9408160" cy="6858000"/>
-          </a:xfrm>
-          <a:prstGeom prst="rect">
-            <a:avLst/>
-          </a:prstGeom>
-        </p:spPr>
-      </p:pic>
       <p:sp>
         <p:nvSpPr>
           <p:cNvPr id="21" name="직사각형 20">
@@ -48800,7 +46361,7 @@
         <p:spPr>
           <a:xfrm>
             <a:off x="0" y="0"/>
-            <a:ext cx="6096000" cy="6858000"/>
+            <a:ext cx="6080766" cy="6858000"/>
           </a:xfrm>
           <a:prstGeom prst="rect">
             <a:avLst/>
@@ -49014,8 +46575,8 @@
         </p:nvSpPr>
         <p:spPr>
           <a:xfrm>
-            <a:off x="867082" y="2067023"/>
-            <a:ext cx="4346602" cy="1631216"/>
+            <a:off x="867081" y="2067023"/>
+            <a:ext cx="4467889" cy="2246769"/>
           </a:xfrm>
           <a:prstGeom prst="rect">
             <a:avLst/>
@@ -49027,6 +46588,34 @@
             <a:spAutoFit/>
           </a:bodyPr>
           <a:lstStyle/>
+          <a:p>
+            <a:pPr marL="342900" indent="-342900">
+              <a:buAutoNum type="arabicPeriod"/>
+            </a:pPr>
+            <a:r>
+              <a:rPr lang="ko-KR" altLang="en-US" sz="2000" dirty="0">
+                <a:solidFill>
+                  <a:schemeClr val="bg1"/>
+                </a:solidFill>
+              </a:rPr>
+              <a:t>진행 과정</a:t>
+            </a:r>
+            <a:endParaRPr lang="en-US" altLang="ko-KR" sz="2000" dirty="0">
+              <a:solidFill>
+                <a:schemeClr val="bg1"/>
+              </a:solidFill>
+            </a:endParaRPr>
+          </a:p>
+          <a:p>
+            <a:pPr marL="342900" indent="-342900">
+              <a:buAutoNum type="arabicPeriod"/>
+            </a:pPr>
+            <a:endParaRPr lang="en-US" altLang="ko-KR" sz="2000" dirty="0">
+              <a:solidFill>
+                <a:schemeClr val="bg1"/>
+              </a:solidFill>
+            </a:endParaRPr>
+          </a:p>
           <a:p>
             <a:pPr marL="342900" indent="-342900">
               <a:buAutoNum type="arabicPeriod"/>
@@ -49181,6 +46770,116 @@
           </a:p>
         </p:txBody>
       </p:sp>
+      <p:grpSp>
+        <p:nvGrpSpPr>
+          <p:cNvPr id="6" name="그룹 5">
+            <a:extLst>
+              <a:ext uri="{FF2B5EF4-FFF2-40B4-BE49-F238E27FC236}">
+                <a16:creationId xmlns:a16="http://schemas.microsoft.com/office/drawing/2014/main" id="{A008F968-549A-4F77-B31F-62B3191705B6}"/>
+              </a:ext>
+            </a:extLst>
+          </p:cNvPr>
+          <p:cNvGrpSpPr/>
+          <p:nvPr/>
+        </p:nvGrpSpPr>
+        <p:grpSpPr>
+          <a:xfrm>
+            <a:off x="6080766" y="0"/>
+            <a:ext cx="6111235" cy="6857999"/>
+            <a:chOff x="6080766" y="0"/>
+            <a:chExt cx="6111235" cy="6857999"/>
+          </a:xfrm>
+        </p:grpSpPr>
+        <p:sp>
+          <p:nvSpPr>
+            <p:cNvPr id="4" name="직사각형 3">
+              <a:extLst>
+                <a:ext uri="{FF2B5EF4-FFF2-40B4-BE49-F238E27FC236}">
+                  <a16:creationId xmlns:a16="http://schemas.microsoft.com/office/drawing/2014/main" id="{D0FCFA6D-7003-4AB1-82A9-3ECB7899EC9C}"/>
+                </a:ext>
+              </a:extLst>
+            </p:cNvPr>
+            <p:cNvSpPr/>
+            <p:nvPr/>
+          </p:nvSpPr>
+          <p:spPr>
+            <a:xfrm>
+              <a:off x="6080766" y="0"/>
+              <a:ext cx="6111234" cy="6857999"/>
+            </a:xfrm>
+            <a:prstGeom prst="rect">
+              <a:avLst/>
+            </a:prstGeom>
+            <a:solidFill>
+              <a:srgbClr val="000000"/>
+            </a:solidFill>
+            <a:ln>
+              <a:solidFill>
+                <a:srgbClr val="000000"/>
+              </a:solidFill>
+            </a:ln>
+          </p:spPr>
+          <p:style>
+            <a:lnRef idx="2">
+              <a:schemeClr val="accent1">
+                <a:shade val="50000"/>
+              </a:schemeClr>
+            </a:lnRef>
+            <a:fillRef idx="1">
+              <a:schemeClr val="accent1"/>
+            </a:fillRef>
+            <a:effectRef idx="0">
+              <a:schemeClr val="accent1"/>
+            </a:effectRef>
+            <a:fontRef idx="minor">
+              <a:schemeClr val="lt1"/>
+            </a:fontRef>
+          </p:style>
+          <p:txBody>
+            <a:bodyPr rtlCol="0" anchor="ctr"/>
+            <a:lstStyle/>
+            <a:p>
+              <a:pPr algn="ctr"/>
+              <a:endParaRPr lang="ko-KR" altLang="en-US"/>
+            </a:p>
+          </p:txBody>
+        </p:sp>
+        <p:pic>
+          <p:nvPicPr>
+            <p:cNvPr id="5" name="그림 4" descr="트럭, 버스, 엔진, 거리이(가) 표시된 사진&#10;&#10;자동 생성된 설명">
+              <a:extLst>
+                <a:ext uri="{FF2B5EF4-FFF2-40B4-BE49-F238E27FC236}">
+                  <a16:creationId xmlns:a16="http://schemas.microsoft.com/office/drawing/2014/main" id="{782521AF-D8FE-425E-AF73-CCE8DA89EC43}"/>
+                </a:ext>
+              </a:extLst>
+            </p:cNvPr>
+            <p:cNvPicPr>
+              <a:picLocks noChangeAspect="1"/>
+            </p:cNvPicPr>
+            <p:nvPr/>
+          </p:nvPicPr>
+          <p:blipFill rotWithShape="1">
+            <a:blip r:embed="rId2" cstate="screen">
+              <a:extLst>
+                <a:ext uri="{28A0092B-C50C-407E-A947-70E740481C1C}">
+                  <a14:useLocalDpi xmlns:a14="http://schemas.microsoft.com/office/drawing/2010/main" val="0"/>
+                </a:ext>
+              </a:extLst>
+            </a:blip>
+            <a:srcRect/>
+            <a:stretch/>
+          </p:blipFill>
+          <p:spPr>
+            <a:xfrm>
+              <a:off x="6080767" y="665022"/>
+              <a:ext cx="6111234" cy="5544582"/>
+            </a:xfrm>
+            <a:prstGeom prst="rect">
+              <a:avLst/>
+            </a:prstGeom>
+          </p:spPr>
+        </p:pic>
+      </p:grpSp>
     </p:spTree>
     <p:extLst>
       <p:ext uri="{BB962C8B-B14F-4D97-AF65-F5344CB8AC3E}">
